--- a/Projet électif.pptx
+++ b/Projet électif.pptx
@@ -4,6 +4,12 @@
   <p:sldMasterIdLst>
     <p:sldMasterId id="2147483732" r:id="rId1"/>
   </p:sldMasterIdLst>
+  <p:notesMasterIdLst>
+    <p:notesMasterId r:id="rId14"/>
+  </p:notesMasterIdLst>
+  <p:handoutMasterIdLst>
+    <p:handoutMasterId r:id="rId15"/>
+  </p:handoutMasterIdLst>
   <p:sldIdLst>
     <p:sldId id="256" r:id="rId2"/>
     <p:sldId id="262" r:id="rId3"/>
@@ -115,7 +121,550 @@
       </a:defRPr>
     </a:lvl9pPr>
   </p:defaultTextStyle>
+  <p:extLst>
+    <p:ext uri="{EFAFB233-063F-42B5-8137-9DF3F51BA10A}">
+      <p15:sldGuideLst xmlns:p15="http://schemas.microsoft.com/office/powerpoint/2012/main"/>
+    </p:ext>
+  </p:extLst>
 </p:presentation>
+</file>
+
+<file path=ppt/handoutMasters/handoutMaster1.xml><?xml version="1.0" encoding="utf-8"?>
+<p:handoutMaster xmlns:a="http://schemas.openxmlformats.org/drawingml/2006/main" xmlns:r="http://schemas.openxmlformats.org/officeDocument/2006/relationships" xmlns:p="http://schemas.openxmlformats.org/presentationml/2006/main">
+  <p:cSld>
+    <p:bg>
+      <p:bgRef idx="1001">
+        <a:schemeClr val="bg1"/>
+      </p:bgRef>
+    </p:bg>
+    <p:spTree>
+      <p:nvGrpSpPr>
+        <p:cNvPr id="1" name=""/>
+        <p:cNvGrpSpPr/>
+        <p:nvPr/>
+      </p:nvGrpSpPr>
+      <p:grpSpPr>
+        <a:xfrm>
+          <a:off x="0" y="0"/>
+          <a:ext cx="0" cy="0"/>
+          <a:chOff x="0" y="0"/>
+          <a:chExt cx="0" cy="0"/>
+        </a:xfrm>
+      </p:grpSpPr>
+      <p:sp>
+        <p:nvSpPr>
+          <p:cNvPr id="2" name="Espace réservé de l'en-tête 1">
+            <a:extLst>
+              <a:ext uri="{FF2B5EF4-FFF2-40B4-BE49-F238E27FC236}">
+                <a16:creationId xmlns:a16="http://schemas.microsoft.com/office/drawing/2014/main" id="{F4A500EA-A070-4E8D-85E9-7AD9F00C2EBD}"/>
+              </a:ext>
+            </a:extLst>
+          </p:cNvPr>
+          <p:cNvSpPr>
+            <a:spLocks noGrp="1"/>
+          </p:cNvSpPr>
+          <p:nvPr>
+            <p:ph type="hdr" sz="quarter"/>
+          </p:nvPr>
+        </p:nvSpPr>
+        <p:spPr>
+          <a:xfrm>
+            <a:off x="0" y="0"/>
+            <a:ext cx="2971800" cy="458788"/>
+          </a:xfrm>
+          <a:prstGeom prst="rect">
+            <a:avLst/>
+          </a:prstGeom>
+        </p:spPr>
+        <p:txBody>
+          <a:bodyPr vert="horz" lIns="91440" tIns="45720" rIns="91440" bIns="45720" rtlCol="0"/>
+          <a:lstStyle>
+            <a:lvl1pPr algn="l">
+              <a:defRPr sz="1200"/>
+            </a:lvl1pPr>
+          </a:lstStyle>
+          <a:p>
+            <a:endParaRPr lang="fr-FR"/>
+          </a:p>
+        </p:txBody>
+      </p:sp>
+      <p:sp>
+        <p:nvSpPr>
+          <p:cNvPr id="3" name="Espace réservé de la date 2">
+            <a:extLst>
+              <a:ext uri="{FF2B5EF4-FFF2-40B4-BE49-F238E27FC236}">
+                <a16:creationId xmlns:a16="http://schemas.microsoft.com/office/drawing/2014/main" id="{00E9F451-40D4-49BD-AC87-0F8B039D9CFA}"/>
+              </a:ext>
+            </a:extLst>
+          </p:cNvPr>
+          <p:cNvSpPr>
+            <a:spLocks noGrp="1"/>
+          </p:cNvSpPr>
+          <p:nvPr>
+            <p:ph type="dt" sz="quarter" idx="1"/>
+          </p:nvPr>
+        </p:nvSpPr>
+        <p:spPr>
+          <a:xfrm>
+            <a:off x="3884613" y="0"/>
+            <a:ext cx="2971800" cy="458788"/>
+          </a:xfrm>
+          <a:prstGeom prst="rect">
+            <a:avLst/>
+          </a:prstGeom>
+        </p:spPr>
+        <p:txBody>
+          <a:bodyPr vert="horz" lIns="91440" tIns="45720" rIns="91440" bIns="45720" rtlCol="0"/>
+          <a:lstStyle>
+            <a:lvl1pPr algn="r">
+              <a:defRPr sz="1200"/>
+            </a:lvl1pPr>
+          </a:lstStyle>
+          <a:p>
+            <a:fld id="{C34B4EED-50BE-47B9-BAF5-F7BDD7BEE753}" type="datetimeFigureOut">
+              <a:rPr lang="fr-FR" smtClean="0"/>
+              <a:t>11/01/2020</a:t>
+            </a:fld>
+            <a:endParaRPr lang="fr-FR"/>
+          </a:p>
+        </p:txBody>
+      </p:sp>
+      <p:sp>
+        <p:nvSpPr>
+          <p:cNvPr id="4" name="Espace réservé du pied de page 3">
+            <a:extLst>
+              <a:ext uri="{FF2B5EF4-FFF2-40B4-BE49-F238E27FC236}">
+                <a16:creationId xmlns:a16="http://schemas.microsoft.com/office/drawing/2014/main" id="{5CA28430-E737-4AD0-A2B6-800043607454}"/>
+              </a:ext>
+            </a:extLst>
+          </p:cNvPr>
+          <p:cNvSpPr>
+            <a:spLocks noGrp="1"/>
+          </p:cNvSpPr>
+          <p:nvPr>
+            <p:ph type="ftr" sz="quarter" idx="2"/>
+          </p:nvPr>
+        </p:nvSpPr>
+        <p:spPr>
+          <a:xfrm>
+            <a:off x="0" y="8685213"/>
+            <a:ext cx="2971800" cy="458787"/>
+          </a:xfrm>
+          <a:prstGeom prst="rect">
+            <a:avLst/>
+          </a:prstGeom>
+        </p:spPr>
+        <p:txBody>
+          <a:bodyPr vert="horz" lIns="91440" tIns="45720" rIns="91440" bIns="45720" rtlCol="0" anchor="b"/>
+          <a:lstStyle>
+            <a:lvl1pPr algn="l">
+              <a:defRPr sz="1200"/>
+            </a:lvl1pPr>
+          </a:lstStyle>
+          <a:p>
+            <a:endParaRPr lang="fr-FR"/>
+          </a:p>
+        </p:txBody>
+      </p:sp>
+      <p:sp>
+        <p:nvSpPr>
+          <p:cNvPr id="5" name="Espace réservé du numéro de diapositive 4">
+            <a:extLst>
+              <a:ext uri="{FF2B5EF4-FFF2-40B4-BE49-F238E27FC236}">
+                <a16:creationId xmlns:a16="http://schemas.microsoft.com/office/drawing/2014/main" id="{BEFCE41C-2A44-44DC-BC0E-8D539CD9B6CD}"/>
+              </a:ext>
+            </a:extLst>
+          </p:cNvPr>
+          <p:cNvSpPr>
+            <a:spLocks noGrp="1"/>
+          </p:cNvSpPr>
+          <p:nvPr>
+            <p:ph type="sldNum" sz="quarter" idx="3"/>
+          </p:nvPr>
+        </p:nvSpPr>
+        <p:spPr>
+          <a:xfrm>
+            <a:off x="3884613" y="8685213"/>
+            <a:ext cx="2971800" cy="458787"/>
+          </a:xfrm>
+          <a:prstGeom prst="rect">
+            <a:avLst/>
+          </a:prstGeom>
+        </p:spPr>
+        <p:txBody>
+          <a:bodyPr vert="horz" lIns="91440" tIns="45720" rIns="91440" bIns="45720" rtlCol="0" anchor="b"/>
+          <a:lstStyle>
+            <a:lvl1pPr algn="r">
+              <a:defRPr sz="1200"/>
+            </a:lvl1pPr>
+          </a:lstStyle>
+          <a:p>
+            <a:fld id="{A978F939-5DCE-4CD1-BBA6-16C16C502AD1}" type="slidenum">
+              <a:rPr lang="fr-FR" smtClean="0"/>
+              <a:t>‹N°›</a:t>
+            </a:fld>
+            <a:endParaRPr lang="fr-FR"/>
+          </a:p>
+        </p:txBody>
+      </p:sp>
+    </p:spTree>
+    <p:extLst>
+      <p:ext uri="{BB962C8B-B14F-4D97-AF65-F5344CB8AC3E}">
+        <p14:creationId xmlns:p14="http://schemas.microsoft.com/office/powerpoint/2010/main" val="3515585574"/>
+      </p:ext>
+    </p:extLst>
+  </p:cSld>
+  <p:clrMap bg1="lt1" tx1="dk1" bg2="lt2" tx2="dk2" accent1="accent1" accent2="accent2" accent3="accent3" accent4="accent4" accent5="accent5" accent6="accent6" hlink="hlink" folHlink="folHlink"/>
+</p:handoutMaster>
+</file>
+
+<file path=ppt/notesMasters/notesMaster1.xml><?xml version="1.0" encoding="utf-8"?>
+<p:notesMaster xmlns:a="http://schemas.openxmlformats.org/drawingml/2006/main" xmlns:r="http://schemas.openxmlformats.org/officeDocument/2006/relationships" xmlns:p="http://schemas.openxmlformats.org/presentationml/2006/main">
+  <p:cSld>
+    <p:bg>
+      <p:bgRef idx="1001">
+        <a:schemeClr val="bg1"/>
+      </p:bgRef>
+    </p:bg>
+    <p:spTree>
+      <p:nvGrpSpPr>
+        <p:cNvPr id="1" name=""/>
+        <p:cNvGrpSpPr/>
+        <p:nvPr/>
+      </p:nvGrpSpPr>
+      <p:grpSpPr>
+        <a:xfrm>
+          <a:off x="0" y="0"/>
+          <a:ext cx="0" cy="0"/>
+          <a:chOff x="0" y="0"/>
+          <a:chExt cx="0" cy="0"/>
+        </a:xfrm>
+      </p:grpSpPr>
+      <p:sp>
+        <p:nvSpPr>
+          <p:cNvPr id="2" name="Espace réservé de l'en-tête 1"/>
+          <p:cNvSpPr>
+            <a:spLocks noGrp="1"/>
+          </p:cNvSpPr>
+          <p:nvPr>
+            <p:ph type="hdr" sz="quarter"/>
+          </p:nvPr>
+        </p:nvSpPr>
+        <p:spPr>
+          <a:xfrm>
+            <a:off x="0" y="0"/>
+            <a:ext cx="2971800" cy="458788"/>
+          </a:xfrm>
+          <a:prstGeom prst="rect">
+            <a:avLst/>
+          </a:prstGeom>
+        </p:spPr>
+        <p:txBody>
+          <a:bodyPr vert="horz" lIns="91440" tIns="45720" rIns="91440" bIns="45720" rtlCol="0"/>
+          <a:lstStyle>
+            <a:lvl1pPr algn="l">
+              <a:defRPr sz="1200"/>
+            </a:lvl1pPr>
+          </a:lstStyle>
+          <a:p>
+            <a:endParaRPr lang="fr-FR"/>
+          </a:p>
+        </p:txBody>
+      </p:sp>
+      <p:sp>
+        <p:nvSpPr>
+          <p:cNvPr id="3" name="Espace réservé de la date 2"/>
+          <p:cNvSpPr>
+            <a:spLocks noGrp="1"/>
+          </p:cNvSpPr>
+          <p:nvPr>
+            <p:ph type="dt" idx="1"/>
+          </p:nvPr>
+        </p:nvSpPr>
+        <p:spPr>
+          <a:xfrm>
+            <a:off x="3884613" y="0"/>
+            <a:ext cx="2971800" cy="458788"/>
+          </a:xfrm>
+          <a:prstGeom prst="rect">
+            <a:avLst/>
+          </a:prstGeom>
+        </p:spPr>
+        <p:txBody>
+          <a:bodyPr vert="horz" lIns="91440" tIns="45720" rIns="91440" bIns="45720" rtlCol="0"/>
+          <a:lstStyle>
+            <a:lvl1pPr algn="r">
+              <a:defRPr sz="1200"/>
+            </a:lvl1pPr>
+          </a:lstStyle>
+          <a:p>
+            <a:fld id="{A634583A-3DC2-4121-A24A-FF1C1B658648}" type="datetimeFigureOut">
+              <a:rPr lang="fr-FR" smtClean="0"/>
+              <a:t>11/01/2020</a:t>
+            </a:fld>
+            <a:endParaRPr lang="fr-FR"/>
+          </a:p>
+        </p:txBody>
+      </p:sp>
+      <p:sp>
+        <p:nvSpPr>
+          <p:cNvPr id="4" name="Espace réservé de l'image des diapositives 3"/>
+          <p:cNvSpPr>
+            <a:spLocks noGrp="1" noRot="1" noChangeAspect="1"/>
+          </p:cNvSpPr>
+          <p:nvPr>
+            <p:ph type="sldImg" idx="2"/>
+          </p:nvPr>
+        </p:nvSpPr>
+        <p:spPr>
+          <a:xfrm>
+            <a:off x="685800" y="1143000"/>
+            <a:ext cx="5486400" cy="3086100"/>
+          </a:xfrm>
+          <a:prstGeom prst="rect">
+            <a:avLst/>
+          </a:prstGeom>
+          <a:noFill/>
+          <a:ln w="12700">
+            <a:solidFill>
+              <a:prstClr val="black"/>
+            </a:solidFill>
+          </a:ln>
+        </p:spPr>
+        <p:txBody>
+          <a:bodyPr vert="horz" lIns="91440" tIns="45720" rIns="91440" bIns="45720" rtlCol="0" anchor="ctr"/>
+          <a:lstStyle/>
+          <a:p>
+            <a:endParaRPr lang="fr-FR"/>
+          </a:p>
+        </p:txBody>
+      </p:sp>
+      <p:sp>
+        <p:nvSpPr>
+          <p:cNvPr id="5" name="Espace réservé des notes 4"/>
+          <p:cNvSpPr>
+            <a:spLocks noGrp="1"/>
+          </p:cNvSpPr>
+          <p:nvPr>
+            <p:ph type="body" sz="quarter" idx="3"/>
+          </p:nvPr>
+        </p:nvSpPr>
+        <p:spPr>
+          <a:xfrm>
+            <a:off x="685800" y="4400550"/>
+            <a:ext cx="5486400" cy="3600450"/>
+          </a:xfrm>
+          <a:prstGeom prst="rect">
+            <a:avLst/>
+          </a:prstGeom>
+        </p:spPr>
+        <p:txBody>
+          <a:bodyPr vert="horz" lIns="91440" tIns="45720" rIns="91440" bIns="45720" rtlCol="0"/>
+          <a:lstStyle/>
+          <a:p>
+            <a:pPr lvl="0"/>
+            <a:r>
+              <a:rPr lang="fr-FR"/>
+              <a:t>Cliquez pour modifier les styles du texte du masque</a:t>
+            </a:r>
+          </a:p>
+          <a:p>
+            <a:pPr lvl="1"/>
+            <a:r>
+              <a:rPr lang="fr-FR"/>
+              <a:t>Deuxième niveau</a:t>
+            </a:r>
+          </a:p>
+          <a:p>
+            <a:pPr lvl="2"/>
+            <a:r>
+              <a:rPr lang="fr-FR"/>
+              <a:t>Troisième niveau</a:t>
+            </a:r>
+          </a:p>
+          <a:p>
+            <a:pPr lvl="3"/>
+            <a:r>
+              <a:rPr lang="fr-FR"/>
+              <a:t>Quatrième niveau</a:t>
+            </a:r>
+          </a:p>
+          <a:p>
+            <a:pPr lvl="4"/>
+            <a:r>
+              <a:rPr lang="fr-FR"/>
+              <a:t>Cinquième niveau</a:t>
+            </a:r>
+          </a:p>
+        </p:txBody>
+      </p:sp>
+      <p:sp>
+        <p:nvSpPr>
+          <p:cNvPr id="6" name="Espace réservé du pied de page 5"/>
+          <p:cNvSpPr>
+            <a:spLocks noGrp="1"/>
+          </p:cNvSpPr>
+          <p:nvPr>
+            <p:ph type="ftr" sz="quarter" idx="4"/>
+          </p:nvPr>
+        </p:nvSpPr>
+        <p:spPr>
+          <a:xfrm>
+            <a:off x="0" y="8685213"/>
+            <a:ext cx="2971800" cy="458787"/>
+          </a:xfrm>
+          <a:prstGeom prst="rect">
+            <a:avLst/>
+          </a:prstGeom>
+        </p:spPr>
+        <p:txBody>
+          <a:bodyPr vert="horz" lIns="91440" tIns="45720" rIns="91440" bIns="45720" rtlCol="0" anchor="b"/>
+          <a:lstStyle>
+            <a:lvl1pPr algn="l">
+              <a:defRPr sz="1200"/>
+            </a:lvl1pPr>
+          </a:lstStyle>
+          <a:p>
+            <a:endParaRPr lang="fr-FR"/>
+          </a:p>
+        </p:txBody>
+      </p:sp>
+      <p:sp>
+        <p:nvSpPr>
+          <p:cNvPr id="7" name="Espace réservé du numéro de diapositive 6"/>
+          <p:cNvSpPr>
+            <a:spLocks noGrp="1"/>
+          </p:cNvSpPr>
+          <p:nvPr>
+            <p:ph type="sldNum" sz="quarter" idx="5"/>
+          </p:nvPr>
+        </p:nvSpPr>
+        <p:spPr>
+          <a:xfrm>
+            <a:off x="3884613" y="8685213"/>
+            <a:ext cx="2971800" cy="458787"/>
+          </a:xfrm>
+          <a:prstGeom prst="rect">
+            <a:avLst/>
+          </a:prstGeom>
+        </p:spPr>
+        <p:txBody>
+          <a:bodyPr vert="horz" lIns="91440" tIns="45720" rIns="91440" bIns="45720" rtlCol="0" anchor="b"/>
+          <a:lstStyle>
+            <a:lvl1pPr algn="r">
+              <a:defRPr sz="1200"/>
+            </a:lvl1pPr>
+          </a:lstStyle>
+          <a:p>
+            <a:fld id="{128F95FB-93A1-4F05-9997-1933CF0C044F}" type="slidenum">
+              <a:rPr lang="fr-FR" smtClean="0"/>
+              <a:t>‹N°›</a:t>
+            </a:fld>
+            <a:endParaRPr lang="fr-FR"/>
+          </a:p>
+        </p:txBody>
+      </p:sp>
+    </p:spTree>
+    <p:extLst>
+      <p:ext uri="{BB962C8B-B14F-4D97-AF65-F5344CB8AC3E}">
+        <p14:creationId xmlns:p14="http://schemas.microsoft.com/office/powerpoint/2010/main" val="3597253832"/>
+      </p:ext>
+    </p:extLst>
+  </p:cSld>
+  <p:clrMap bg1="lt1" tx1="dk1" bg2="lt2" tx2="dk2" accent1="accent1" accent2="accent2" accent3="accent3" accent4="accent4" accent5="accent5" accent6="accent6" hlink="hlink" folHlink="folHlink"/>
+  <p:notesStyle>
+    <a:lvl1pPr marL="0" algn="l" defTabSz="914400" rtl="0" eaLnBrk="1" latinLnBrk="0" hangingPunct="1">
+      <a:defRPr sz="1200" kern="1200">
+        <a:solidFill>
+          <a:schemeClr val="tx1"/>
+        </a:solidFill>
+        <a:latin typeface="+mn-lt"/>
+        <a:ea typeface="+mn-ea"/>
+        <a:cs typeface="+mn-cs"/>
+      </a:defRPr>
+    </a:lvl1pPr>
+    <a:lvl2pPr marL="457200" algn="l" defTabSz="914400" rtl="0" eaLnBrk="1" latinLnBrk="0" hangingPunct="1">
+      <a:defRPr sz="1200" kern="1200">
+        <a:solidFill>
+          <a:schemeClr val="tx1"/>
+        </a:solidFill>
+        <a:latin typeface="+mn-lt"/>
+        <a:ea typeface="+mn-ea"/>
+        <a:cs typeface="+mn-cs"/>
+      </a:defRPr>
+    </a:lvl2pPr>
+    <a:lvl3pPr marL="914400" algn="l" defTabSz="914400" rtl="0" eaLnBrk="1" latinLnBrk="0" hangingPunct="1">
+      <a:defRPr sz="1200" kern="1200">
+        <a:solidFill>
+          <a:schemeClr val="tx1"/>
+        </a:solidFill>
+        <a:latin typeface="+mn-lt"/>
+        <a:ea typeface="+mn-ea"/>
+        <a:cs typeface="+mn-cs"/>
+      </a:defRPr>
+    </a:lvl3pPr>
+    <a:lvl4pPr marL="1371600" algn="l" defTabSz="914400" rtl="0" eaLnBrk="1" latinLnBrk="0" hangingPunct="1">
+      <a:defRPr sz="1200" kern="1200">
+        <a:solidFill>
+          <a:schemeClr val="tx1"/>
+        </a:solidFill>
+        <a:latin typeface="+mn-lt"/>
+        <a:ea typeface="+mn-ea"/>
+        <a:cs typeface="+mn-cs"/>
+      </a:defRPr>
+    </a:lvl4pPr>
+    <a:lvl5pPr marL="1828800" algn="l" defTabSz="914400" rtl="0" eaLnBrk="1" latinLnBrk="0" hangingPunct="1">
+      <a:defRPr sz="1200" kern="1200">
+        <a:solidFill>
+          <a:schemeClr val="tx1"/>
+        </a:solidFill>
+        <a:latin typeface="+mn-lt"/>
+        <a:ea typeface="+mn-ea"/>
+        <a:cs typeface="+mn-cs"/>
+      </a:defRPr>
+    </a:lvl5pPr>
+    <a:lvl6pPr marL="2286000" algn="l" defTabSz="914400" rtl="0" eaLnBrk="1" latinLnBrk="0" hangingPunct="1">
+      <a:defRPr sz="1200" kern="1200">
+        <a:solidFill>
+          <a:schemeClr val="tx1"/>
+        </a:solidFill>
+        <a:latin typeface="+mn-lt"/>
+        <a:ea typeface="+mn-ea"/>
+        <a:cs typeface="+mn-cs"/>
+      </a:defRPr>
+    </a:lvl6pPr>
+    <a:lvl7pPr marL="2743200" algn="l" defTabSz="914400" rtl="0" eaLnBrk="1" latinLnBrk="0" hangingPunct="1">
+      <a:defRPr sz="1200" kern="1200">
+        <a:solidFill>
+          <a:schemeClr val="tx1"/>
+        </a:solidFill>
+        <a:latin typeface="+mn-lt"/>
+        <a:ea typeface="+mn-ea"/>
+        <a:cs typeface="+mn-cs"/>
+      </a:defRPr>
+    </a:lvl7pPr>
+    <a:lvl8pPr marL="3200400" algn="l" defTabSz="914400" rtl="0" eaLnBrk="1" latinLnBrk="0" hangingPunct="1">
+      <a:defRPr sz="1200" kern="1200">
+        <a:solidFill>
+          <a:schemeClr val="tx1"/>
+        </a:solidFill>
+        <a:latin typeface="+mn-lt"/>
+        <a:ea typeface="+mn-ea"/>
+        <a:cs typeface="+mn-cs"/>
+      </a:defRPr>
+    </a:lvl8pPr>
+    <a:lvl9pPr marL="3657600" algn="l" defTabSz="914400" rtl="0" eaLnBrk="1" latinLnBrk="0" hangingPunct="1">
+      <a:defRPr sz="1200" kern="1200">
+        <a:solidFill>
+          <a:schemeClr val="tx1"/>
+        </a:solidFill>
+        <a:latin typeface="+mn-lt"/>
+        <a:ea typeface="+mn-ea"/>
+        <a:cs typeface="+mn-cs"/>
+      </a:defRPr>
+    </a:lvl9pPr>
+  </p:notesStyle>
+</p:notesMaster>
 </file>
 
 <file path=ppt/slideLayouts/slideLayout1.xml><?xml version="1.0" encoding="utf-8"?>
@@ -6205,12 +6754,82 @@
             </a:r>
             <a:r>
               <a:rPr lang="fr-FR" dirty="0" err="1"/>
-              <a:t>gameboy</a:t>
+              <a:t>GameBoy</a:t>
             </a:r>
             <a:endParaRPr lang="fr-FR" dirty="0"/>
           </a:p>
         </p:txBody>
       </p:sp>
+      <p:sp>
+        <p:nvSpPr>
+          <p:cNvPr id="6" name="Espace réservé du numéro de diapositive 5">
+            <a:extLst>
+              <a:ext uri="{FF2B5EF4-FFF2-40B4-BE49-F238E27FC236}">
+                <a16:creationId xmlns:a16="http://schemas.microsoft.com/office/drawing/2014/main" id="{222C2545-D8A6-4A15-8241-A7D09D5B8B0C}"/>
+              </a:ext>
+            </a:extLst>
+          </p:cNvPr>
+          <p:cNvSpPr>
+            <a:spLocks noGrp="1"/>
+          </p:cNvSpPr>
+          <p:nvPr>
+            <p:ph type="sldNum" sz="quarter" idx="12"/>
+          </p:nvPr>
+        </p:nvSpPr>
+        <p:spPr>
+          <a:xfrm>
+            <a:off x="10951855" y="321374"/>
+            <a:ext cx="551167" cy="365125"/>
+          </a:xfrm>
+        </p:spPr>
+        <p:txBody>
+          <a:bodyPr/>
+          <a:lstStyle/>
+          <a:p>
+            <a:fld id="{B2DC25EE-239B-4C5F-AAD1-255A7D5F1EE2}" type="slidenum">
+              <a:rPr lang="en-US" smtClean="0"/>
+              <a:t>1</a:t>
+            </a:fld>
+            <a:endParaRPr lang="en-US" dirty="0"/>
+          </a:p>
+        </p:txBody>
+      </p:sp>
+      <p:pic>
+        <p:nvPicPr>
+          <p:cNvPr id="7" name="Image 6">
+            <a:extLst>
+              <a:ext uri="{FF2B5EF4-FFF2-40B4-BE49-F238E27FC236}">
+                <a16:creationId xmlns:a16="http://schemas.microsoft.com/office/drawing/2014/main" id="{8FEFB0E6-BF66-46A6-B091-7E7AED0EE6D7}"/>
+              </a:ext>
+            </a:extLst>
+          </p:cNvPr>
+          <p:cNvPicPr>
+            <a:picLocks noChangeAspect="1"/>
+          </p:cNvPicPr>
+          <p:nvPr/>
+        </p:nvPicPr>
+        <p:blipFill>
+          <a:blip r:embed="rId2">
+            <a:extLst>
+              <a:ext uri="{28A0092B-C50C-407E-A947-70E740481C1C}">
+                <a14:useLocalDpi xmlns:a14="http://schemas.microsoft.com/office/drawing/2010/main" val="0"/>
+              </a:ext>
+            </a:extLst>
+          </a:blip>
+          <a:stretch>
+            <a:fillRect/>
+          </a:stretch>
+        </p:blipFill>
+        <p:spPr>
+          <a:xfrm>
+            <a:off x="0" y="6271120"/>
+            <a:ext cx="1600974" cy="586880"/>
+          </a:xfrm>
+          <a:prstGeom prst="rect">
+            <a:avLst/>
+          </a:prstGeom>
+        </p:spPr>
+      </p:pic>
     </p:spTree>
     <p:extLst>
       <p:ext uri="{BB962C8B-B14F-4D97-AF65-F5344CB8AC3E}">
@@ -6342,6 +6961,76 @@
           </a:p>
         </p:txBody>
       </p:sp>
+      <p:sp>
+        <p:nvSpPr>
+          <p:cNvPr id="5" name="Espace réservé du numéro de diapositive 5">
+            <a:extLst>
+              <a:ext uri="{FF2B5EF4-FFF2-40B4-BE49-F238E27FC236}">
+                <a16:creationId xmlns:a16="http://schemas.microsoft.com/office/drawing/2014/main" id="{637B6228-C027-4C21-B69F-48097CA33E12}"/>
+              </a:ext>
+            </a:extLst>
+          </p:cNvPr>
+          <p:cNvSpPr>
+            <a:spLocks noGrp="1"/>
+          </p:cNvSpPr>
+          <p:nvPr>
+            <p:ph type="sldNum" sz="quarter" idx="12"/>
+          </p:nvPr>
+        </p:nvSpPr>
+        <p:spPr>
+          <a:xfrm>
+            <a:off x="10951855" y="321374"/>
+            <a:ext cx="551167" cy="365125"/>
+          </a:xfrm>
+        </p:spPr>
+        <p:txBody>
+          <a:bodyPr/>
+          <a:lstStyle/>
+          <a:p>
+            <a:fld id="{B2DC25EE-239B-4C5F-AAD1-255A7D5F1EE2}" type="slidenum">
+              <a:rPr lang="en-US" smtClean="0"/>
+              <a:t>10</a:t>
+            </a:fld>
+            <a:endParaRPr lang="en-US" dirty="0"/>
+          </a:p>
+        </p:txBody>
+      </p:sp>
+      <p:pic>
+        <p:nvPicPr>
+          <p:cNvPr id="6" name="Image 5">
+            <a:extLst>
+              <a:ext uri="{FF2B5EF4-FFF2-40B4-BE49-F238E27FC236}">
+                <a16:creationId xmlns:a16="http://schemas.microsoft.com/office/drawing/2014/main" id="{D6F33EAC-5AB6-4335-B7CC-65A92443C5E3}"/>
+              </a:ext>
+            </a:extLst>
+          </p:cNvPr>
+          <p:cNvPicPr>
+            <a:picLocks noChangeAspect="1"/>
+          </p:cNvPicPr>
+          <p:nvPr/>
+        </p:nvPicPr>
+        <p:blipFill>
+          <a:blip r:embed="rId2">
+            <a:extLst>
+              <a:ext uri="{28A0092B-C50C-407E-A947-70E740481C1C}">
+                <a14:useLocalDpi xmlns:a14="http://schemas.microsoft.com/office/drawing/2010/main" val="0"/>
+              </a:ext>
+            </a:extLst>
+          </a:blip>
+          <a:stretch>
+            <a:fillRect/>
+          </a:stretch>
+        </p:blipFill>
+        <p:spPr>
+          <a:xfrm>
+            <a:off x="0" y="6271120"/>
+            <a:ext cx="1600974" cy="586880"/>
+          </a:xfrm>
+          <a:prstGeom prst="rect">
+            <a:avLst/>
+          </a:prstGeom>
+        </p:spPr>
+      </p:pic>
     </p:spTree>
     <p:extLst>
       <p:ext uri="{BB962C8B-B14F-4D97-AF65-F5344CB8AC3E}">
@@ -6426,6 +7115,76 @@
           <a:xfrm>
             <a:off x="5742694" y="3596888"/>
             <a:ext cx="6059568" cy="2792552"/>
+          </a:xfrm>
+          <a:prstGeom prst="rect">
+            <a:avLst/>
+          </a:prstGeom>
+        </p:spPr>
+      </p:pic>
+      <p:sp>
+        <p:nvSpPr>
+          <p:cNvPr id="6" name="Espace réservé du numéro de diapositive 5">
+            <a:extLst>
+              <a:ext uri="{FF2B5EF4-FFF2-40B4-BE49-F238E27FC236}">
+                <a16:creationId xmlns:a16="http://schemas.microsoft.com/office/drawing/2014/main" id="{E9926667-C4AE-43A3-88E6-759B6E8DCFB3}"/>
+              </a:ext>
+            </a:extLst>
+          </p:cNvPr>
+          <p:cNvSpPr>
+            <a:spLocks noGrp="1"/>
+          </p:cNvSpPr>
+          <p:nvPr>
+            <p:ph type="sldNum" sz="quarter" idx="12"/>
+          </p:nvPr>
+        </p:nvSpPr>
+        <p:spPr>
+          <a:xfrm>
+            <a:off x="10951855" y="321374"/>
+            <a:ext cx="551167" cy="365125"/>
+          </a:xfrm>
+        </p:spPr>
+        <p:txBody>
+          <a:bodyPr/>
+          <a:lstStyle/>
+          <a:p>
+            <a:fld id="{B2DC25EE-239B-4C5F-AAD1-255A7D5F1EE2}" type="slidenum">
+              <a:rPr lang="en-US" smtClean="0"/>
+              <a:t>11</a:t>
+            </a:fld>
+            <a:endParaRPr lang="en-US" dirty="0"/>
+          </a:p>
+        </p:txBody>
+      </p:sp>
+      <p:pic>
+        <p:nvPicPr>
+          <p:cNvPr id="7" name="Image 6">
+            <a:extLst>
+              <a:ext uri="{FF2B5EF4-FFF2-40B4-BE49-F238E27FC236}">
+                <a16:creationId xmlns:a16="http://schemas.microsoft.com/office/drawing/2014/main" id="{82AD42F0-E31A-4262-89CD-4AED913D8861}"/>
+              </a:ext>
+            </a:extLst>
+          </p:cNvPr>
+          <p:cNvPicPr>
+            <a:picLocks noChangeAspect="1"/>
+          </p:cNvPicPr>
+          <p:nvPr/>
+        </p:nvPicPr>
+        <p:blipFill>
+          <a:blip r:embed="rId4">
+            <a:extLst>
+              <a:ext uri="{28A0092B-C50C-407E-A947-70E740481C1C}">
+                <a14:useLocalDpi xmlns:a14="http://schemas.microsoft.com/office/drawing/2010/main" val="0"/>
+              </a:ext>
+            </a:extLst>
+          </a:blip>
+          <a:stretch>
+            <a:fillRect/>
+          </a:stretch>
+        </p:blipFill>
+        <p:spPr>
+          <a:xfrm>
+            <a:off x="0" y="6271120"/>
+            <a:ext cx="1600974" cy="586880"/>
           </a:xfrm>
           <a:prstGeom prst="rect">
             <a:avLst/>
@@ -6508,6 +7267,76 @@
           </a:effectLst>
         </p:spPr>
       </p:pic>
+      <p:sp>
+        <p:nvSpPr>
+          <p:cNvPr id="5" name="Espace réservé du numéro de diapositive 5">
+            <a:extLst>
+              <a:ext uri="{FF2B5EF4-FFF2-40B4-BE49-F238E27FC236}">
+                <a16:creationId xmlns:a16="http://schemas.microsoft.com/office/drawing/2014/main" id="{827EDBF6-800E-458D-B068-5079A2DFDA4D}"/>
+              </a:ext>
+            </a:extLst>
+          </p:cNvPr>
+          <p:cNvSpPr>
+            <a:spLocks noGrp="1"/>
+          </p:cNvSpPr>
+          <p:nvPr>
+            <p:ph type="sldNum" sz="quarter" idx="12"/>
+          </p:nvPr>
+        </p:nvSpPr>
+        <p:spPr>
+          <a:xfrm>
+            <a:off x="10951855" y="321374"/>
+            <a:ext cx="551167" cy="365125"/>
+          </a:xfrm>
+        </p:spPr>
+        <p:txBody>
+          <a:bodyPr/>
+          <a:lstStyle/>
+          <a:p>
+            <a:fld id="{B2DC25EE-239B-4C5F-AAD1-255A7D5F1EE2}" type="slidenum">
+              <a:rPr lang="en-US" smtClean="0"/>
+              <a:t>12</a:t>
+            </a:fld>
+            <a:endParaRPr lang="en-US" dirty="0"/>
+          </a:p>
+        </p:txBody>
+      </p:sp>
+      <p:pic>
+        <p:nvPicPr>
+          <p:cNvPr id="6" name="Image 5">
+            <a:extLst>
+              <a:ext uri="{FF2B5EF4-FFF2-40B4-BE49-F238E27FC236}">
+                <a16:creationId xmlns:a16="http://schemas.microsoft.com/office/drawing/2014/main" id="{E644A94E-9AD8-45A1-98AC-1F9D1ECB9DEB}"/>
+              </a:ext>
+            </a:extLst>
+          </p:cNvPr>
+          <p:cNvPicPr>
+            <a:picLocks noChangeAspect="1"/>
+          </p:cNvPicPr>
+          <p:nvPr/>
+        </p:nvPicPr>
+        <p:blipFill>
+          <a:blip r:embed="rId3">
+            <a:extLst>
+              <a:ext uri="{28A0092B-C50C-407E-A947-70E740481C1C}">
+                <a14:useLocalDpi xmlns:a14="http://schemas.microsoft.com/office/drawing/2010/main" val="0"/>
+              </a:ext>
+            </a:extLst>
+          </a:blip>
+          <a:stretch>
+            <a:fillRect/>
+          </a:stretch>
+        </p:blipFill>
+        <p:spPr>
+          <a:xfrm>
+            <a:off x="0" y="6271120"/>
+            <a:ext cx="1600974" cy="586880"/>
+          </a:xfrm>
+          <a:prstGeom prst="rect">
+            <a:avLst/>
+          </a:prstGeom>
+        </p:spPr>
+      </p:pic>
     </p:spTree>
     <p:extLst>
       <p:ext uri="{BB962C8B-B14F-4D97-AF65-F5344CB8AC3E}">
@@ -6538,6 +7367,132 @@
           <a:chExt cx="0" cy="0"/>
         </a:xfrm>
       </p:grpSpPr>
+      <p:sp>
+        <p:nvSpPr>
+          <p:cNvPr id="4" name="Espace réservé du numéro de diapositive 5">
+            <a:extLst>
+              <a:ext uri="{FF2B5EF4-FFF2-40B4-BE49-F238E27FC236}">
+                <a16:creationId xmlns:a16="http://schemas.microsoft.com/office/drawing/2014/main" id="{2CB2CF77-C33F-4292-9DA4-217C6E920FA4}"/>
+              </a:ext>
+            </a:extLst>
+          </p:cNvPr>
+          <p:cNvSpPr>
+            <a:spLocks noGrp="1"/>
+          </p:cNvSpPr>
+          <p:nvPr>
+            <p:ph type="sldNum" sz="quarter" idx="12"/>
+          </p:nvPr>
+        </p:nvSpPr>
+        <p:spPr>
+          <a:xfrm>
+            <a:off x="10951855" y="321374"/>
+            <a:ext cx="551167" cy="365125"/>
+          </a:xfrm>
+        </p:spPr>
+        <p:txBody>
+          <a:bodyPr/>
+          <a:lstStyle/>
+          <a:p>
+            <a:fld id="{B2DC25EE-239B-4C5F-AAD1-255A7D5F1EE2}" type="slidenum">
+              <a:rPr lang="en-US" smtClean="0"/>
+              <a:t>2</a:t>
+            </a:fld>
+            <a:endParaRPr lang="en-US" dirty="0"/>
+          </a:p>
+        </p:txBody>
+      </p:sp>
+      <p:sp>
+        <p:nvSpPr>
+          <p:cNvPr id="6" name="Titre 1">
+            <a:extLst>
+              <a:ext uri="{FF2B5EF4-FFF2-40B4-BE49-F238E27FC236}">
+                <a16:creationId xmlns:a16="http://schemas.microsoft.com/office/drawing/2014/main" id="{62893EED-C6AE-43FF-A803-05EE9A8478B5}"/>
+              </a:ext>
+            </a:extLst>
+          </p:cNvPr>
+          <p:cNvSpPr>
+            <a:spLocks noGrp="1"/>
+          </p:cNvSpPr>
+          <p:nvPr>
+            <p:ph type="ctrTitle"/>
+          </p:nvPr>
+        </p:nvSpPr>
+        <p:spPr>
+          <a:xfrm>
+            <a:off x="3607265" y="1224793"/>
+            <a:ext cx="8128931" cy="3833768"/>
+          </a:xfrm>
+        </p:spPr>
+        <p:txBody>
+          <a:bodyPr>
+            <a:normAutofit/>
+          </a:bodyPr>
+          <a:lstStyle/>
+          <a:p>
+            <a:r>
+              <a:rPr lang="fr-FR" dirty="0"/>
+              <a:t>SOMMAIRE</a:t>
+            </a:r>
+            <a:br>
+              <a:rPr lang="fr-FR" dirty="0"/>
+            </a:br>
+            <a:r>
+              <a:rPr lang="fr-FR" dirty="0"/>
+              <a:t>I. Partie électrique</a:t>
+            </a:r>
+            <a:br>
+              <a:rPr lang="fr-FR" dirty="0"/>
+            </a:br>
+            <a:r>
+              <a:rPr lang="fr-FR" dirty="0"/>
+              <a:t>II. Partie mécanique</a:t>
+            </a:r>
+            <a:br>
+              <a:rPr lang="fr-FR" dirty="0"/>
+            </a:br>
+            <a:r>
+              <a:rPr lang="fr-FR" dirty="0"/>
+              <a:t>III. Partie programmation</a:t>
+            </a:r>
+          </a:p>
+        </p:txBody>
+      </p:sp>
+      <p:pic>
+        <p:nvPicPr>
+          <p:cNvPr id="8" name="Image 7">
+            <a:extLst>
+              <a:ext uri="{FF2B5EF4-FFF2-40B4-BE49-F238E27FC236}">
+                <a16:creationId xmlns:a16="http://schemas.microsoft.com/office/drawing/2014/main" id="{10939E11-2476-4A93-9976-CC4E3B6ADCEB}"/>
+              </a:ext>
+            </a:extLst>
+          </p:cNvPr>
+          <p:cNvPicPr>
+            <a:picLocks noChangeAspect="1"/>
+          </p:cNvPicPr>
+          <p:nvPr/>
+        </p:nvPicPr>
+        <p:blipFill>
+          <a:blip r:embed="rId2">
+            <a:extLst>
+              <a:ext uri="{28A0092B-C50C-407E-A947-70E740481C1C}">
+                <a14:useLocalDpi xmlns:a14="http://schemas.microsoft.com/office/drawing/2010/main" val="0"/>
+              </a:ext>
+            </a:extLst>
+          </a:blip>
+          <a:stretch>
+            <a:fillRect/>
+          </a:stretch>
+        </p:blipFill>
+        <p:spPr>
+          <a:xfrm>
+            <a:off x="0" y="6271120"/>
+            <a:ext cx="1600974" cy="586880"/>
+          </a:xfrm>
+          <a:prstGeom prst="rect">
+            <a:avLst/>
+          </a:prstGeom>
+        </p:spPr>
+      </p:pic>
     </p:spTree>
     <p:extLst>
       <p:ext uri="{BB962C8B-B14F-4D97-AF65-F5344CB8AC3E}">
@@ -6603,6 +7558,76 @@
           </a:p>
         </p:txBody>
       </p:sp>
+      <p:sp>
+        <p:nvSpPr>
+          <p:cNvPr id="5" name="Espace réservé du numéro de diapositive 5">
+            <a:extLst>
+              <a:ext uri="{FF2B5EF4-FFF2-40B4-BE49-F238E27FC236}">
+                <a16:creationId xmlns:a16="http://schemas.microsoft.com/office/drawing/2014/main" id="{AB810FFF-DF99-4951-A57B-1C3A5F1387AC}"/>
+              </a:ext>
+            </a:extLst>
+          </p:cNvPr>
+          <p:cNvSpPr>
+            <a:spLocks noGrp="1"/>
+          </p:cNvSpPr>
+          <p:nvPr>
+            <p:ph type="sldNum" sz="quarter" idx="12"/>
+          </p:nvPr>
+        </p:nvSpPr>
+        <p:spPr>
+          <a:xfrm>
+            <a:off x="10951855" y="321374"/>
+            <a:ext cx="551167" cy="365125"/>
+          </a:xfrm>
+        </p:spPr>
+        <p:txBody>
+          <a:bodyPr/>
+          <a:lstStyle/>
+          <a:p>
+            <a:fld id="{B2DC25EE-239B-4C5F-AAD1-255A7D5F1EE2}" type="slidenum">
+              <a:rPr lang="en-US" smtClean="0"/>
+              <a:t>3</a:t>
+            </a:fld>
+            <a:endParaRPr lang="en-US" dirty="0"/>
+          </a:p>
+        </p:txBody>
+      </p:sp>
+      <p:pic>
+        <p:nvPicPr>
+          <p:cNvPr id="6" name="Image 5">
+            <a:extLst>
+              <a:ext uri="{FF2B5EF4-FFF2-40B4-BE49-F238E27FC236}">
+                <a16:creationId xmlns:a16="http://schemas.microsoft.com/office/drawing/2014/main" id="{DE39AA75-0C3F-40B3-ACE6-CDDD1F856389}"/>
+              </a:ext>
+            </a:extLst>
+          </p:cNvPr>
+          <p:cNvPicPr>
+            <a:picLocks noChangeAspect="1"/>
+          </p:cNvPicPr>
+          <p:nvPr/>
+        </p:nvPicPr>
+        <p:blipFill>
+          <a:blip r:embed="rId2">
+            <a:extLst>
+              <a:ext uri="{28A0092B-C50C-407E-A947-70E740481C1C}">
+                <a14:useLocalDpi xmlns:a14="http://schemas.microsoft.com/office/drawing/2010/main" val="0"/>
+              </a:ext>
+            </a:extLst>
+          </a:blip>
+          <a:stretch>
+            <a:fillRect/>
+          </a:stretch>
+        </p:blipFill>
+        <p:spPr>
+          <a:xfrm>
+            <a:off x="0" y="6271120"/>
+            <a:ext cx="1600974" cy="586880"/>
+          </a:xfrm>
+          <a:prstGeom prst="rect">
+            <a:avLst/>
+          </a:prstGeom>
+        </p:spPr>
+      </p:pic>
     </p:spTree>
     <p:extLst>
       <p:ext uri="{BB962C8B-B14F-4D97-AF65-F5344CB8AC3E}">
@@ -7013,6 +8038,76 @@
           </a:p>
         </p:txBody>
       </p:sp>
+      <p:sp>
+        <p:nvSpPr>
+          <p:cNvPr id="18" name="Espace réservé du numéro de diapositive 5">
+            <a:extLst>
+              <a:ext uri="{FF2B5EF4-FFF2-40B4-BE49-F238E27FC236}">
+                <a16:creationId xmlns:a16="http://schemas.microsoft.com/office/drawing/2014/main" id="{A211B0CB-52A7-4EF6-83A2-F3643AD25650}"/>
+              </a:ext>
+            </a:extLst>
+          </p:cNvPr>
+          <p:cNvSpPr>
+            <a:spLocks noGrp="1"/>
+          </p:cNvSpPr>
+          <p:nvPr>
+            <p:ph type="sldNum" sz="quarter" idx="12"/>
+          </p:nvPr>
+        </p:nvSpPr>
+        <p:spPr>
+          <a:xfrm>
+            <a:off x="10951855" y="321374"/>
+            <a:ext cx="551167" cy="365125"/>
+          </a:xfrm>
+        </p:spPr>
+        <p:txBody>
+          <a:bodyPr/>
+          <a:lstStyle/>
+          <a:p>
+            <a:fld id="{B2DC25EE-239B-4C5F-AAD1-255A7D5F1EE2}" type="slidenum">
+              <a:rPr lang="en-US" smtClean="0"/>
+              <a:t>4</a:t>
+            </a:fld>
+            <a:endParaRPr lang="en-US" dirty="0"/>
+          </a:p>
+        </p:txBody>
+      </p:sp>
+      <p:pic>
+        <p:nvPicPr>
+          <p:cNvPr id="19" name="Image 18">
+            <a:extLst>
+              <a:ext uri="{FF2B5EF4-FFF2-40B4-BE49-F238E27FC236}">
+                <a16:creationId xmlns:a16="http://schemas.microsoft.com/office/drawing/2014/main" id="{EC4A149F-ADCE-4721-9F79-251C91C1374B}"/>
+              </a:ext>
+            </a:extLst>
+          </p:cNvPr>
+          <p:cNvPicPr>
+            <a:picLocks noChangeAspect="1"/>
+          </p:cNvPicPr>
+          <p:nvPr/>
+        </p:nvPicPr>
+        <p:blipFill>
+          <a:blip r:embed="rId3">
+            <a:extLst>
+              <a:ext uri="{28A0092B-C50C-407E-A947-70E740481C1C}">
+                <a14:useLocalDpi xmlns:a14="http://schemas.microsoft.com/office/drawing/2010/main" val="0"/>
+              </a:ext>
+            </a:extLst>
+          </a:blip>
+          <a:stretch>
+            <a:fillRect/>
+          </a:stretch>
+        </p:blipFill>
+        <p:spPr>
+          <a:xfrm>
+            <a:off x="0" y="6271120"/>
+            <a:ext cx="1600974" cy="586880"/>
+          </a:xfrm>
+          <a:prstGeom prst="rect">
+            <a:avLst/>
+          </a:prstGeom>
+        </p:spPr>
+      </p:pic>
     </p:spTree>
     <p:extLst>
       <p:ext uri="{BB962C8B-B14F-4D97-AF65-F5344CB8AC3E}">
@@ -7163,6 +8258,76 @@
           </a:prstGeom>
         </p:spPr>
       </p:pic>
+      <p:sp>
+        <p:nvSpPr>
+          <p:cNvPr id="12" name="Espace réservé du numéro de diapositive 5">
+            <a:extLst>
+              <a:ext uri="{FF2B5EF4-FFF2-40B4-BE49-F238E27FC236}">
+                <a16:creationId xmlns:a16="http://schemas.microsoft.com/office/drawing/2014/main" id="{DD0BC8D7-6B85-4C2F-B45A-2C1AF7BD865D}"/>
+              </a:ext>
+            </a:extLst>
+          </p:cNvPr>
+          <p:cNvSpPr>
+            <a:spLocks noGrp="1"/>
+          </p:cNvSpPr>
+          <p:nvPr>
+            <p:ph type="sldNum" sz="quarter" idx="12"/>
+          </p:nvPr>
+        </p:nvSpPr>
+        <p:spPr>
+          <a:xfrm>
+            <a:off x="10951855" y="321374"/>
+            <a:ext cx="551167" cy="365125"/>
+          </a:xfrm>
+        </p:spPr>
+        <p:txBody>
+          <a:bodyPr/>
+          <a:lstStyle/>
+          <a:p>
+            <a:fld id="{B2DC25EE-239B-4C5F-AAD1-255A7D5F1EE2}" type="slidenum">
+              <a:rPr lang="en-US" smtClean="0"/>
+              <a:t>5</a:t>
+            </a:fld>
+            <a:endParaRPr lang="en-US" dirty="0"/>
+          </a:p>
+        </p:txBody>
+      </p:sp>
+      <p:pic>
+        <p:nvPicPr>
+          <p:cNvPr id="13" name="Image 12">
+            <a:extLst>
+              <a:ext uri="{FF2B5EF4-FFF2-40B4-BE49-F238E27FC236}">
+                <a16:creationId xmlns:a16="http://schemas.microsoft.com/office/drawing/2014/main" id="{3B9F4C32-678C-44DC-A167-C9E359DD3FB6}"/>
+              </a:ext>
+            </a:extLst>
+          </p:cNvPr>
+          <p:cNvPicPr>
+            <a:picLocks noChangeAspect="1"/>
+          </p:cNvPicPr>
+          <p:nvPr/>
+        </p:nvPicPr>
+        <p:blipFill>
+          <a:blip r:embed="rId6">
+            <a:extLst>
+              <a:ext uri="{28A0092B-C50C-407E-A947-70E740481C1C}">
+                <a14:useLocalDpi xmlns:a14="http://schemas.microsoft.com/office/drawing/2010/main" val="0"/>
+              </a:ext>
+            </a:extLst>
+          </a:blip>
+          <a:stretch>
+            <a:fillRect/>
+          </a:stretch>
+        </p:blipFill>
+        <p:spPr>
+          <a:xfrm>
+            <a:off x="0" y="6271120"/>
+            <a:ext cx="1600974" cy="586880"/>
+          </a:xfrm>
+          <a:prstGeom prst="rect">
+            <a:avLst/>
+          </a:prstGeom>
+        </p:spPr>
+      </p:pic>
     </p:spTree>
     <p:extLst>
       <p:ext uri="{BB962C8B-B14F-4D97-AF65-F5344CB8AC3E}">
@@ -7228,6 +8393,76 @@
           </a:p>
         </p:txBody>
       </p:sp>
+      <p:sp>
+        <p:nvSpPr>
+          <p:cNvPr id="5" name="Espace réservé du numéro de diapositive 5">
+            <a:extLst>
+              <a:ext uri="{FF2B5EF4-FFF2-40B4-BE49-F238E27FC236}">
+                <a16:creationId xmlns:a16="http://schemas.microsoft.com/office/drawing/2014/main" id="{F545EA76-6DB7-40BF-9408-AA08835B6CC2}"/>
+              </a:ext>
+            </a:extLst>
+          </p:cNvPr>
+          <p:cNvSpPr>
+            <a:spLocks noGrp="1"/>
+          </p:cNvSpPr>
+          <p:nvPr>
+            <p:ph type="sldNum" sz="quarter" idx="12"/>
+          </p:nvPr>
+        </p:nvSpPr>
+        <p:spPr>
+          <a:xfrm>
+            <a:off x="10951855" y="321374"/>
+            <a:ext cx="551167" cy="365125"/>
+          </a:xfrm>
+        </p:spPr>
+        <p:txBody>
+          <a:bodyPr/>
+          <a:lstStyle/>
+          <a:p>
+            <a:fld id="{B2DC25EE-239B-4C5F-AAD1-255A7D5F1EE2}" type="slidenum">
+              <a:rPr lang="en-US" smtClean="0"/>
+              <a:t>6</a:t>
+            </a:fld>
+            <a:endParaRPr lang="en-US" dirty="0"/>
+          </a:p>
+        </p:txBody>
+      </p:sp>
+      <p:pic>
+        <p:nvPicPr>
+          <p:cNvPr id="6" name="Image 5">
+            <a:extLst>
+              <a:ext uri="{FF2B5EF4-FFF2-40B4-BE49-F238E27FC236}">
+                <a16:creationId xmlns:a16="http://schemas.microsoft.com/office/drawing/2014/main" id="{EF566C38-A64F-4C8B-B509-51789DCA6D8E}"/>
+              </a:ext>
+            </a:extLst>
+          </p:cNvPr>
+          <p:cNvPicPr>
+            <a:picLocks noChangeAspect="1"/>
+          </p:cNvPicPr>
+          <p:nvPr/>
+        </p:nvPicPr>
+        <p:blipFill>
+          <a:blip r:embed="rId2">
+            <a:extLst>
+              <a:ext uri="{28A0092B-C50C-407E-A947-70E740481C1C}">
+                <a14:useLocalDpi xmlns:a14="http://schemas.microsoft.com/office/drawing/2010/main" val="0"/>
+              </a:ext>
+            </a:extLst>
+          </a:blip>
+          <a:stretch>
+            <a:fillRect/>
+          </a:stretch>
+        </p:blipFill>
+        <p:spPr>
+          <a:xfrm>
+            <a:off x="0" y="6271120"/>
+            <a:ext cx="1600974" cy="586880"/>
+          </a:xfrm>
+          <a:prstGeom prst="rect">
+            <a:avLst/>
+          </a:prstGeom>
+        </p:spPr>
+      </p:pic>
     </p:spTree>
     <p:extLst>
       <p:ext uri="{BB962C8B-B14F-4D97-AF65-F5344CB8AC3E}">
@@ -7258,6 +8493,76 @@
           <a:chExt cx="0" cy="0"/>
         </a:xfrm>
       </p:grpSpPr>
+      <p:sp>
+        <p:nvSpPr>
+          <p:cNvPr id="4" name="Espace réservé du numéro de diapositive 5">
+            <a:extLst>
+              <a:ext uri="{FF2B5EF4-FFF2-40B4-BE49-F238E27FC236}">
+                <a16:creationId xmlns:a16="http://schemas.microsoft.com/office/drawing/2014/main" id="{646A98B7-2024-49F8-910A-19A63DC896D8}"/>
+              </a:ext>
+            </a:extLst>
+          </p:cNvPr>
+          <p:cNvSpPr>
+            <a:spLocks noGrp="1"/>
+          </p:cNvSpPr>
+          <p:nvPr>
+            <p:ph type="sldNum" sz="quarter" idx="12"/>
+          </p:nvPr>
+        </p:nvSpPr>
+        <p:spPr>
+          <a:xfrm>
+            <a:off x="10951855" y="321374"/>
+            <a:ext cx="551167" cy="365125"/>
+          </a:xfrm>
+        </p:spPr>
+        <p:txBody>
+          <a:bodyPr/>
+          <a:lstStyle/>
+          <a:p>
+            <a:fld id="{B2DC25EE-239B-4C5F-AAD1-255A7D5F1EE2}" type="slidenum">
+              <a:rPr lang="en-US" smtClean="0"/>
+              <a:t>7</a:t>
+            </a:fld>
+            <a:endParaRPr lang="en-US" dirty="0"/>
+          </a:p>
+        </p:txBody>
+      </p:sp>
+      <p:pic>
+        <p:nvPicPr>
+          <p:cNvPr id="5" name="Image 4">
+            <a:extLst>
+              <a:ext uri="{FF2B5EF4-FFF2-40B4-BE49-F238E27FC236}">
+                <a16:creationId xmlns:a16="http://schemas.microsoft.com/office/drawing/2014/main" id="{012A57AF-FDF6-4C0C-9BC8-7F7A09200ECB}"/>
+              </a:ext>
+            </a:extLst>
+          </p:cNvPr>
+          <p:cNvPicPr>
+            <a:picLocks noChangeAspect="1"/>
+          </p:cNvPicPr>
+          <p:nvPr/>
+        </p:nvPicPr>
+        <p:blipFill>
+          <a:blip r:embed="rId2">
+            <a:extLst>
+              <a:ext uri="{28A0092B-C50C-407E-A947-70E740481C1C}">
+                <a14:useLocalDpi xmlns:a14="http://schemas.microsoft.com/office/drawing/2010/main" val="0"/>
+              </a:ext>
+            </a:extLst>
+          </a:blip>
+          <a:stretch>
+            <a:fillRect/>
+          </a:stretch>
+        </p:blipFill>
+        <p:spPr>
+          <a:xfrm>
+            <a:off x="0" y="6271120"/>
+            <a:ext cx="1600974" cy="586880"/>
+          </a:xfrm>
+          <a:prstGeom prst="rect">
+            <a:avLst/>
+          </a:prstGeom>
+        </p:spPr>
+      </p:pic>
     </p:spTree>
     <p:extLst>
       <p:ext uri="{BB962C8B-B14F-4D97-AF65-F5344CB8AC3E}">
@@ -7323,6 +8628,76 @@
           </a:p>
         </p:txBody>
       </p:sp>
+      <p:sp>
+        <p:nvSpPr>
+          <p:cNvPr id="5" name="Espace réservé du numéro de diapositive 5">
+            <a:extLst>
+              <a:ext uri="{FF2B5EF4-FFF2-40B4-BE49-F238E27FC236}">
+                <a16:creationId xmlns:a16="http://schemas.microsoft.com/office/drawing/2014/main" id="{85CB9426-76A4-4E42-80C5-6B9D23D567D2}"/>
+              </a:ext>
+            </a:extLst>
+          </p:cNvPr>
+          <p:cNvSpPr>
+            <a:spLocks noGrp="1"/>
+          </p:cNvSpPr>
+          <p:nvPr>
+            <p:ph type="sldNum" sz="quarter" idx="12"/>
+          </p:nvPr>
+        </p:nvSpPr>
+        <p:spPr>
+          <a:xfrm>
+            <a:off x="10951855" y="321374"/>
+            <a:ext cx="551167" cy="365125"/>
+          </a:xfrm>
+        </p:spPr>
+        <p:txBody>
+          <a:bodyPr/>
+          <a:lstStyle/>
+          <a:p>
+            <a:fld id="{B2DC25EE-239B-4C5F-AAD1-255A7D5F1EE2}" type="slidenum">
+              <a:rPr lang="en-US" smtClean="0"/>
+              <a:t>8</a:t>
+            </a:fld>
+            <a:endParaRPr lang="en-US" dirty="0"/>
+          </a:p>
+        </p:txBody>
+      </p:sp>
+      <p:pic>
+        <p:nvPicPr>
+          <p:cNvPr id="6" name="Image 5">
+            <a:extLst>
+              <a:ext uri="{FF2B5EF4-FFF2-40B4-BE49-F238E27FC236}">
+                <a16:creationId xmlns:a16="http://schemas.microsoft.com/office/drawing/2014/main" id="{7AF937CE-F6E0-4567-9994-F0D1EB5C36B4}"/>
+              </a:ext>
+            </a:extLst>
+          </p:cNvPr>
+          <p:cNvPicPr>
+            <a:picLocks noChangeAspect="1"/>
+          </p:cNvPicPr>
+          <p:nvPr/>
+        </p:nvPicPr>
+        <p:blipFill>
+          <a:blip r:embed="rId2">
+            <a:extLst>
+              <a:ext uri="{28A0092B-C50C-407E-A947-70E740481C1C}">
+                <a14:useLocalDpi xmlns:a14="http://schemas.microsoft.com/office/drawing/2010/main" val="0"/>
+              </a:ext>
+            </a:extLst>
+          </a:blip>
+          <a:stretch>
+            <a:fillRect/>
+          </a:stretch>
+        </p:blipFill>
+        <p:spPr>
+          <a:xfrm>
+            <a:off x="0" y="6271120"/>
+            <a:ext cx="1600974" cy="586880"/>
+          </a:xfrm>
+          <a:prstGeom prst="rect">
+            <a:avLst/>
+          </a:prstGeom>
+        </p:spPr>
+      </p:pic>
     </p:spTree>
     <p:extLst>
       <p:ext uri="{BB962C8B-B14F-4D97-AF65-F5344CB8AC3E}">
@@ -7448,6 +8823,76 @@
           </a:p>
         </p:txBody>
       </p:sp>
+      <p:sp>
+        <p:nvSpPr>
+          <p:cNvPr id="5" name="Espace réservé du numéro de diapositive 5">
+            <a:extLst>
+              <a:ext uri="{FF2B5EF4-FFF2-40B4-BE49-F238E27FC236}">
+                <a16:creationId xmlns:a16="http://schemas.microsoft.com/office/drawing/2014/main" id="{80F87924-2C03-469C-8788-12ECB7408734}"/>
+              </a:ext>
+            </a:extLst>
+          </p:cNvPr>
+          <p:cNvSpPr>
+            <a:spLocks noGrp="1"/>
+          </p:cNvSpPr>
+          <p:nvPr>
+            <p:ph type="sldNum" sz="quarter" idx="12"/>
+          </p:nvPr>
+        </p:nvSpPr>
+        <p:spPr>
+          <a:xfrm>
+            <a:off x="10951855" y="321374"/>
+            <a:ext cx="551167" cy="365125"/>
+          </a:xfrm>
+        </p:spPr>
+        <p:txBody>
+          <a:bodyPr/>
+          <a:lstStyle/>
+          <a:p>
+            <a:fld id="{B2DC25EE-239B-4C5F-AAD1-255A7D5F1EE2}" type="slidenum">
+              <a:rPr lang="en-US" smtClean="0"/>
+              <a:t>9</a:t>
+            </a:fld>
+            <a:endParaRPr lang="en-US" dirty="0"/>
+          </a:p>
+        </p:txBody>
+      </p:sp>
+      <p:pic>
+        <p:nvPicPr>
+          <p:cNvPr id="6" name="Image 5">
+            <a:extLst>
+              <a:ext uri="{FF2B5EF4-FFF2-40B4-BE49-F238E27FC236}">
+                <a16:creationId xmlns:a16="http://schemas.microsoft.com/office/drawing/2014/main" id="{547E47D8-E20F-4FE6-B5D4-9A130965B3BB}"/>
+              </a:ext>
+            </a:extLst>
+          </p:cNvPr>
+          <p:cNvPicPr>
+            <a:picLocks noChangeAspect="1"/>
+          </p:cNvPicPr>
+          <p:nvPr/>
+        </p:nvPicPr>
+        <p:blipFill>
+          <a:blip r:embed="rId2">
+            <a:extLst>
+              <a:ext uri="{28A0092B-C50C-407E-A947-70E740481C1C}">
+                <a14:useLocalDpi xmlns:a14="http://schemas.microsoft.com/office/drawing/2010/main" val="0"/>
+              </a:ext>
+            </a:extLst>
+          </a:blip>
+          <a:stretch>
+            <a:fillRect/>
+          </a:stretch>
+        </p:blipFill>
+        <p:spPr>
+          <a:xfrm>
+            <a:off x="0" y="6271120"/>
+            <a:ext cx="1600974" cy="586880"/>
+          </a:xfrm>
+          <a:prstGeom prst="rect">
+            <a:avLst/>
+          </a:prstGeom>
+        </p:spPr>
+      </p:pic>
     </p:spTree>
     <p:extLst>
       <p:ext uri="{BB962C8B-B14F-4D97-AF65-F5344CB8AC3E}">
@@ -7715,4 +9160,594 @@
     </a:ext>
   </a:extLst>
 </a:theme>
+</file>
+
+<file path=ppt/theme/theme2.xml><?xml version="1.0" encoding="utf-8"?>
+<a:theme xmlns:a="http://schemas.openxmlformats.org/drawingml/2006/main" name="Thème Office">
+  <a:themeElements>
+    <a:clrScheme name="Office">
+      <a:dk1>
+        <a:sysClr val="windowText" lastClr="000000"/>
+      </a:dk1>
+      <a:lt1>
+        <a:sysClr val="window" lastClr="FFFFFF"/>
+      </a:lt1>
+      <a:dk2>
+        <a:srgbClr val="44546A"/>
+      </a:dk2>
+      <a:lt2>
+        <a:srgbClr val="E7E6E6"/>
+      </a:lt2>
+      <a:accent1>
+        <a:srgbClr val="4472C4"/>
+      </a:accent1>
+      <a:accent2>
+        <a:srgbClr val="ED7D31"/>
+      </a:accent2>
+      <a:accent3>
+        <a:srgbClr val="A5A5A5"/>
+      </a:accent3>
+      <a:accent4>
+        <a:srgbClr val="FFC000"/>
+      </a:accent4>
+      <a:accent5>
+        <a:srgbClr val="5B9BD5"/>
+      </a:accent5>
+      <a:accent6>
+        <a:srgbClr val="70AD47"/>
+      </a:accent6>
+      <a:hlink>
+        <a:srgbClr val="0563C1"/>
+      </a:hlink>
+      <a:folHlink>
+        <a:srgbClr val="954F72"/>
+      </a:folHlink>
+    </a:clrScheme>
+    <a:fontScheme name="Office">
+      <a:majorFont>
+        <a:latin typeface="Calibri Light" panose="020F0302020204030204"/>
+        <a:ea typeface=""/>
+        <a:cs typeface=""/>
+        <a:font script="Jpan" typeface="游ゴシック Light"/>
+        <a:font script="Hang" typeface="맑은 고딕"/>
+        <a:font script="Hans" typeface="等线 Light"/>
+        <a:font script="Hant" typeface="新細明體"/>
+        <a:font script="Arab" typeface="Times New Roman"/>
+        <a:font script="Hebr" typeface="Times New Roman"/>
+        <a:font script="Thai" typeface="Angsana New"/>
+        <a:font script="Ethi" typeface="Nyala"/>
+        <a:font script="Beng" typeface="Vrinda"/>
+        <a:font script="Gujr" typeface="Shruti"/>
+        <a:font script="Khmr" typeface="MoolBoran"/>
+        <a:font script="Knda" typeface="Tunga"/>
+        <a:font script="Guru" typeface="Raavi"/>
+        <a:font script="Cans" typeface="Euphemia"/>
+        <a:font script="Cher" typeface="Plantagenet Cherokee"/>
+        <a:font script="Yiii" typeface="Microsoft Yi Baiti"/>
+        <a:font script="Tibt" typeface="Microsoft Himalaya"/>
+        <a:font script="Thaa" typeface="MV Boli"/>
+        <a:font script="Deva" typeface="Mangal"/>
+        <a:font script="Telu" typeface="Gautami"/>
+        <a:font script="Taml" typeface="Latha"/>
+        <a:font script="Syrc" typeface="Estrangelo Edessa"/>
+        <a:font script="Orya" typeface="Kalinga"/>
+        <a:font script="Mlym" typeface="Kartika"/>
+        <a:font script="Laoo" typeface="DokChampa"/>
+        <a:font script="Sinh" typeface="Iskoola Pota"/>
+        <a:font script="Mong" typeface="Mongolian Baiti"/>
+        <a:font script="Viet" typeface="Times New Roman"/>
+        <a:font script="Uigh" typeface="Microsoft Uighur"/>
+        <a:font script="Geor" typeface="Sylfaen"/>
+        <a:font script="Armn" typeface="Arial"/>
+        <a:font script="Bugi" typeface="Leelawadee UI"/>
+        <a:font script="Bopo" typeface="Microsoft JhengHei"/>
+        <a:font script="Java" typeface="Javanese Text"/>
+        <a:font script="Lisu" typeface="Segoe UI"/>
+        <a:font script="Mymr" typeface="Myanmar Text"/>
+        <a:font script="Nkoo" typeface="Ebrima"/>
+        <a:font script="Olck" typeface="Nirmala UI"/>
+        <a:font script="Osma" typeface="Ebrima"/>
+        <a:font script="Phag" typeface="Phagspa"/>
+        <a:font script="Syrn" typeface="Estrangelo Edessa"/>
+        <a:font script="Syrj" typeface="Estrangelo Edessa"/>
+        <a:font script="Syre" typeface="Estrangelo Edessa"/>
+        <a:font script="Sora" typeface="Nirmala UI"/>
+        <a:font script="Tale" typeface="Microsoft Tai Le"/>
+        <a:font script="Talu" typeface="Microsoft New Tai Lue"/>
+        <a:font script="Tfng" typeface="Ebrima"/>
+      </a:majorFont>
+      <a:minorFont>
+        <a:latin typeface="Calibri" panose="020F0502020204030204"/>
+        <a:ea typeface=""/>
+        <a:cs typeface=""/>
+        <a:font script="Jpan" typeface="游ゴシック"/>
+        <a:font script="Hang" typeface="맑은 고딕"/>
+        <a:font script="Hans" typeface="等线"/>
+        <a:font script="Hant" typeface="新細明體"/>
+        <a:font script="Arab" typeface="Arial"/>
+        <a:font script="Hebr" typeface="Arial"/>
+        <a:font script="Thai" typeface="Cordia New"/>
+        <a:font script="Ethi" typeface="Nyala"/>
+        <a:font script="Beng" typeface="Vrinda"/>
+        <a:font script="Gujr" typeface="Shruti"/>
+        <a:font script="Khmr" typeface="DaunPenh"/>
+        <a:font script="Knda" typeface="Tunga"/>
+        <a:font script="Guru" typeface="Raavi"/>
+        <a:font script="Cans" typeface="Euphemia"/>
+        <a:font script="Cher" typeface="Plantagenet Cherokee"/>
+        <a:font script="Yiii" typeface="Microsoft Yi Baiti"/>
+        <a:font script="Tibt" typeface="Microsoft Himalaya"/>
+        <a:font script="Thaa" typeface="MV Boli"/>
+        <a:font script="Deva" typeface="Mangal"/>
+        <a:font script="Telu" typeface="Gautami"/>
+        <a:font script="Taml" typeface="Latha"/>
+        <a:font script="Syrc" typeface="Estrangelo Edessa"/>
+        <a:font script="Orya" typeface="Kalinga"/>
+        <a:font script="Mlym" typeface="Kartika"/>
+        <a:font script="Laoo" typeface="DokChampa"/>
+        <a:font script="Sinh" typeface="Iskoola Pota"/>
+        <a:font script="Mong" typeface="Mongolian Baiti"/>
+        <a:font script="Viet" typeface="Arial"/>
+        <a:font script="Uigh" typeface="Microsoft Uighur"/>
+        <a:font script="Geor" typeface="Sylfaen"/>
+        <a:font script="Armn" typeface="Arial"/>
+        <a:font script="Bugi" typeface="Leelawadee UI"/>
+        <a:font script="Bopo" typeface="Microsoft JhengHei"/>
+        <a:font script="Java" typeface="Javanese Text"/>
+        <a:font script="Lisu" typeface="Segoe UI"/>
+        <a:font script="Mymr" typeface="Myanmar Text"/>
+        <a:font script="Nkoo" typeface="Ebrima"/>
+        <a:font script="Olck" typeface="Nirmala UI"/>
+        <a:font script="Osma" typeface="Ebrima"/>
+        <a:font script="Phag" typeface="Phagspa"/>
+        <a:font script="Syrn" typeface="Estrangelo Edessa"/>
+        <a:font script="Syrj" typeface="Estrangelo Edessa"/>
+        <a:font script="Syre" typeface="Estrangelo Edessa"/>
+        <a:font script="Sora" typeface="Nirmala UI"/>
+        <a:font script="Tale" typeface="Microsoft Tai Le"/>
+        <a:font script="Talu" typeface="Microsoft New Tai Lue"/>
+        <a:font script="Tfng" typeface="Ebrima"/>
+      </a:minorFont>
+    </a:fontScheme>
+    <a:fmtScheme name="Office">
+      <a:fillStyleLst>
+        <a:solidFill>
+          <a:schemeClr val="phClr"/>
+        </a:solidFill>
+        <a:gradFill rotWithShape="1">
+          <a:gsLst>
+            <a:gs pos="0">
+              <a:schemeClr val="phClr">
+                <a:lumMod val="110000"/>
+                <a:satMod val="105000"/>
+                <a:tint val="67000"/>
+              </a:schemeClr>
+            </a:gs>
+            <a:gs pos="50000">
+              <a:schemeClr val="phClr">
+                <a:lumMod val="105000"/>
+                <a:satMod val="103000"/>
+                <a:tint val="73000"/>
+              </a:schemeClr>
+            </a:gs>
+            <a:gs pos="100000">
+              <a:schemeClr val="phClr">
+                <a:lumMod val="105000"/>
+                <a:satMod val="109000"/>
+                <a:tint val="81000"/>
+              </a:schemeClr>
+            </a:gs>
+          </a:gsLst>
+          <a:lin ang="5400000" scaled="0"/>
+        </a:gradFill>
+        <a:gradFill rotWithShape="1">
+          <a:gsLst>
+            <a:gs pos="0">
+              <a:schemeClr val="phClr">
+                <a:satMod val="103000"/>
+                <a:lumMod val="102000"/>
+                <a:tint val="94000"/>
+              </a:schemeClr>
+            </a:gs>
+            <a:gs pos="50000">
+              <a:schemeClr val="phClr">
+                <a:satMod val="110000"/>
+                <a:lumMod val="100000"/>
+                <a:shade val="100000"/>
+              </a:schemeClr>
+            </a:gs>
+            <a:gs pos="100000">
+              <a:schemeClr val="phClr">
+                <a:lumMod val="99000"/>
+                <a:satMod val="120000"/>
+                <a:shade val="78000"/>
+              </a:schemeClr>
+            </a:gs>
+          </a:gsLst>
+          <a:lin ang="5400000" scaled="0"/>
+        </a:gradFill>
+      </a:fillStyleLst>
+      <a:lnStyleLst>
+        <a:ln w="6350" cap="flat" cmpd="sng" algn="ctr">
+          <a:solidFill>
+            <a:schemeClr val="phClr"/>
+          </a:solidFill>
+          <a:prstDash val="solid"/>
+          <a:miter lim="800000"/>
+        </a:ln>
+        <a:ln w="12700" cap="flat" cmpd="sng" algn="ctr">
+          <a:solidFill>
+            <a:schemeClr val="phClr"/>
+          </a:solidFill>
+          <a:prstDash val="solid"/>
+          <a:miter lim="800000"/>
+        </a:ln>
+        <a:ln w="19050" cap="flat" cmpd="sng" algn="ctr">
+          <a:solidFill>
+            <a:schemeClr val="phClr"/>
+          </a:solidFill>
+          <a:prstDash val="solid"/>
+          <a:miter lim="800000"/>
+        </a:ln>
+      </a:lnStyleLst>
+      <a:effectStyleLst>
+        <a:effectStyle>
+          <a:effectLst/>
+        </a:effectStyle>
+        <a:effectStyle>
+          <a:effectLst/>
+        </a:effectStyle>
+        <a:effectStyle>
+          <a:effectLst>
+            <a:outerShdw blurRad="57150" dist="19050" dir="5400000" algn="ctr" rotWithShape="0">
+              <a:srgbClr val="000000">
+                <a:alpha val="63000"/>
+              </a:srgbClr>
+            </a:outerShdw>
+          </a:effectLst>
+        </a:effectStyle>
+      </a:effectStyleLst>
+      <a:bgFillStyleLst>
+        <a:solidFill>
+          <a:schemeClr val="phClr"/>
+        </a:solidFill>
+        <a:solidFill>
+          <a:schemeClr val="phClr">
+            <a:tint val="95000"/>
+            <a:satMod val="170000"/>
+          </a:schemeClr>
+        </a:solidFill>
+        <a:gradFill rotWithShape="1">
+          <a:gsLst>
+            <a:gs pos="0">
+              <a:schemeClr val="phClr">
+                <a:tint val="93000"/>
+                <a:satMod val="150000"/>
+                <a:shade val="98000"/>
+                <a:lumMod val="102000"/>
+              </a:schemeClr>
+            </a:gs>
+            <a:gs pos="50000">
+              <a:schemeClr val="phClr">
+                <a:tint val="98000"/>
+                <a:satMod val="130000"/>
+                <a:shade val="90000"/>
+                <a:lumMod val="103000"/>
+              </a:schemeClr>
+            </a:gs>
+            <a:gs pos="100000">
+              <a:schemeClr val="phClr">
+                <a:shade val="63000"/>
+                <a:satMod val="120000"/>
+              </a:schemeClr>
+            </a:gs>
+          </a:gsLst>
+          <a:lin ang="5400000" scaled="0"/>
+        </a:gradFill>
+      </a:bgFillStyleLst>
+    </a:fmtScheme>
+  </a:themeElements>
+  <a:objectDefaults/>
+  <a:extraClrSchemeLst/>
+  <a:extLst>
+    <a:ext uri="{05A4C25C-085E-4340-85A3-A5531E510DB2}">
+      <thm15:themeFamily xmlns:thm15="http://schemas.microsoft.com/office/thememl/2012/main" name="Office Theme" id="{62F939B6-93AF-4DB8-9C6B-D6C7DFDC589F}" vid="{4A3C46E8-61CC-4603-A589-7422A47A8E4A}"/>
+    </a:ext>
+  </a:extLst>
+</a:theme>
+</file>
+
+<file path=ppt/theme/theme3.xml><?xml version="1.0" encoding="utf-8"?>
+<a:theme xmlns:a="http://schemas.openxmlformats.org/drawingml/2006/main" name="Thème Office">
+  <a:themeElements>
+    <a:clrScheme name="Office">
+      <a:dk1>
+        <a:sysClr val="windowText" lastClr="000000"/>
+      </a:dk1>
+      <a:lt1>
+        <a:sysClr val="window" lastClr="FFFFFF"/>
+      </a:lt1>
+      <a:dk2>
+        <a:srgbClr val="44546A"/>
+      </a:dk2>
+      <a:lt2>
+        <a:srgbClr val="E7E6E6"/>
+      </a:lt2>
+      <a:accent1>
+        <a:srgbClr val="4472C4"/>
+      </a:accent1>
+      <a:accent2>
+        <a:srgbClr val="ED7D31"/>
+      </a:accent2>
+      <a:accent3>
+        <a:srgbClr val="A5A5A5"/>
+      </a:accent3>
+      <a:accent4>
+        <a:srgbClr val="FFC000"/>
+      </a:accent4>
+      <a:accent5>
+        <a:srgbClr val="5B9BD5"/>
+      </a:accent5>
+      <a:accent6>
+        <a:srgbClr val="70AD47"/>
+      </a:accent6>
+      <a:hlink>
+        <a:srgbClr val="0563C1"/>
+      </a:hlink>
+      <a:folHlink>
+        <a:srgbClr val="954F72"/>
+      </a:folHlink>
+    </a:clrScheme>
+    <a:fontScheme name="Office">
+      <a:majorFont>
+        <a:latin typeface="Calibri Light" panose="020F0302020204030204"/>
+        <a:ea typeface=""/>
+        <a:cs typeface=""/>
+        <a:font script="Jpan" typeface="游ゴシック Light"/>
+        <a:font script="Hang" typeface="맑은 고딕"/>
+        <a:font script="Hans" typeface="等线 Light"/>
+        <a:font script="Hant" typeface="新細明體"/>
+        <a:font script="Arab" typeface="Times New Roman"/>
+        <a:font script="Hebr" typeface="Times New Roman"/>
+        <a:font script="Thai" typeface="Angsana New"/>
+        <a:font script="Ethi" typeface="Nyala"/>
+        <a:font script="Beng" typeface="Vrinda"/>
+        <a:font script="Gujr" typeface="Shruti"/>
+        <a:font script="Khmr" typeface="MoolBoran"/>
+        <a:font script="Knda" typeface="Tunga"/>
+        <a:font script="Guru" typeface="Raavi"/>
+        <a:font script="Cans" typeface="Euphemia"/>
+        <a:font script="Cher" typeface="Plantagenet Cherokee"/>
+        <a:font script="Yiii" typeface="Microsoft Yi Baiti"/>
+        <a:font script="Tibt" typeface="Microsoft Himalaya"/>
+        <a:font script="Thaa" typeface="MV Boli"/>
+        <a:font script="Deva" typeface="Mangal"/>
+        <a:font script="Telu" typeface="Gautami"/>
+        <a:font script="Taml" typeface="Latha"/>
+        <a:font script="Syrc" typeface="Estrangelo Edessa"/>
+        <a:font script="Orya" typeface="Kalinga"/>
+        <a:font script="Mlym" typeface="Kartika"/>
+        <a:font script="Laoo" typeface="DokChampa"/>
+        <a:font script="Sinh" typeface="Iskoola Pota"/>
+        <a:font script="Mong" typeface="Mongolian Baiti"/>
+        <a:font script="Viet" typeface="Times New Roman"/>
+        <a:font script="Uigh" typeface="Microsoft Uighur"/>
+        <a:font script="Geor" typeface="Sylfaen"/>
+        <a:font script="Armn" typeface="Arial"/>
+        <a:font script="Bugi" typeface="Leelawadee UI"/>
+        <a:font script="Bopo" typeface="Microsoft JhengHei"/>
+        <a:font script="Java" typeface="Javanese Text"/>
+        <a:font script="Lisu" typeface="Segoe UI"/>
+        <a:font script="Mymr" typeface="Myanmar Text"/>
+        <a:font script="Nkoo" typeface="Ebrima"/>
+        <a:font script="Olck" typeface="Nirmala UI"/>
+        <a:font script="Osma" typeface="Ebrima"/>
+        <a:font script="Phag" typeface="Phagspa"/>
+        <a:font script="Syrn" typeface="Estrangelo Edessa"/>
+        <a:font script="Syrj" typeface="Estrangelo Edessa"/>
+        <a:font script="Syre" typeface="Estrangelo Edessa"/>
+        <a:font script="Sora" typeface="Nirmala UI"/>
+        <a:font script="Tale" typeface="Microsoft Tai Le"/>
+        <a:font script="Talu" typeface="Microsoft New Tai Lue"/>
+        <a:font script="Tfng" typeface="Ebrima"/>
+      </a:majorFont>
+      <a:minorFont>
+        <a:latin typeface="Calibri" panose="020F0502020204030204"/>
+        <a:ea typeface=""/>
+        <a:cs typeface=""/>
+        <a:font script="Jpan" typeface="游ゴシック"/>
+        <a:font script="Hang" typeface="맑은 고딕"/>
+        <a:font script="Hans" typeface="等线"/>
+        <a:font script="Hant" typeface="新細明體"/>
+        <a:font script="Arab" typeface="Arial"/>
+        <a:font script="Hebr" typeface="Arial"/>
+        <a:font script="Thai" typeface="Cordia New"/>
+        <a:font script="Ethi" typeface="Nyala"/>
+        <a:font script="Beng" typeface="Vrinda"/>
+        <a:font script="Gujr" typeface="Shruti"/>
+        <a:font script="Khmr" typeface="DaunPenh"/>
+        <a:font script="Knda" typeface="Tunga"/>
+        <a:font script="Guru" typeface="Raavi"/>
+        <a:font script="Cans" typeface="Euphemia"/>
+        <a:font script="Cher" typeface="Plantagenet Cherokee"/>
+        <a:font script="Yiii" typeface="Microsoft Yi Baiti"/>
+        <a:font script="Tibt" typeface="Microsoft Himalaya"/>
+        <a:font script="Thaa" typeface="MV Boli"/>
+        <a:font script="Deva" typeface="Mangal"/>
+        <a:font script="Telu" typeface="Gautami"/>
+        <a:font script="Taml" typeface="Latha"/>
+        <a:font script="Syrc" typeface="Estrangelo Edessa"/>
+        <a:font script="Orya" typeface="Kalinga"/>
+        <a:font script="Mlym" typeface="Kartika"/>
+        <a:font script="Laoo" typeface="DokChampa"/>
+        <a:font script="Sinh" typeface="Iskoola Pota"/>
+        <a:font script="Mong" typeface="Mongolian Baiti"/>
+        <a:font script="Viet" typeface="Arial"/>
+        <a:font script="Uigh" typeface="Microsoft Uighur"/>
+        <a:font script="Geor" typeface="Sylfaen"/>
+        <a:font script="Armn" typeface="Arial"/>
+        <a:font script="Bugi" typeface="Leelawadee UI"/>
+        <a:font script="Bopo" typeface="Microsoft JhengHei"/>
+        <a:font script="Java" typeface="Javanese Text"/>
+        <a:font script="Lisu" typeface="Segoe UI"/>
+        <a:font script="Mymr" typeface="Myanmar Text"/>
+        <a:font script="Nkoo" typeface="Ebrima"/>
+        <a:font script="Olck" typeface="Nirmala UI"/>
+        <a:font script="Osma" typeface="Ebrima"/>
+        <a:font script="Phag" typeface="Phagspa"/>
+        <a:font script="Syrn" typeface="Estrangelo Edessa"/>
+        <a:font script="Syrj" typeface="Estrangelo Edessa"/>
+        <a:font script="Syre" typeface="Estrangelo Edessa"/>
+        <a:font script="Sora" typeface="Nirmala UI"/>
+        <a:font script="Tale" typeface="Microsoft Tai Le"/>
+        <a:font script="Talu" typeface="Microsoft New Tai Lue"/>
+        <a:font script="Tfng" typeface="Ebrima"/>
+      </a:minorFont>
+    </a:fontScheme>
+    <a:fmtScheme name="Office">
+      <a:fillStyleLst>
+        <a:solidFill>
+          <a:schemeClr val="phClr"/>
+        </a:solidFill>
+        <a:gradFill rotWithShape="1">
+          <a:gsLst>
+            <a:gs pos="0">
+              <a:schemeClr val="phClr">
+                <a:lumMod val="110000"/>
+                <a:satMod val="105000"/>
+                <a:tint val="67000"/>
+              </a:schemeClr>
+            </a:gs>
+            <a:gs pos="50000">
+              <a:schemeClr val="phClr">
+                <a:lumMod val="105000"/>
+                <a:satMod val="103000"/>
+                <a:tint val="73000"/>
+              </a:schemeClr>
+            </a:gs>
+            <a:gs pos="100000">
+              <a:schemeClr val="phClr">
+                <a:lumMod val="105000"/>
+                <a:satMod val="109000"/>
+                <a:tint val="81000"/>
+              </a:schemeClr>
+            </a:gs>
+          </a:gsLst>
+          <a:lin ang="5400000" scaled="0"/>
+        </a:gradFill>
+        <a:gradFill rotWithShape="1">
+          <a:gsLst>
+            <a:gs pos="0">
+              <a:schemeClr val="phClr">
+                <a:satMod val="103000"/>
+                <a:lumMod val="102000"/>
+                <a:tint val="94000"/>
+              </a:schemeClr>
+            </a:gs>
+            <a:gs pos="50000">
+              <a:schemeClr val="phClr">
+                <a:satMod val="110000"/>
+                <a:lumMod val="100000"/>
+                <a:shade val="100000"/>
+              </a:schemeClr>
+            </a:gs>
+            <a:gs pos="100000">
+              <a:schemeClr val="phClr">
+                <a:lumMod val="99000"/>
+                <a:satMod val="120000"/>
+                <a:shade val="78000"/>
+              </a:schemeClr>
+            </a:gs>
+          </a:gsLst>
+          <a:lin ang="5400000" scaled="0"/>
+        </a:gradFill>
+      </a:fillStyleLst>
+      <a:lnStyleLst>
+        <a:ln w="6350" cap="flat" cmpd="sng" algn="ctr">
+          <a:solidFill>
+            <a:schemeClr val="phClr"/>
+          </a:solidFill>
+          <a:prstDash val="solid"/>
+          <a:miter lim="800000"/>
+        </a:ln>
+        <a:ln w="12700" cap="flat" cmpd="sng" algn="ctr">
+          <a:solidFill>
+            <a:schemeClr val="phClr"/>
+          </a:solidFill>
+          <a:prstDash val="solid"/>
+          <a:miter lim="800000"/>
+        </a:ln>
+        <a:ln w="19050" cap="flat" cmpd="sng" algn="ctr">
+          <a:solidFill>
+            <a:schemeClr val="phClr"/>
+          </a:solidFill>
+          <a:prstDash val="solid"/>
+          <a:miter lim="800000"/>
+        </a:ln>
+      </a:lnStyleLst>
+      <a:effectStyleLst>
+        <a:effectStyle>
+          <a:effectLst/>
+        </a:effectStyle>
+        <a:effectStyle>
+          <a:effectLst/>
+        </a:effectStyle>
+        <a:effectStyle>
+          <a:effectLst>
+            <a:outerShdw blurRad="57150" dist="19050" dir="5400000" algn="ctr" rotWithShape="0">
+              <a:srgbClr val="000000">
+                <a:alpha val="63000"/>
+              </a:srgbClr>
+            </a:outerShdw>
+          </a:effectLst>
+        </a:effectStyle>
+      </a:effectStyleLst>
+      <a:bgFillStyleLst>
+        <a:solidFill>
+          <a:schemeClr val="phClr"/>
+        </a:solidFill>
+        <a:solidFill>
+          <a:schemeClr val="phClr">
+            <a:tint val="95000"/>
+            <a:satMod val="170000"/>
+          </a:schemeClr>
+        </a:solidFill>
+        <a:gradFill rotWithShape="1">
+          <a:gsLst>
+            <a:gs pos="0">
+              <a:schemeClr val="phClr">
+                <a:tint val="93000"/>
+                <a:satMod val="150000"/>
+                <a:shade val="98000"/>
+                <a:lumMod val="102000"/>
+              </a:schemeClr>
+            </a:gs>
+            <a:gs pos="50000">
+              <a:schemeClr val="phClr">
+                <a:tint val="98000"/>
+                <a:satMod val="130000"/>
+                <a:shade val="90000"/>
+                <a:lumMod val="103000"/>
+              </a:schemeClr>
+            </a:gs>
+            <a:gs pos="100000">
+              <a:schemeClr val="phClr">
+                <a:shade val="63000"/>
+                <a:satMod val="120000"/>
+              </a:schemeClr>
+            </a:gs>
+          </a:gsLst>
+          <a:lin ang="5400000" scaled="0"/>
+        </a:gradFill>
+      </a:bgFillStyleLst>
+    </a:fmtScheme>
+  </a:themeElements>
+  <a:objectDefaults/>
+  <a:extraClrSchemeLst/>
+  <a:extLst>
+    <a:ext uri="{05A4C25C-085E-4340-85A3-A5531E510DB2}">
+      <thm15:themeFamily xmlns:thm15="http://schemas.microsoft.com/office/thememl/2012/main" name="Office Theme" id="{62F939B6-93AF-4DB8-9C6B-D6C7DFDC589F}" vid="{4A3C46E8-61CC-4603-A589-7422A47A8E4A}"/>
+    </a:ext>
+  </a:extLst>
+</a:theme>
 </file>
--- a/Projet électif.pptx
+++ b/Projet électif.pptx
@@ -5,10 +5,10 @@
     <p:sldMasterId id="2147483732" r:id="rId1"/>
   </p:sldMasterIdLst>
   <p:notesMasterIdLst>
-    <p:notesMasterId r:id="rId14"/>
+    <p:notesMasterId r:id="rId17"/>
   </p:notesMasterIdLst>
   <p:handoutMasterIdLst>
-    <p:handoutMasterId r:id="rId15"/>
+    <p:handoutMasterId r:id="rId18"/>
   </p:handoutMasterIdLst>
   <p:sldIdLst>
     <p:sldId id="256" r:id="rId2"/>
@@ -20,9 +20,12 @@
     <p:sldId id="259" r:id="rId8"/>
     <p:sldId id="265" r:id="rId9"/>
     <p:sldId id="260" r:id="rId10"/>
-    <p:sldId id="261" r:id="rId11"/>
-    <p:sldId id="266" r:id="rId12"/>
-    <p:sldId id="267" r:id="rId13"/>
+    <p:sldId id="270" r:id="rId11"/>
+    <p:sldId id="269" r:id="rId12"/>
+    <p:sldId id="261" r:id="rId13"/>
+    <p:sldId id="266" r:id="rId14"/>
+    <p:sldId id="268" r:id="rId15"/>
+    <p:sldId id="267" r:id="rId16"/>
   </p:sldIdLst>
   <p:sldSz cx="12192000" cy="6858000"/>
   <p:notesSz cx="6858000" cy="9144000"/>
@@ -223,7 +226,7 @@
           <a:p>
             <a:fld id="{C34B4EED-50BE-47B9-BAF5-F7BDD7BEE753}" type="datetimeFigureOut">
               <a:rPr lang="fr-FR" smtClean="0"/>
-              <a:t>11/01/2020</a:t>
+              <a:t>17/01/2020</a:t>
             </a:fld>
             <a:endParaRPr lang="fr-FR"/>
           </a:p>
@@ -400,7 +403,7 @@
           <a:p>
             <a:fld id="{A634583A-3DC2-4121-A24A-FF1C1B658648}" type="datetimeFigureOut">
               <a:rPr lang="fr-FR" smtClean="0"/>
-              <a:t>11/01/2020</a:t>
+              <a:t>17/01/2020</a:t>
             </a:fld>
             <a:endParaRPr lang="fr-FR"/>
           </a:p>
@@ -1169,7 +1172,7 @@
           <a:p>
             <a:fld id="{02AC24A9-CCB6-4F8D-B8DB-C2F3692CFA5A}" type="datetimeFigureOut">
               <a:rPr lang="en-US" smtClean="0"/>
-              <a:t>1/11/2020</a:t>
+              <a:t>1/17/2020</a:t>
             </a:fld>
             <a:endParaRPr lang="en-US"/>
           </a:p>
@@ -1465,7 +1468,7 @@
           <a:p>
             <a:fld id="{02AC24A9-CCB6-4F8D-B8DB-C2F3692CFA5A}" type="datetimeFigureOut">
               <a:rPr lang="en-US" smtClean="0"/>
-              <a:t>1/11/2020</a:t>
+              <a:t>1/17/2020</a:t>
             </a:fld>
             <a:endParaRPr lang="en-US"/>
           </a:p>
@@ -1713,7 +1716,7 @@
           <a:p>
             <a:fld id="{02AC24A9-CCB6-4F8D-B8DB-C2F3692CFA5A}" type="datetimeFigureOut">
               <a:rPr lang="en-US" smtClean="0"/>
-              <a:t>1/11/2020</a:t>
+              <a:t>1/17/2020</a:t>
             </a:fld>
             <a:endParaRPr lang="en-US"/>
           </a:p>
@@ -2253,7 +2256,7 @@
           <a:p>
             <a:fld id="{02AC24A9-CCB6-4F8D-B8DB-C2F3692CFA5A}" type="datetimeFigureOut">
               <a:rPr lang="en-US" smtClean="0"/>
-              <a:t>1/11/2020</a:t>
+              <a:t>1/17/2020</a:t>
             </a:fld>
             <a:endParaRPr lang="en-US"/>
           </a:p>
@@ -2501,7 +2504,7 @@
           <a:p>
             <a:fld id="{02AC24A9-CCB6-4F8D-B8DB-C2F3692CFA5A}" type="datetimeFigureOut">
               <a:rPr lang="en-US" smtClean="0"/>
-              <a:t>1/11/2020</a:t>
+              <a:t>1/17/2020</a:t>
             </a:fld>
             <a:endParaRPr lang="en-US"/>
           </a:p>
@@ -3033,7 +3036,7 @@
           <a:p>
             <a:fld id="{02AC24A9-CCB6-4F8D-B8DB-C2F3692CFA5A}" type="datetimeFigureOut">
               <a:rPr lang="en-US" smtClean="0"/>
-              <a:t>1/11/2020</a:t>
+              <a:t>1/17/2020</a:t>
             </a:fld>
             <a:endParaRPr lang="en-US"/>
           </a:p>
@@ -3330,7 +3333,7 @@
           <a:p>
             <a:fld id="{02AC24A9-CCB6-4F8D-B8DB-C2F3692CFA5A}" type="datetimeFigureOut">
               <a:rPr lang="en-US" smtClean="0"/>
-              <a:t>1/11/2020</a:t>
+              <a:t>1/17/2020</a:t>
             </a:fld>
             <a:endParaRPr lang="en-US"/>
           </a:p>
@@ -3504,7 +3507,7 @@
           <a:p>
             <a:fld id="{02AC24A9-CCB6-4F8D-B8DB-C2F3692CFA5A}" type="datetimeFigureOut">
               <a:rPr lang="en-US" smtClean="0"/>
-              <a:t>1/11/2020</a:t>
+              <a:t>1/17/2020</a:t>
             </a:fld>
             <a:endParaRPr lang="en-US"/>
           </a:p>
@@ -3684,7 +3687,7 @@
           <a:p>
             <a:fld id="{02AC24A9-CCB6-4F8D-B8DB-C2F3692CFA5A}" type="datetimeFigureOut">
               <a:rPr lang="en-US" smtClean="0"/>
-              <a:t>1/11/2020</a:t>
+              <a:t>1/17/2020</a:t>
             </a:fld>
             <a:endParaRPr lang="en-US"/>
           </a:p>
@@ -3854,7 +3857,7 @@
           <a:p>
             <a:fld id="{02AC24A9-CCB6-4F8D-B8DB-C2F3692CFA5A}" type="datetimeFigureOut">
               <a:rPr lang="en-US" smtClean="0"/>
-              <a:t>1/11/2020</a:t>
+              <a:t>1/17/2020</a:t>
             </a:fld>
             <a:endParaRPr lang="en-US"/>
           </a:p>
@@ -4105,7 +4108,7 @@
           <a:p>
             <a:fld id="{02AC24A9-CCB6-4F8D-B8DB-C2F3692CFA5A}" type="datetimeFigureOut">
               <a:rPr lang="en-US" smtClean="0"/>
-              <a:t>1/11/2020</a:t>
+              <a:t>1/17/2020</a:t>
             </a:fld>
             <a:endParaRPr lang="en-US"/>
           </a:p>
@@ -4402,7 +4405,7 @@
           <a:p>
             <a:fld id="{02AC24A9-CCB6-4F8D-B8DB-C2F3692CFA5A}" type="datetimeFigureOut">
               <a:rPr lang="en-US" smtClean="0"/>
-              <a:t>1/11/2020</a:t>
+              <a:t>1/17/2020</a:t>
             </a:fld>
             <a:endParaRPr lang="en-US"/>
           </a:p>
@@ -4844,7 +4847,7 @@
           <a:p>
             <a:fld id="{02AC24A9-CCB6-4F8D-B8DB-C2F3692CFA5A}" type="datetimeFigureOut">
               <a:rPr lang="en-US" smtClean="0"/>
-              <a:t>1/11/2020</a:t>
+              <a:t>1/17/2020</a:t>
             </a:fld>
             <a:endParaRPr lang="en-US"/>
           </a:p>
@@ -4962,7 +4965,7 @@
           <a:p>
             <a:fld id="{02AC24A9-CCB6-4F8D-B8DB-C2F3692CFA5A}" type="datetimeFigureOut">
               <a:rPr lang="en-US" smtClean="0"/>
-              <a:t>1/11/2020</a:t>
+              <a:t>1/17/2020</a:t>
             </a:fld>
             <a:endParaRPr lang="en-US"/>
           </a:p>
@@ -5057,7 +5060,7 @@
           <a:p>
             <a:fld id="{02AC24A9-CCB6-4F8D-B8DB-C2F3692CFA5A}" type="datetimeFigureOut">
               <a:rPr lang="en-US" smtClean="0"/>
-              <a:t>1/11/2020</a:t>
+              <a:t>1/17/2020</a:t>
             </a:fld>
             <a:endParaRPr lang="en-US"/>
           </a:p>
@@ -5340,7 +5343,7 @@
           <a:p>
             <a:fld id="{02AC24A9-CCB6-4F8D-B8DB-C2F3692CFA5A}" type="datetimeFigureOut">
               <a:rPr lang="en-US" smtClean="0"/>
-              <a:t>1/11/2020</a:t>
+              <a:t>1/17/2020</a:t>
             </a:fld>
             <a:endParaRPr lang="en-US"/>
           </a:p>
@@ -5631,7 +5634,7 @@
           <a:p>
             <a:fld id="{02AC24A9-CCB6-4F8D-B8DB-C2F3692CFA5A}" type="datetimeFigureOut">
               <a:rPr lang="en-US" smtClean="0"/>
-              <a:t>1/11/2020</a:t>
+              <a:t>1/17/2020</a:t>
             </a:fld>
             <a:endParaRPr lang="en-US"/>
           </a:p>
@@ -6161,7 +6164,7 @@
           <a:p>
             <a:fld id="{02AC24A9-CCB6-4F8D-B8DB-C2F3692CFA5A}" type="datetimeFigureOut">
               <a:rPr lang="en-US" smtClean="0"/>
-              <a:t>1/11/2020</a:t>
+              <a:t>1/17/2020</a:t>
             </a:fld>
             <a:endParaRPr lang="en-US"/>
           </a:p>
@@ -6750,13 +6753,8 @@
           <a:p>
             <a:r>
               <a:rPr lang="fr-FR" dirty="0"/>
-              <a:t>Conception d’une </a:t>
-            </a:r>
-            <a:r>
-              <a:rPr lang="fr-FR" dirty="0" err="1"/>
-              <a:t>GameBoy</a:t>
-            </a:r>
-            <a:endParaRPr lang="fr-FR" dirty="0"/>
+              <a:t>Conception de deux Gameboy</a:t>
+            </a:r>
           </a:p>
         </p:txBody>
       </p:sp>
@@ -6830,6 +6828,41 @@
           </a:prstGeom>
         </p:spPr>
       </p:pic>
+      <p:sp>
+        <p:nvSpPr>
+          <p:cNvPr id="4" name="ZoneTexte 3">
+            <a:extLst>
+              <a:ext uri="{FF2B5EF4-FFF2-40B4-BE49-F238E27FC236}">
+                <a16:creationId xmlns:a16="http://schemas.microsoft.com/office/drawing/2014/main" id="{49EE1E5A-CA67-4372-B786-F6E0278C21FF}"/>
+              </a:ext>
+            </a:extLst>
+          </p:cNvPr>
+          <p:cNvSpPr txBox="1"/>
+          <p:nvPr/>
+        </p:nvSpPr>
+        <p:spPr>
+          <a:xfrm>
+            <a:off x="5011886" y="5809455"/>
+            <a:ext cx="6491136" cy="461665"/>
+          </a:xfrm>
+          <a:prstGeom prst="rect">
+            <a:avLst/>
+          </a:prstGeom>
+          <a:noFill/>
+        </p:spPr>
+        <p:txBody>
+          <a:bodyPr wrap="none" rtlCol="0">
+            <a:spAutoFit/>
+          </a:bodyPr>
+          <a:lstStyle/>
+          <a:p>
+            <a:r>
+              <a:rPr lang="fr-FR" sz="2400" dirty="0"/>
+              <a:t>SOUDIER Jean (GE4) – TESSIER Alexandre (MIQ4)</a:t>
+            </a:r>
+          </a:p>
+        </p:txBody>
+      </p:sp>
     </p:spTree>
     <p:extLst>
       <p:ext uri="{BB962C8B-B14F-4D97-AF65-F5344CB8AC3E}">
@@ -6865,6 +6898,348 @@
           <p:cNvPr id="2" name="ZoneTexte 1">
             <a:extLst>
               <a:ext uri="{FF2B5EF4-FFF2-40B4-BE49-F238E27FC236}">
+                <a16:creationId xmlns:a16="http://schemas.microsoft.com/office/drawing/2014/main" id="{C579E51F-ED8D-40F8-80A6-0ECFD9F42C70}"/>
+              </a:ext>
+            </a:extLst>
+          </p:cNvPr>
+          <p:cNvSpPr txBox="1"/>
+          <p:nvPr/>
+        </p:nvSpPr>
+        <p:spPr>
+          <a:xfrm>
+            <a:off x="3523376" y="796954"/>
+            <a:ext cx="6149130" cy="1477328"/>
+          </a:xfrm>
+          <a:prstGeom prst="rect">
+            <a:avLst/>
+          </a:prstGeom>
+          <a:noFill/>
+        </p:spPr>
+        <p:txBody>
+          <a:bodyPr wrap="square" rtlCol="0">
+            <a:spAutoFit/>
+          </a:bodyPr>
+          <a:lstStyle/>
+          <a:p>
+            <a:r>
+              <a:rPr lang="fr-FR" dirty="0"/>
+              <a:t>Répartition du travail pour la programmation:</a:t>
+            </a:r>
+          </a:p>
+          <a:p>
+            <a:r>
+              <a:rPr lang="fr-FR" dirty="0"/>
+              <a:t>Jean: programmation de toutes les fonctions de base (UART, SPI, Ecran, Boutons, Buzzer), préparation des menus</a:t>
+            </a:r>
+          </a:p>
+          <a:p>
+            <a:r>
+              <a:rPr lang="fr-FR" dirty="0"/>
+              <a:t>Alexandre: programmation du jeu: préparation des images, du code mémoire, programmation des modes de jeu</a:t>
+            </a:r>
+          </a:p>
+        </p:txBody>
+      </p:sp>
+      <p:sp>
+        <p:nvSpPr>
+          <p:cNvPr id="5" name="Espace réservé du numéro de diapositive 5">
+            <a:extLst>
+              <a:ext uri="{FF2B5EF4-FFF2-40B4-BE49-F238E27FC236}">
+                <a16:creationId xmlns:a16="http://schemas.microsoft.com/office/drawing/2014/main" id="{80F87924-2C03-469C-8788-12ECB7408734}"/>
+              </a:ext>
+            </a:extLst>
+          </p:cNvPr>
+          <p:cNvSpPr>
+            <a:spLocks noGrp="1"/>
+          </p:cNvSpPr>
+          <p:nvPr>
+            <p:ph type="sldNum" sz="quarter" idx="12"/>
+          </p:nvPr>
+        </p:nvSpPr>
+        <p:spPr>
+          <a:xfrm>
+            <a:off x="10951855" y="321374"/>
+            <a:ext cx="551167" cy="365125"/>
+          </a:xfrm>
+        </p:spPr>
+        <p:txBody>
+          <a:bodyPr/>
+          <a:lstStyle/>
+          <a:p>
+            <a:fld id="{B2DC25EE-239B-4C5F-AAD1-255A7D5F1EE2}" type="slidenum">
+              <a:rPr lang="en-US" smtClean="0"/>
+              <a:t>10</a:t>
+            </a:fld>
+            <a:endParaRPr lang="en-US" dirty="0"/>
+          </a:p>
+        </p:txBody>
+      </p:sp>
+      <p:pic>
+        <p:nvPicPr>
+          <p:cNvPr id="6" name="Image 5">
+            <a:extLst>
+              <a:ext uri="{FF2B5EF4-FFF2-40B4-BE49-F238E27FC236}">
+                <a16:creationId xmlns:a16="http://schemas.microsoft.com/office/drawing/2014/main" id="{547E47D8-E20F-4FE6-B5D4-9A130965B3BB}"/>
+              </a:ext>
+            </a:extLst>
+          </p:cNvPr>
+          <p:cNvPicPr>
+            <a:picLocks noChangeAspect="1"/>
+          </p:cNvPicPr>
+          <p:nvPr/>
+        </p:nvPicPr>
+        <p:blipFill>
+          <a:blip r:embed="rId2">
+            <a:extLst>
+              <a:ext uri="{28A0092B-C50C-407E-A947-70E740481C1C}">
+                <a14:useLocalDpi xmlns:a14="http://schemas.microsoft.com/office/drawing/2010/main" val="0"/>
+              </a:ext>
+            </a:extLst>
+          </a:blip>
+          <a:stretch>
+            <a:fillRect/>
+          </a:stretch>
+        </p:blipFill>
+        <p:spPr>
+          <a:xfrm>
+            <a:off x="0" y="6271120"/>
+            <a:ext cx="1600974" cy="586880"/>
+          </a:xfrm>
+          <a:prstGeom prst="rect">
+            <a:avLst/>
+          </a:prstGeom>
+        </p:spPr>
+      </p:pic>
+    </p:spTree>
+    <p:extLst>
+      <p:ext uri="{BB962C8B-B14F-4D97-AF65-F5344CB8AC3E}">
+        <p14:creationId xmlns:p14="http://schemas.microsoft.com/office/powerpoint/2010/main" val="1929410272"/>
+      </p:ext>
+    </p:extLst>
+  </p:cSld>
+  <p:clrMapOvr>
+    <a:masterClrMapping/>
+  </p:clrMapOvr>
+</p:sld>
+</file>
+
+<file path=ppt/slides/slide11.xml><?xml version="1.0" encoding="utf-8"?>
+<p:sld xmlns:a="http://schemas.openxmlformats.org/drawingml/2006/main" xmlns:r="http://schemas.openxmlformats.org/officeDocument/2006/relationships" xmlns:p="http://schemas.openxmlformats.org/presentationml/2006/main">
+  <p:cSld>
+    <p:spTree>
+      <p:nvGrpSpPr>
+        <p:cNvPr id="1" name=""/>
+        <p:cNvGrpSpPr/>
+        <p:nvPr/>
+      </p:nvGrpSpPr>
+      <p:grpSpPr>
+        <a:xfrm>
+          <a:off x="0" y="0"/>
+          <a:ext cx="0" cy="0"/>
+          <a:chOff x="0" y="0"/>
+          <a:chExt cx="0" cy="0"/>
+        </a:xfrm>
+      </p:grpSpPr>
+      <p:sp>
+        <p:nvSpPr>
+          <p:cNvPr id="2" name="ZoneTexte 1">
+            <a:extLst>
+              <a:ext uri="{FF2B5EF4-FFF2-40B4-BE49-F238E27FC236}">
+                <a16:creationId xmlns:a16="http://schemas.microsoft.com/office/drawing/2014/main" id="{C579E51F-ED8D-40F8-80A6-0ECFD9F42C70}"/>
+              </a:ext>
+            </a:extLst>
+          </p:cNvPr>
+          <p:cNvSpPr txBox="1"/>
+          <p:nvPr/>
+        </p:nvSpPr>
+        <p:spPr>
+          <a:xfrm>
+            <a:off x="3523376" y="796954"/>
+            <a:ext cx="6149130" cy="3416320"/>
+          </a:xfrm>
+          <a:prstGeom prst="rect">
+            <a:avLst/>
+          </a:prstGeom>
+          <a:noFill/>
+        </p:spPr>
+        <p:txBody>
+          <a:bodyPr wrap="square" rtlCol="0">
+            <a:spAutoFit/>
+          </a:bodyPr>
+          <a:lstStyle/>
+          <a:p>
+            <a:r>
+              <a:rPr lang="fr-FR" dirty="0"/>
+              <a:t>Plan mémoire :</a:t>
+            </a:r>
+          </a:p>
+          <a:p>
+            <a:endParaRPr lang="fr-FR" dirty="0"/>
+          </a:p>
+          <a:p>
+            <a:r>
+              <a:rPr lang="fr-FR" dirty="0"/>
+              <a:t>-&gt; Atmega 16a</a:t>
+            </a:r>
+          </a:p>
+          <a:p>
+            <a:r>
+              <a:rPr lang="fr-FR" dirty="0"/>
+              <a:t>0x0000 – 0x005F réservé</a:t>
+            </a:r>
+          </a:p>
+          <a:p>
+            <a:r>
+              <a:rPr lang="fr-FR" dirty="0"/>
+              <a:t>0x0060 – 0x045F [SRAM] variables programme + tables</a:t>
+            </a:r>
+          </a:p>
+          <a:p>
+            <a:r>
+              <a:rPr lang="fr-FR" dirty="0"/>
+              <a:t>0x0460 – 0x4460 [flash] mémoire programme</a:t>
+            </a:r>
+          </a:p>
+          <a:p>
+            <a:r>
+              <a:rPr lang="fr-FR" dirty="0"/>
+              <a:t>0x000-0x200 [EEPROM] stockage du son du jeu et des menus</a:t>
+            </a:r>
+          </a:p>
+          <a:p>
+            <a:endParaRPr lang="fr-FR" dirty="0"/>
+          </a:p>
+          <a:p>
+            <a:r>
+              <a:rPr lang="fr-FR" dirty="0"/>
+              <a:t>-&gt; Mémoire en SPI</a:t>
+            </a:r>
+          </a:p>
+          <a:p>
+            <a:r>
+              <a:rPr lang="fr-FR" dirty="0"/>
+              <a:t>0x0400 – 0x47FF images du jeu</a:t>
+            </a:r>
+          </a:p>
+          <a:p>
+            <a:r>
+              <a:rPr lang="fr-FR" dirty="0"/>
+              <a:t>0x4800 – 0x4DAF données du jeu</a:t>
+            </a:r>
+          </a:p>
+          <a:p>
+            <a:r>
+              <a:rPr lang="fr-FR" dirty="0"/>
+              <a:t>0x6800 – 0x7FFF images des menus de la console</a:t>
+            </a:r>
+          </a:p>
+        </p:txBody>
+      </p:sp>
+      <p:sp>
+        <p:nvSpPr>
+          <p:cNvPr id="5" name="Espace réservé du numéro de diapositive 5">
+            <a:extLst>
+              <a:ext uri="{FF2B5EF4-FFF2-40B4-BE49-F238E27FC236}">
+                <a16:creationId xmlns:a16="http://schemas.microsoft.com/office/drawing/2014/main" id="{80F87924-2C03-469C-8788-12ECB7408734}"/>
+              </a:ext>
+            </a:extLst>
+          </p:cNvPr>
+          <p:cNvSpPr>
+            <a:spLocks noGrp="1"/>
+          </p:cNvSpPr>
+          <p:nvPr>
+            <p:ph type="sldNum" sz="quarter" idx="12"/>
+          </p:nvPr>
+        </p:nvSpPr>
+        <p:spPr>
+          <a:xfrm>
+            <a:off x="10951855" y="321374"/>
+            <a:ext cx="551167" cy="365125"/>
+          </a:xfrm>
+        </p:spPr>
+        <p:txBody>
+          <a:bodyPr/>
+          <a:lstStyle/>
+          <a:p>
+            <a:fld id="{B2DC25EE-239B-4C5F-AAD1-255A7D5F1EE2}" type="slidenum">
+              <a:rPr lang="en-US" smtClean="0"/>
+              <a:t>11</a:t>
+            </a:fld>
+            <a:endParaRPr lang="en-US" dirty="0"/>
+          </a:p>
+        </p:txBody>
+      </p:sp>
+      <p:pic>
+        <p:nvPicPr>
+          <p:cNvPr id="6" name="Image 5">
+            <a:extLst>
+              <a:ext uri="{FF2B5EF4-FFF2-40B4-BE49-F238E27FC236}">
+                <a16:creationId xmlns:a16="http://schemas.microsoft.com/office/drawing/2014/main" id="{547E47D8-E20F-4FE6-B5D4-9A130965B3BB}"/>
+              </a:ext>
+            </a:extLst>
+          </p:cNvPr>
+          <p:cNvPicPr>
+            <a:picLocks noChangeAspect="1"/>
+          </p:cNvPicPr>
+          <p:nvPr/>
+        </p:nvPicPr>
+        <p:blipFill>
+          <a:blip r:embed="rId2">
+            <a:extLst>
+              <a:ext uri="{28A0092B-C50C-407E-A947-70E740481C1C}">
+                <a14:useLocalDpi xmlns:a14="http://schemas.microsoft.com/office/drawing/2010/main" val="0"/>
+              </a:ext>
+            </a:extLst>
+          </a:blip>
+          <a:stretch>
+            <a:fillRect/>
+          </a:stretch>
+        </p:blipFill>
+        <p:spPr>
+          <a:xfrm>
+            <a:off x="0" y="6271120"/>
+            <a:ext cx="1600974" cy="586880"/>
+          </a:xfrm>
+          <a:prstGeom prst="rect">
+            <a:avLst/>
+          </a:prstGeom>
+        </p:spPr>
+      </p:pic>
+    </p:spTree>
+    <p:extLst>
+      <p:ext uri="{BB962C8B-B14F-4D97-AF65-F5344CB8AC3E}">
+        <p14:creationId xmlns:p14="http://schemas.microsoft.com/office/powerpoint/2010/main" val="3368041899"/>
+      </p:ext>
+    </p:extLst>
+  </p:cSld>
+  <p:clrMapOvr>
+    <a:masterClrMapping/>
+  </p:clrMapOvr>
+</p:sld>
+</file>
+
+<file path=ppt/slides/slide12.xml><?xml version="1.0" encoding="utf-8"?>
+<p:sld xmlns:a="http://schemas.openxmlformats.org/drawingml/2006/main" xmlns:r="http://schemas.openxmlformats.org/officeDocument/2006/relationships" xmlns:p="http://schemas.openxmlformats.org/presentationml/2006/main">
+  <p:cSld>
+    <p:spTree>
+      <p:nvGrpSpPr>
+        <p:cNvPr id="1" name=""/>
+        <p:cNvGrpSpPr/>
+        <p:nvPr/>
+      </p:nvGrpSpPr>
+      <p:grpSpPr>
+        <a:xfrm>
+          <a:off x="0" y="0"/>
+          <a:ext cx="0" cy="0"/>
+          <a:chOff x="0" y="0"/>
+          <a:chExt cx="0" cy="0"/>
+        </a:xfrm>
+      </p:grpSpPr>
+      <p:sp>
+        <p:nvSpPr>
+          <p:cNvPr id="2" name="ZoneTexte 1">
+            <a:extLst>
+              <a:ext uri="{FF2B5EF4-FFF2-40B4-BE49-F238E27FC236}">
                 <a16:creationId xmlns:a16="http://schemas.microsoft.com/office/drawing/2014/main" id="{4FF84989-4CC7-4CE5-BF1A-224B6EC86150}"/>
               </a:ext>
             </a:extLst>
@@ -6989,7 +7364,7 @@
           <a:p>
             <a:fld id="{B2DC25EE-239B-4C5F-AAD1-255A7D5F1EE2}" type="slidenum">
               <a:rPr lang="en-US" smtClean="0"/>
-              <a:t>10</a:t>
+              <a:t>12</a:t>
             </a:fld>
             <a:endParaRPr lang="en-US" dirty="0"/>
           </a:p>
@@ -7044,7 +7419,202 @@
 </p:sld>
 </file>
 
-<file path=ppt/slides/slide11.xml><?xml version="1.0" encoding="utf-8"?>
+<file path=ppt/slides/slide13.xml><?xml version="1.0" encoding="utf-8"?>
+<p:sld xmlns:a="http://schemas.openxmlformats.org/drawingml/2006/main" xmlns:r="http://schemas.openxmlformats.org/officeDocument/2006/relationships" xmlns:p="http://schemas.openxmlformats.org/presentationml/2006/main">
+  <p:cSld>
+    <p:spTree>
+      <p:nvGrpSpPr>
+        <p:cNvPr id="1" name=""/>
+        <p:cNvGrpSpPr/>
+        <p:nvPr/>
+      </p:nvGrpSpPr>
+      <p:grpSpPr>
+        <a:xfrm>
+          <a:off x="0" y="0"/>
+          <a:ext cx="0" cy="0"/>
+          <a:chOff x="0" y="0"/>
+          <a:chExt cx="0" cy="0"/>
+        </a:xfrm>
+      </p:grpSpPr>
+      <p:sp>
+        <p:nvSpPr>
+          <p:cNvPr id="6" name="Espace réservé du numéro de diapositive 5">
+            <a:extLst>
+              <a:ext uri="{FF2B5EF4-FFF2-40B4-BE49-F238E27FC236}">
+                <a16:creationId xmlns:a16="http://schemas.microsoft.com/office/drawing/2014/main" id="{E9926667-C4AE-43A3-88E6-759B6E8DCFB3}"/>
+              </a:ext>
+            </a:extLst>
+          </p:cNvPr>
+          <p:cNvSpPr>
+            <a:spLocks noGrp="1"/>
+          </p:cNvSpPr>
+          <p:nvPr>
+            <p:ph type="sldNum" sz="quarter" idx="12"/>
+          </p:nvPr>
+        </p:nvSpPr>
+        <p:spPr>
+          <a:xfrm>
+            <a:off x="10951855" y="321374"/>
+            <a:ext cx="551167" cy="365125"/>
+          </a:xfrm>
+        </p:spPr>
+        <p:txBody>
+          <a:bodyPr/>
+          <a:lstStyle/>
+          <a:p>
+            <a:fld id="{B2DC25EE-239B-4C5F-AAD1-255A7D5F1EE2}" type="slidenum">
+              <a:rPr lang="en-US" smtClean="0"/>
+              <a:t>13</a:t>
+            </a:fld>
+            <a:endParaRPr lang="en-US" dirty="0"/>
+          </a:p>
+        </p:txBody>
+      </p:sp>
+      <p:pic>
+        <p:nvPicPr>
+          <p:cNvPr id="7" name="Image 6">
+            <a:extLst>
+              <a:ext uri="{FF2B5EF4-FFF2-40B4-BE49-F238E27FC236}">
+                <a16:creationId xmlns:a16="http://schemas.microsoft.com/office/drawing/2014/main" id="{82AD42F0-E31A-4262-89CD-4AED913D8861}"/>
+              </a:ext>
+            </a:extLst>
+          </p:cNvPr>
+          <p:cNvPicPr>
+            <a:picLocks noChangeAspect="1"/>
+          </p:cNvPicPr>
+          <p:nvPr/>
+        </p:nvPicPr>
+        <p:blipFill>
+          <a:blip r:embed="rId2">
+            <a:extLst>
+              <a:ext uri="{28A0092B-C50C-407E-A947-70E740481C1C}">
+                <a14:useLocalDpi xmlns:a14="http://schemas.microsoft.com/office/drawing/2010/main" val="0"/>
+              </a:ext>
+            </a:extLst>
+          </a:blip>
+          <a:stretch>
+            <a:fillRect/>
+          </a:stretch>
+        </p:blipFill>
+        <p:spPr>
+          <a:xfrm>
+            <a:off x="0" y="6271120"/>
+            <a:ext cx="1600974" cy="586880"/>
+          </a:xfrm>
+          <a:prstGeom prst="rect">
+            <a:avLst/>
+          </a:prstGeom>
+        </p:spPr>
+      </p:pic>
+      <p:sp>
+        <p:nvSpPr>
+          <p:cNvPr id="5" name="ZoneTexte 4">
+            <a:extLst>
+              <a:ext uri="{FF2B5EF4-FFF2-40B4-BE49-F238E27FC236}">
+                <a16:creationId xmlns:a16="http://schemas.microsoft.com/office/drawing/2014/main" id="{B9FDF780-0A10-4F98-9BD6-DEE167D624C7}"/>
+              </a:ext>
+            </a:extLst>
+          </p:cNvPr>
+          <p:cNvSpPr txBox="1"/>
+          <p:nvPr/>
+        </p:nvSpPr>
+        <p:spPr>
+          <a:xfrm>
+            <a:off x="2038525" y="1149292"/>
+            <a:ext cx="9421490" cy="1477328"/>
+          </a:xfrm>
+          <a:prstGeom prst="rect">
+            <a:avLst/>
+          </a:prstGeom>
+          <a:noFill/>
+        </p:spPr>
+        <p:txBody>
+          <a:bodyPr wrap="none" rtlCol="0">
+            <a:spAutoFit/>
+          </a:bodyPr>
+          <a:lstStyle/>
+          <a:p>
+            <a:r>
+              <a:rPr lang="fr-FR" dirty="0"/>
+              <a:t>Parler de la stratégie d’affichage sur l’écran:</a:t>
+            </a:r>
+          </a:p>
+          <a:p>
+            <a:pPr marL="285750" indent="-285750">
+              <a:buFontTx/>
+              <a:buChar char="-"/>
+            </a:pPr>
+            <a:r>
+              <a:rPr lang="fr-FR" dirty="0" err="1"/>
+              <a:t>Map</a:t>
+            </a:r>
+            <a:r>
+              <a:rPr lang="fr-FR" dirty="0"/>
+              <a:t>: labyrinthe composé de cases</a:t>
+            </a:r>
+          </a:p>
+          <a:p>
+            <a:pPr marL="285750" indent="-285750">
+              <a:buFontTx/>
+              <a:buChar char="-"/>
+            </a:pPr>
+            <a:r>
+              <a:rPr lang="fr-FR" dirty="0"/>
+              <a:t>Il y a en tout 17 images en fonction de la vue (avec ou sans adversaire, avec un mur ou non, </a:t>
+            </a:r>
+            <a:r>
+              <a:rPr lang="fr-FR" dirty="0" err="1"/>
+              <a:t>etc</a:t>
+            </a:r>
+            <a:r>
+              <a:rPr lang="fr-FR" dirty="0"/>
+              <a:t>)</a:t>
+            </a:r>
+          </a:p>
+          <a:p>
+            <a:pPr marL="285750" indent="-285750">
+              <a:buFontTx/>
+              <a:buChar char="-"/>
+            </a:pPr>
+            <a:r>
+              <a:rPr lang="fr-FR" dirty="0"/>
+              <a:t>Pour chaque case, un code décrit son environnement (numéro des cases voisines et autre)</a:t>
+            </a:r>
+          </a:p>
+          <a:p>
+            <a:pPr marL="285750" indent="-285750">
+              <a:buFontTx/>
+              <a:buChar char="-"/>
+            </a:pPr>
+            <a:r>
+              <a:rPr lang="fr-FR" dirty="0"/>
+              <a:t>Le code de la </a:t>
+            </a:r>
+            <a:r>
+              <a:rPr lang="fr-FR" dirty="0" err="1"/>
+              <a:t>map</a:t>
+            </a:r>
+            <a:r>
+              <a:rPr lang="fr-FR" dirty="0"/>
+              <a:t> décrit quelle image afficher en fonction de l’orientation du personnage</a:t>
+            </a:r>
+          </a:p>
+        </p:txBody>
+      </p:sp>
+    </p:spTree>
+    <p:extLst>
+      <p:ext uri="{BB962C8B-B14F-4D97-AF65-F5344CB8AC3E}">
+        <p14:creationId xmlns:p14="http://schemas.microsoft.com/office/powerpoint/2010/main" val="551879483"/>
+      </p:ext>
+    </p:extLst>
+  </p:cSld>
+  <p:clrMapOvr>
+    <a:masterClrMapping/>
+  </p:clrMapOvr>
+</p:sld>
+</file>
+
+<file path=ppt/slides/slide14.xml><?xml version="1.0" encoding="utf-8"?>
 <p:sld xmlns:a="http://schemas.openxmlformats.org/drawingml/2006/main" xmlns:r="http://schemas.openxmlformats.org/officeDocument/2006/relationships" xmlns:p="http://schemas.openxmlformats.org/presentationml/2006/main">
   <p:cSld>
     <p:spTree>
@@ -7149,7 +7719,7 @@
           <a:p>
             <a:fld id="{B2DC25EE-239B-4C5F-AAD1-255A7D5F1EE2}" type="slidenum">
               <a:rPr lang="en-US" smtClean="0"/>
-              <a:t>11</a:t>
+              <a:t>14</a:t>
             </a:fld>
             <a:endParaRPr lang="en-US" dirty="0"/>
           </a:p>
@@ -7191,10 +7761,103 @@
           </a:prstGeom>
         </p:spPr>
       </p:pic>
+      <p:sp>
+        <p:nvSpPr>
+          <p:cNvPr id="4" name="ZoneTexte 3">
+            <a:extLst>
+              <a:ext uri="{FF2B5EF4-FFF2-40B4-BE49-F238E27FC236}">
+                <a16:creationId xmlns:a16="http://schemas.microsoft.com/office/drawing/2014/main" id="{AF45EE03-F014-4220-B7D0-19241CBE6D1B}"/>
+              </a:ext>
+            </a:extLst>
+          </p:cNvPr>
+          <p:cNvSpPr txBox="1"/>
+          <p:nvPr/>
+        </p:nvSpPr>
+        <p:spPr>
+          <a:xfrm>
+            <a:off x="1661020" y="872455"/>
+            <a:ext cx="4408579" cy="2031325"/>
+          </a:xfrm>
+          <a:prstGeom prst="rect">
+            <a:avLst/>
+          </a:prstGeom>
+          <a:noFill/>
+        </p:spPr>
+        <p:txBody>
+          <a:bodyPr wrap="none" rtlCol="0">
+            <a:spAutoFit/>
+          </a:bodyPr>
+          <a:lstStyle/>
+          <a:p>
+            <a:r>
+              <a:rPr lang="fr-FR" dirty="0"/>
+              <a:t>Parler de la conception d’une image:</a:t>
+            </a:r>
+            <a:br>
+              <a:rPr lang="fr-FR" dirty="0"/>
+            </a:br>
+            <a:r>
+              <a:rPr lang="fr-FR" dirty="0"/>
+              <a:t>Du pixel art jusqu’à la mémoire:</a:t>
+            </a:r>
+          </a:p>
+          <a:p>
+            <a:pPr marL="285750" indent="-285750">
+              <a:buFontTx/>
+              <a:buChar char="-"/>
+            </a:pPr>
+            <a:r>
+              <a:rPr lang="fr-FR" dirty="0"/>
+              <a:t>Pixel art sur </a:t>
+            </a:r>
+            <a:r>
+              <a:rPr lang="fr-FR" dirty="0" err="1"/>
+              <a:t>excel</a:t>
+            </a:r>
+            <a:endParaRPr lang="fr-FR" dirty="0"/>
+          </a:p>
+          <a:p>
+            <a:pPr marL="285750" indent="-285750">
+              <a:buFontTx/>
+              <a:buChar char="-"/>
+            </a:pPr>
+            <a:r>
+              <a:rPr lang="fr-FR" dirty="0"/>
+              <a:t>Récupération du code binaire</a:t>
+            </a:r>
+          </a:p>
+          <a:p>
+            <a:pPr marL="285750" indent="-285750">
+              <a:buFontTx/>
+              <a:buChar char="-"/>
+            </a:pPr>
+            <a:r>
+              <a:rPr lang="fr-FR" dirty="0"/>
+              <a:t>Transformation en hexadécimal </a:t>
+            </a:r>
+          </a:p>
+          <a:p>
+            <a:r>
+              <a:rPr lang="fr-FR" dirty="0"/>
+              <a:t>(algorithme spécial car écran coupé en deux)</a:t>
+            </a:r>
+          </a:p>
+          <a:p>
+            <a:pPr marL="285750" indent="-285750">
+              <a:buFontTx/>
+              <a:buChar char="-"/>
+            </a:pPr>
+            <a:r>
+              <a:rPr lang="fr-FR" dirty="0"/>
+              <a:t>Stockage sur la mémoire</a:t>
+            </a:r>
+          </a:p>
+        </p:txBody>
+      </p:sp>
     </p:spTree>
     <p:extLst>
       <p:ext uri="{BB962C8B-B14F-4D97-AF65-F5344CB8AC3E}">
-        <p14:creationId xmlns:p14="http://schemas.microsoft.com/office/powerpoint/2010/main" val="551879483"/>
+        <p14:creationId xmlns:p14="http://schemas.microsoft.com/office/powerpoint/2010/main" val="1387899118"/>
       </p:ext>
     </p:extLst>
   </p:cSld>
@@ -7204,7 +7867,7 @@
 </p:sld>
 </file>
 
-<file path=ppt/slides/slide12.xml><?xml version="1.0" encoding="utf-8"?>
+<file path=ppt/slides/slide15.xml><?xml version="1.0" encoding="utf-8"?>
 <p:sld xmlns:a="http://schemas.openxmlformats.org/drawingml/2006/main" xmlns:r="http://schemas.openxmlformats.org/officeDocument/2006/relationships" xmlns:p="http://schemas.openxmlformats.org/presentationml/2006/main">
   <p:cSld>
     <p:spTree>
@@ -7295,7 +7958,7 @@
           <a:p>
             <a:fld id="{B2DC25EE-239B-4C5F-AAD1-255A7D5F1EE2}" type="slidenum">
               <a:rPr lang="en-US" smtClean="0"/>
-              <a:t>12</a:t>
+              <a:t>15</a:t>
             </a:fld>
             <a:endParaRPr lang="en-US" dirty="0"/>
           </a:p>
@@ -8743,7 +9406,7 @@
         <p:spPr>
           <a:xfrm>
             <a:off x="3523376" y="796954"/>
-            <a:ext cx="6149130" cy="3416320"/>
+            <a:ext cx="6149130" cy="646331"/>
           </a:xfrm>
           <a:prstGeom prst="rect">
             <a:avLst/>
@@ -8758,67 +9421,15 @@
           <a:p>
             <a:r>
               <a:rPr lang="fr-FR" dirty="0"/>
-              <a:t>Plan mémoire :</a:t>
-            </a:r>
-          </a:p>
-          <a:p>
-            <a:endParaRPr lang="fr-FR" dirty="0"/>
-          </a:p>
-          <a:p>
+              <a:t>Présentation du jeu: </a:t>
+            </a:r>
+            <a:r>
+              <a:rPr lang="fr-FR" dirty="0" err="1"/>
+              <a:t>fps</a:t>
+            </a:r>
             <a:r>
               <a:rPr lang="fr-FR" dirty="0"/>
-              <a:t>-&gt; Atmega 16a</a:t>
-            </a:r>
-          </a:p>
-          <a:p>
-            <a:r>
-              <a:rPr lang="fr-FR" dirty="0"/>
-              <a:t>0x0000 – 0x005F réservé</a:t>
-            </a:r>
-          </a:p>
-          <a:p>
-            <a:r>
-              <a:rPr lang="fr-FR" dirty="0"/>
-              <a:t>0x0060 – 0x045F [SRAM] variables programme + tables</a:t>
-            </a:r>
-          </a:p>
-          <a:p>
-            <a:r>
-              <a:rPr lang="fr-FR" dirty="0"/>
-              <a:t>0x0460 – 0x4460 [flash] mémoire programme</a:t>
-            </a:r>
-          </a:p>
-          <a:p>
-            <a:r>
-              <a:rPr lang="fr-FR" dirty="0"/>
-              <a:t>0x000-0x200 [EEPROM] stockage du son du jeu et des menus</a:t>
-            </a:r>
-          </a:p>
-          <a:p>
-            <a:endParaRPr lang="fr-FR" dirty="0"/>
-          </a:p>
-          <a:p>
-            <a:r>
-              <a:rPr lang="fr-FR" dirty="0"/>
-              <a:t>-&gt; Mémoire en SPI</a:t>
-            </a:r>
-          </a:p>
-          <a:p>
-            <a:r>
-              <a:rPr lang="fr-FR" dirty="0"/>
-              <a:t>0x0400 – 0x47FF image du jeu</a:t>
-            </a:r>
-          </a:p>
-          <a:p>
-            <a:r>
-              <a:rPr lang="fr-FR" dirty="0"/>
-              <a:t>0x4800 – 0x4DAF données du jeu</a:t>
-            </a:r>
-          </a:p>
-          <a:p>
-            <a:r>
-              <a:rPr lang="fr-FR" dirty="0"/>
-              <a:t>0x6800 – 0x7FFF image des menus de la console</a:t>
+              <a:t>, deux modes de jeu (un en réseau et un solo)</a:t>
             </a:r>
           </a:p>
         </p:txBody>

--- a/Projet électif.pptx
+++ b/Projet électif.pptx
@@ -5,10 +5,10 @@
     <p:sldMasterId id="2147483732" r:id="rId1"/>
   </p:sldMasterIdLst>
   <p:notesMasterIdLst>
-    <p:notesMasterId r:id="rId17"/>
+    <p:notesMasterId r:id="rId16"/>
   </p:notesMasterIdLst>
   <p:handoutMasterIdLst>
-    <p:handoutMasterId r:id="rId18"/>
+    <p:handoutMasterId r:id="rId17"/>
   </p:handoutMasterIdLst>
   <p:sldIdLst>
     <p:sldId id="256" r:id="rId2"/>
@@ -16,16 +16,15 @@
     <p:sldId id="263" r:id="rId4"/>
     <p:sldId id="257" r:id="rId5"/>
     <p:sldId id="258" r:id="rId6"/>
-    <p:sldId id="264" r:id="rId7"/>
-    <p:sldId id="259" r:id="rId8"/>
-    <p:sldId id="265" r:id="rId9"/>
-    <p:sldId id="260" r:id="rId10"/>
-    <p:sldId id="270" r:id="rId11"/>
-    <p:sldId id="269" r:id="rId12"/>
-    <p:sldId id="261" r:id="rId13"/>
-    <p:sldId id="266" r:id="rId14"/>
-    <p:sldId id="268" r:id="rId15"/>
-    <p:sldId id="267" r:id="rId16"/>
+    <p:sldId id="265" r:id="rId7"/>
+    <p:sldId id="260" r:id="rId8"/>
+    <p:sldId id="270" r:id="rId9"/>
+    <p:sldId id="269" r:id="rId10"/>
+    <p:sldId id="261" r:id="rId11"/>
+    <p:sldId id="266" r:id="rId12"/>
+    <p:sldId id="268" r:id="rId13"/>
+    <p:sldId id="259" r:id="rId14"/>
+    <p:sldId id="267" r:id="rId15"/>
   </p:sldIdLst>
   <p:sldSz cx="12192000" cy="6858000"/>
   <p:notesSz cx="6858000" cy="9144000"/>
@@ -130,6 +129,70 @@
     </p:ext>
   </p:extLst>
 </p:presentation>
+</file>
+
+<file path=ppt/commentAuthors.xml><?xml version="1.0" encoding="utf-8"?>
+<p:cmAuthorLst xmlns:a="http://schemas.openxmlformats.org/drawingml/2006/main" xmlns:r="http://schemas.openxmlformats.org/officeDocument/2006/relationships" xmlns:p="http://schemas.openxmlformats.org/presentationml/2006/main">
+  <p:cmAuthor id="1" name="jean soudier" initials="js" lastIdx="3" clrIdx="0">
+    <p:extLst>
+      <p:ext uri="{19B8F6BF-5375-455C-9EA6-DF929625EA0E}">
+        <p15:presenceInfo xmlns:p15="http://schemas.microsoft.com/office/powerpoint/2012/main" userId="a5105a8652f9422b" providerId="Windows Live"/>
+      </p:ext>
+    </p:extLst>
+  </p:cmAuthor>
+</p:cmAuthorLst>
+</file>
+
+<file path=ppt/comments/comment1.xml><?xml version="1.0" encoding="utf-8"?>
+<p:cmLst xmlns:a="http://schemas.openxmlformats.org/drawingml/2006/main" xmlns:r="http://schemas.openxmlformats.org/officeDocument/2006/relationships" xmlns:p="http://schemas.openxmlformats.org/presentationml/2006/main">
+  <p:cm authorId="1" dt="2020-01-17T11:49:05.055" idx="1">
+    <p:pos x="4525" y="311"/>
+    <p:text>Présentation du jeu: fps, deux modes de jeu (un en réseau et un solo)</p:text>
+    <p:extLst>
+      <p:ext uri="{C676402C-5697-4E1C-873F-D02D1690AC5C}">
+        <p15:threadingInfo xmlns:p15="http://schemas.microsoft.com/office/powerpoint/2012/main" timeZoneBias="-60"/>
+      </p:ext>
+    </p:extLst>
+  </p:cm>
+</p:cmLst>
+</file>
+
+<file path=ppt/comments/comment2.xml><?xml version="1.0" encoding="utf-8"?>
+<p:cmLst xmlns:a="http://schemas.openxmlformats.org/drawingml/2006/main" xmlns:r="http://schemas.openxmlformats.org/officeDocument/2006/relationships" xmlns:p="http://schemas.openxmlformats.org/presentationml/2006/main">
+  <p:cm authorId="1" dt="2020-01-17T12:05:59.829" idx="2">
+    <p:pos x="6948" y="176"/>
+    <p:text>Parler de la stratégie d’affichage sur l’écran:
+Map: labyrinthe composé de cases
+Il y a en tout 17 images en fonction de la vue (avec ou sans adversaire, avec un mur ou non, etc)
+Pour chaque case, un code décrit son environnement (numéro des cases voisines et autre)
+Le code de la map décrit quelle image afficher en fonction de l’orientation du personnage</p:text>
+    <p:extLst>
+      <p:ext uri="{C676402C-5697-4E1C-873F-D02D1690AC5C}">
+        <p15:threadingInfo xmlns:p15="http://schemas.microsoft.com/office/powerpoint/2012/main" timeZoneBias="-60"/>
+      </p:ext>
+    </p:extLst>
+  </p:cm>
+</p:cmLst>
+</file>
+
+<file path=ppt/comments/comment3.xml><?xml version="1.0" encoding="utf-8"?>
+<p:cmLst xmlns:a="http://schemas.openxmlformats.org/drawingml/2006/main" xmlns:r="http://schemas.openxmlformats.org/officeDocument/2006/relationships" xmlns:p="http://schemas.openxmlformats.org/presentationml/2006/main">
+  <p:cm authorId="1" dt="2020-01-17T12:06:26.674" idx="3">
+    <p:pos x="3767" y="576"/>
+    <p:text>Parler de la conception d’une image:
+Du pixel art jusqu’à la mémoire:
+Pixel art sur excel
+Récupération du code binaire
+Transformation en hexadécimal 
+(algorithme spécial car écran coupé en deux)
+Stockage sur la mémoire</p:text>
+    <p:extLst>
+      <p:ext uri="{C676402C-5697-4E1C-873F-D02D1690AC5C}">
+        <p15:threadingInfo xmlns:p15="http://schemas.microsoft.com/office/powerpoint/2012/main" timeZoneBias="-60"/>
+      </p:ext>
+    </p:extLst>
+  </p:cm>
+</p:cmLst>
 </file>
 
 <file path=ppt/handoutMasters/handoutMaster1.xml><?xml version="1.0" encoding="utf-8"?>
@@ -6898,7 +6961,7 @@
           <p:cNvPr id="2" name="ZoneTexte 1">
             <a:extLst>
               <a:ext uri="{FF2B5EF4-FFF2-40B4-BE49-F238E27FC236}">
-                <a16:creationId xmlns:a16="http://schemas.microsoft.com/office/drawing/2014/main" id="{C579E51F-ED8D-40F8-80A6-0ECFD9F42C70}"/>
+                <a16:creationId xmlns:a16="http://schemas.microsoft.com/office/drawing/2014/main" id="{4FF84989-4CC7-4CE5-BF1A-224B6EC86150}"/>
               </a:ext>
             </a:extLst>
           </p:cNvPr>
@@ -6907,8 +6970,8 @@
         </p:nvSpPr>
         <p:spPr>
           <a:xfrm>
-            <a:off x="3523376" y="796954"/>
-            <a:ext cx="6149130" cy="1477328"/>
+            <a:off x="3751277" y="2214213"/>
+            <a:ext cx="4689446" cy="1754326"/>
           </a:xfrm>
           <a:prstGeom prst="rect">
             <a:avLst/>
@@ -6922,20 +6985,74 @@
           <a:lstStyle/>
           <a:p>
             <a:r>
+              <a:rPr lang="fr-FR" u="sng" dirty="0" err="1"/>
+              <a:t>Fonctionnalitées</a:t>
+            </a:r>
+            <a:r>
+              <a:rPr lang="fr-FR" u="sng" dirty="0"/>
+              <a:t> utilisées :</a:t>
+            </a:r>
+          </a:p>
+          <a:p>
+            <a:pPr marL="285750" indent="-285750">
+              <a:buFontTx/>
+              <a:buChar char="-"/>
+            </a:pPr>
+            <a:r>
               <a:rPr lang="fr-FR" dirty="0"/>
-              <a:t>Répartition du travail pour la programmation:</a:t>
-            </a:r>
-          </a:p>
-          <a:p>
+              <a:t>I/O (boutons et écran)</a:t>
+            </a:r>
+          </a:p>
+          <a:p>
+            <a:pPr marL="285750" indent="-285750">
+              <a:buFontTx/>
+              <a:buChar char="-"/>
+            </a:pPr>
+            <a:r>
+              <a:rPr lang="fr-FR" dirty="0" err="1"/>
+              <a:t>Timer</a:t>
+            </a:r>
             <a:r>
               <a:rPr lang="fr-FR" dirty="0"/>
-              <a:t>Jean: programmation de toutes les fonctions de base (UART, SPI, Ecran, Boutons, Buzzer), préparation des menus</a:t>
-            </a:r>
-          </a:p>
-          <a:p>
+              <a:t> (son et le jeu)</a:t>
+            </a:r>
+          </a:p>
+          <a:p>
+            <a:pPr marL="285750" indent="-285750">
+              <a:buFontTx/>
+              <a:buChar char="-"/>
+            </a:pPr>
             <a:r>
               <a:rPr lang="fr-FR" dirty="0"/>
-              <a:t>Alexandre: programmation du jeu: préparation des images, du code mémoire, programmation des modes de jeu</a:t>
+              <a:t>UART (module </a:t>
+            </a:r>
+            <a:r>
+              <a:rPr lang="fr-FR" dirty="0" err="1"/>
+              <a:t>bluetooth</a:t>
+            </a:r>
+            <a:r>
+              <a:rPr lang="fr-FR" dirty="0"/>
+              <a:t>)</a:t>
+            </a:r>
+          </a:p>
+          <a:p>
+            <a:pPr marL="285750" indent="-285750">
+              <a:buFontTx/>
+              <a:buChar char="-"/>
+            </a:pPr>
+            <a:r>
+              <a:rPr lang="fr-FR" dirty="0"/>
+              <a:t>SPI (mémoire EEPROM externe)</a:t>
+            </a:r>
+          </a:p>
+          <a:p>
+            <a:pPr marL="285750" indent="-285750">
+              <a:buFontTx/>
+              <a:buChar char="-"/>
+            </a:pPr>
+            <a:r>
+              <a:rPr lang="fr-FR" dirty="0"/>
+              <a:t>ADC (volume)</a:t>
             </a:r>
           </a:p>
         </p:txBody>
@@ -6945,7 +7062,7 @@
           <p:cNvPr id="5" name="Espace réservé du numéro de diapositive 5">
             <a:extLst>
               <a:ext uri="{FF2B5EF4-FFF2-40B4-BE49-F238E27FC236}">
-                <a16:creationId xmlns:a16="http://schemas.microsoft.com/office/drawing/2014/main" id="{80F87924-2C03-469C-8788-12ECB7408734}"/>
+                <a16:creationId xmlns:a16="http://schemas.microsoft.com/office/drawing/2014/main" id="{637B6228-C027-4C21-B69F-48097CA33E12}"/>
               </a:ext>
             </a:extLst>
           </p:cNvPr>
@@ -6979,7 +7096,7 @@
           <p:cNvPr id="6" name="Image 5">
             <a:extLst>
               <a:ext uri="{FF2B5EF4-FFF2-40B4-BE49-F238E27FC236}">
-                <a16:creationId xmlns:a16="http://schemas.microsoft.com/office/drawing/2014/main" id="{547E47D8-E20F-4FE6-B5D4-9A130965B3BB}"/>
+                <a16:creationId xmlns:a16="http://schemas.microsoft.com/office/drawing/2014/main" id="{D6F33EAC-5AB6-4335-B7CC-65A92443C5E3}"/>
               </a:ext>
             </a:extLst>
           </p:cNvPr>
@@ -7013,7 +7130,7 @@
     </p:spTree>
     <p:extLst>
       <p:ext uri="{BB962C8B-B14F-4D97-AF65-F5344CB8AC3E}">
-        <p14:creationId xmlns:p14="http://schemas.microsoft.com/office/powerpoint/2010/main" val="1929410272"/>
+        <p14:creationId xmlns:p14="http://schemas.microsoft.com/office/powerpoint/2010/main" val="2784759129"/>
       </p:ext>
     </p:extLst>
   </p:cSld>
@@ -7042,402 +7159,6 @@
       </p:grpSpPr>
       <p:sp>
         <p:nvSpPr>
-          <p:cNvPr id="2" name="ZoneTexte 1">
-            <a:extLst>
-              <a:ext uri="{FF2B5EF4-FFF2-40B4-BE49-F238E27FC236}">
-                <a16:creationId xmlns:a16="http://schemas.microsoft.com/office/drawing/2014/main" id="{C579E51F-ED8D-40F8-80A6-0ECFD9F42C70}"/>
-              </a:ext>
-            </a:extLst>
-          </p:cNvPr>
-          <p:cNvSpPr txBox="1"/>
-          <p:nvPr/>
-        </p:nvSpPr>
-        <p:spPr>
-          <a:xfrm>
-            <a:off x="3523376" y="796954"/>
-            <a:ext cx="6149130" cy="3416320"/>
-          </a:xfrm>
-          <a:prstGeom prst="rect">
-            <a:avLst/>
-          </a:prstGeom>
-          <a:noFill/>
-        </p:spPr>
-        <p:txBody>
-          <a:bodyPr wrap="square" rtlCol="0">
-            <a:spAutoFit/>
-          </a:bodyPr>
-          <a:lstStyle/>
-          <a:p>
-            <a:r>
-              <a:rPr lang="fr-FR" dirty="0"/>
-              <a:t>Plan mémoire :</a:t>
-            </a:r>
-          </a:p>
-          <a:p>
-            <a:endParaRPr lang="fr-FR" dirty="0"/>
-          </a:p>
-          <a:p>
-            <a:r>
-              <a:rPr lang="fr-FR" dirty="0"/>
-              <a:t>-&gt; Atmega 16a</a:t>
-            </a:r>
-          </a:p>
-          <a:p>
-            <a:r>
-              <a:rPr lang="fr-FR" dirty="0"/>
-              <a:t>0x0000 – 0x005F réservé</a:t>
-            </a:r>
-          </a:p>
-          <a:p>
-            <a:r>
-              <a:rPr lang="fr-FR" dirty="0"/>
-              <a:t>0x0060 – 0x045F [SRAM] variables programme + tables</a:t>
-            </a:r>
-          </a:p>
-          <a:p>
-            <a:r>
-              <a:rPr lang="fr-FR" dirty="0"/>
-              <a:t>0x0460 – 0x4460 [flash] mémoire programme</a:t>
-            </a:r>
-          </a:p>
-          <a:p>
-            <a:r>
-              <a:rPr lang="fr-FR" dirty="0"/>
-              <a:t>0x000-0x200 [EEPROM] stockage du son du jeu et des menus</a:t>
-            </a:r>
-          </a:p>
-          <a:p>
-            <a:endParaRPr lang="fr-FR" dirty="0"/>
-          </a:p>
-          <a:p>
-            <a:r>
-              <a:rPr lang="fr-FR" dirty="0"/>
-              <a:t>-&gt; Mémoire en SPI</a:t>
-            </a:r>
-          </a:p>
-          <a:p>
-            <a:r>
-              <a:rPr lang="fr-FR" dirty="0"/>
-              <a:t>0x0400 – 0x47FF images du jeu</a:t>
-            </a:r>
-          </a:p>
-          <a:p>
-            <a:r>
-              <a:rPr lang="fr-FR" dirty="0"/>
-              <a:t>0x4800 – 0x4DAF données du jeu</a:t>
-            </a:r>
-          </a:p>
-          <a:p>
-            <a:r>
-              <a:rPr lang="fr-FR" dirty="0"/>
-              <a:t>0x6800 – 0x7FFF images des menus de la console</a:t>
-            </a:r>
-          </a:p>
-        </p:txBody>
-      </p:sp>
-      <p:sp>
-        <p:nvSpPr>
-          <p:cNvPr id="5" name="Espace réservé du numéro de diapositive 5">
-            <a:extLst>
-              <a:ext uri="{FF2B5EF4-FFF2-40B4-BE49-F238E27FC236}">
-                <a16:creationId xmlns:a16="http://schemas.microsoft.com/office/drawing/2014/main" id="{80F87924-2C03-469C-8788-12ECB7408734}"/>
-              </a:ext>
-            </a:extLst>
-          </p:cNvPr>
-          <p:cNvSpPr>
-            <a:spLocks noGrp="1"/>
-          </p:cNvSpPr>
-          <p:nvPr>
-            <p:ph type="sldNum" sz="quarter" idx="12"/>
-          </p:nvPr>
-        </p:nvSpPr>
-        <p:spPr>
-          <a:xfrm>
-            <a:off x="10951855" y="321374"/>
-            <a:ext cx="551167" cy="365125"/>
-          </a:xfrm>
-        </p:spPr>
-        <p:txBody>
-          <a:bodyPr/>
-          <a:lstStyle/>
-          <a:p>
-            <a:fld id="{B2DC25EE-239B-4C5F-AAD1-255A7D5F1EE2}" type="slidenum">
-              <a:rPr lang="en-US" smtClean="0"/>
-              <a:t>11</a:t>
-            </a:fld>
-            <a:endParaRPr lang="en-US" dirty="0"/>
-          </a:p>
-        </p:txBody>
-      </p:sp>
-      <p:pic>
-        <p:nvPicPr>
-          <p:cNvPr id="6" name="Image 5">
-            <a:extLst>
-              <a:ext uri="{FF2B5EF4-FFF2-40B4-BE49-F238E27FC236}">
-                <a16:creationId xmlns:a16="http://schemas.microsoft.com/office/drawing/2014/main" id="{547E47D8-E20F-4FE6-B5D4-9A130965B3BB}"/>
-              </a:ext>
-            </a:extLst>
-          </p:cNvPr>
-          <p:cNvPicPr>
-            <a:picLocks noChangeAspect="1"/>
-          </p:cNvPicPr>
-          <p:nvPr/>
-        </p:nvPicPr>
-        <p:blipFill>
-          <a:blip r:embed="rId2">
-            <a:extLst>
-              <a:ext uri="{28A0092B-C50C-407E-A947-70E740481C1C}">
-                <a14:useLocalDpi xmlns:a14="http://schemas.microsoft.com/office/drawing/2010/main" val="0"/>
-              </a:ext>
-            </a:extLst>
-          </a:blip>
-          <a:stretch>
-            <a:fillRect/>
-          </a:stretch>
-        </p:blipFill>
-        <p:spPr>
-          <a:xfrm>
-            <a:off x="0" y="6271120"/>
-            <a:ext cx="1600974" cy="586880"/>
-          </a:xfrm>
-          <a:prstGeom prst="rect">
-            <a:avLst/>
-          </a:prstGeom>
-        </p:spPr>
-      </p:pic>
-    </p:spTree>
-    <p:extLst>
-      <p:ext uri="{BB962C8B-B14F-4D97-AF65-F5344CB8AC3E}">
-        <p14:creationId xmlns:p14="http://schemas.microsoft.com/office/powerpoint/2010/main" val="3368041899"/>
-      </p:ext>
-    </p:extLst>
-  </p:cSld>
-  <p:clrMapOvr>
-    <a:masterClrMapping/>
-  </p:clrMapOvr>
-</p:sld>
-</file>
-
-<file path=ppt/slides/slide12.xml><?xml version="1.0" encoding="utf-8"?>
-<p:sld xmlns:a="http://schemas.openxmlformats.org/drawingml/2006/main" xmlns:r="http://schemas.openxmlformats.org/officeDocument/2006/relationships" xmlns:p="http://schemas.openxmlformats.org/presentationml/2006/main">
-  <p:cSld>
-    <p:spTree>
-      <p:nvGrpSpPr>
-        <p:cNvPr id="1" name=""/>
-        <p:cNvGrpSpPr/>
-        <p:nvPr/>
-      </p:nvGrpSpPr>
-      <p:grpSpPr>
-        <a:xfrm>
-          <a:off x="0" y="0"/>
-          <a:ext cx="0" cy="0"/>
-          <a:chOff x="0" y="0"/>
-          <a:chExt cx="0" cy="0"/>
-        </a:xfrm>
-      </p:grpSpPr>
-      <p:sp>
-        <p:nvSpPr>
-          <p:cNvPr id="2" name="ZoneTexte 1">
-            <a:extLst>
-              <a:ext uri="{FF2B5EF4-FFF2-40B4-BE49-F238E27FC236}">
-                <a16:creationId xmlns:a16="http://schemas.microsoft.com/office/drawing/2014/main" id="{4FF84989-4CC7-4CE5-BF1A-224B6EC86150}"/>
-              </a:ext>
-            </a:extLst>
-          </p:cNvPr>
-          <p:cNvSpPr txBox="1"/>
-          <p:nvPr/>
-        </p:nvSpPr>
-        <p:spPr>
-          <a:xfrm>
-            <a:off x="3691156" y="2551837"/>
-            <a:ext cx="4689446" cy="1754326"/>
-          </a:xfrm>
-          <a:prstGeom prst="rect">
-            <a:avLst/>
-          </a:prstGeom>
-          <a:noFill/>
-        </p:spPr>
-        <p:txBody>
-          <a:bodyPr wrap="square" rtlCol="0">
-            <a:spAutoFit/>
-          </a:bodyPr>
-          <a:lstStyle/>
-          <a:p>
-            <a:r>
-              <a:rPr lang="fr-FR" dirty="0" err="1"/>
-              <a:t>Fonctionnalitées</a:t>
-            </a:r>
-            <a:r>
-              <a:rPr lang="fr-FR" dirty="0"/>
-              <a:t> utilisées :</a:t>
-            </a:r>
-          </a:p>
-          <a:p>
-            <a:pPr marL="285750" indent="-285750">
-              <a:buFontTx/>
-              <a:buChar char="-"/>
-            </a:pPr>
-            <a:r>
-              <a:rPr lang="fr-FR" dirty="0"/>
-              <a:t>I/O (boutons et écran)</a:t>
-            </a:r>
-          </a:p>
-          <a:p>
-            <a:pPr marL="285750" indent="-285750">
-              <a:buFontTx/>
-              <a:buChar char="-"/>
-            </a:pPr>
-            <a:r>
-              <a:rPr lang="fr-FR" dirty="0" err="1"/>
-              <a:t>Timer</a:t>
-            </a:r>
-            <a:r>
-              <a:rPr lang="fr-FR" dirty="0"/>
-              <a:t> (son et le jeu)</a:t>
-            </a:r>
-          </a:p>
-          <a:p>
-            <a:pPr marL="285750" indent="-285750">
-              <a:buFontTx/>
-              <a:buChar char="-"/>
-            </a:pPr>
-            <a:r>
-              <a:rPr lang="fr-FR" dirty="0"/>
-              <a:t>UART (module </a:t>
-            </a:r>
-            <a:r>
-              <a:rPr lang="fr-FR" dirty="0" err="1"/>
-              <a:t>bluetooth</a:t>
-            </a:r>
-            <a:r>
-              <a:rPr lang="fr-FR" dirty="0"/>
-              <a:t>)</a:t>
-            </a:r>
-          </a:p>
-          <a:p>
-            <a:pPr marL="285750" indent="-285750">
-              <a:buFontTx/>
-              <a:buChar char="-"/>
-            </a:pPr>
-            <a:r>
-              <a:rPr lang="fr-FR" dirty="0"/>
-              <a:t>SPI (mémoire EEPROM externe)</a:t>
-            </a:r>
-          </a:p>
-          <a:p>
-            <a:pPr marL="285750" indent="-285750">
-              <a:buFontTx/>
-              <a:buChar char="-"/>
-            </a:pPr>
-            <a:r>
-              <a:rPr lang="fr-FR" dirty="0"/>
-              <a:t>ADC (volume)</a:t>
-            </a:r>
-          </a:p>
-        </p:txBody>
-      </p:sp>
-      <p:sp>
-        <p:nvSpPr>
-          <p:cNvPr id="5" name="Espace réservé du numéro de diapositive 5">
-            <a:extLst>
-              <a:ext uri="{FF2B5EF4-FFF2-40B4-BE49-F238E27FC236}">
-                <a16:creationId xmlns:a16="http://schemas.microsoft.com/office/drawing/2014/main" id="{637B6228-C027-4C21-B69F-48097CA33E12}"/>
-              </a:ext>
-            </a:extLst>
-          </p:cNvPr>
-          <p:cNvSpPr>
-            <a:spLocks noGrp="1"/>
-          </p:cNvSpPr>
-          <p:nvPr>
-            <p:ph type="sldNum" sz="quarter" idx="12"/>
-          </p:nvPr>
-        </p:nvSpPr>
-        <p:spPr>
-          <a:xfrm>
-            <a:off x="10951855" y="321374"/>
-            <a:ext cx="551167" cy="365125"/>
-          </a:xfrm>
-        </p:spPr>
-        <p:txBody>
-          <a:bodyPr/>
-          <a:lstStyle/>
-          <a:p>
-            <a:fld id="{B2DC25EE-239B-4C5F-AAD1-255A7D5F1EE2}" type="slidenum">
-              <a:rPr lang="en-US" smtClean="0"/>
-              <a:t>12</a:t>
-            </a:fld>
-            <a:endParaRPr lang="en-US" dirty="0"/>
-          </a:p>
-        </p:txBody>
-      </p:sp>
-      <p:pic>
-        <p:nvPicPr>
-          <p:cNvPr id="6" name="Image 5">
-            <a:extLst>
-              <a:ext uri="{FF2B5EF4-FFF2-40B4-BE49-F238E27FC236}">
-                <a16:creationId xmlns:a16="http://schemas.microsoft.com/office/drawing/2014/main" id="{D6F33EAC-5AB6-4335-B7CC-65A92443C5E3}"/>
-              </a:ext>
-            </a:extLst>
-          </p:cNvPr>
-          <p:cNvPicPr>
-            <a:picLocks noChangeAspect="1"/>
-          </p:cNvPicPr>
-          <p:nvPr/>
-        </p:nvPicPr>
-        <p:blipFill>
-          <a:blip r:embed="rId2">
-            <a:extLst>
-              <a:ext uri="{28A0092B-C50C-407E-A947-70E740481C1C}">
-                <a14:useLocalDpi xmlns:a14="http://schemas.microsoft.com/office/drawing/2010/main" val="0"/>
-              </a:ext>
-            </a:extLst>
-          </a:blip>
-          <a:stretch>
-            <a:fillRect/>
-          </a:stretch>
-        </p:blipFill>
-        <p:spPr>
-          <a:xfrm>
-            <a:off x="0" y="6271120"/>
-            <a:ext cx="1600974" cy="586880"/>
-          </a:xfrm>
-          <a:prstGeom prst="rect">
-            <a:avLst/>
-          </a:prstGeom>
-        </p:spPr>
-      </p:pic>
-    </p:spTree>
-    <p:extLst>
-      <p:ext uri="{BB962C8B-B14F-4D97-AF65-F5344CB8AC3E}">
-        <p14:creationId xmlns:p14="http://schemas.microsoft.com/office/powerpoint/2010/main" val="2784759129"/>
-      </p:ext>
-    </p:extLst>
-  </p:cSld>
-  <p:clrMapOvr>
-    <a:masterClrMapping/>
-  </p:clrMapOvr>
-</p:sld>
-</file>
-
-<file path=ppt/slides/slide13.xml><?xml version="1.0" encoding="utf-8"?>
-<p:sld xmlns:a="http://schemas.openxmlformats.org/drawingml/2006/main" xmlns:r="http://schemas.openxmlformats.org/officeDocument/2006/relationships" xmlns:p="http://schemas.openxmlformats.org/presentationml/2006/main">
-  <p:cSld>
-    <p:spTree>
-      <p:nvGrpSpPr>
-        <p:cNvPr id="1" name=""/>
-        <p:cNvGrpSpPr/>
-        <p:nvPr/>
-      </p:nvGrpSpPr>
-      <p:grpSpPr>
-        <a:xfrm>
-          <a:off x="0" y="0"/>
-          <a:ext cx="0" cy="0"/>
-          <a:chOff x="0" y="0"/>
-          <a:chExt cx="0" cy="0"/>
-        </a:xfrm>
-      </p:grpSpPr>
-      <p:sp>
-        <p:nvSpPr>
           <p:cNvPr id="6" name="Espace réservé du numéro de diapositive 5">
             <a:extLst>
               <a:ext uri="{FF2B5EF4-FFF2-40B4-BE49-F238E27FC236}">
@@ -7464,7 +7185,7 @@
           <a:p>
             <a:fld id="{B2DC25EE-239B-4C5F-AAD1-255A7D5F1EE2}" type="slidenum">
               <a:rPr lang="en-US" smtClean="0"/>
-              <a:t>13</a:t>
+              <a:t>11</a:t>
             </a:fld>
             <a:endParaRPr lang="en-US" dirty="0"/>
           </a:p>
@@ -7506,101 +7227,36 @@
           </a:prstGeom>
         </p:spPr>
       </p:pic>
-      <p:sp>
-        <p:nvSpPr>
-          <p:cNvPr id="5" name="ZoneTexte 4">
+      <p:pic>
+        <p:nvPicPr>
+          <p:cNvPr id="2" name="Image 1">
             <a:extLst>
               <a:ext uri="{FF2B5EF4-FFF2-40B4-BE49-F238E27FC236}">
-                <a16:creationId xmlns:a16="http://schemas.microsoft.com/office/drawing/2014/main" id="{B9FDF780-0A10-4F98-9BD6-DEE167D624C7}"/>
+                <a16:creationId xmlns:a16="http://schemas.microsoft.com/office/drawing/2014/main" id="{C13065A4-91E8-44CC-B573-BEFEA995C027}"/>
               </a:ext>
             </a:extLst>
           </p:cNvPr>
-          <p:cNvSpPr txBox="1"/>
+          <p:cNvPicPr>
+            <a:picLocks noChangeAspect="1"/>
+          </p:cNvPicPr>
           <p:nvPr/>
-        </p:nvSpPr>
-        <p:spPr>
-          <a:xfrm>
-            <a:off x="2038525" y="1149292"/>
-            <a:ext cx="9421490" cy="1477328"/>
+        </p:nvPicPr>
+        <p:blipFill>
+          <a:blip r:embed="rId3"/>
+          <a:stretch>
+            <a:fillRect/>
+          </a:stretch>
+        </p:blipFill>
+        <p:spPr>
+          <a:xfrm>
+            <a:off x="4077730" y="881449"/>
+            <a:ext cx="4858681" cy="4637015"/>
           </a:xfrm>
           <a:prstGeom prst="rect">
             <a:avLst/>
           </a:prstGeom>
-          <a:noFill/>
-        </p:spPr>
-        <p:txBody>
-          <a:bodyPr wrap="none" rtlCol="0">
-            <a:spAutoFit/>
-          </a:bodyPr>
-          <a:lstStyle/>
-          <a:p>
-            <a:r>
-              <a:rPr lang="fr-FR" dirty="0"/>
-              <a:t>Parler de la stratégie d’affichage sur l’écran:</a:t>
-            </a:r>
-          </a:p>
-          <a:p>
-            <a:pPr marL="285750" indent="-285750">
-              <a:buFontTx/>
-              <a:buChar char="-"/>
-            </a:pPr>
-            <a:r>
-              <a:rPr lang="fr-FR" dirty="0" err="1"/>
-              <a:t>Map</a:t>
-            </a:r>
-            <a:r>
-              <a:rPr lang="fr-FR" dirty="0"/>
-              <a:t>: labyrinthe composé de cases</a:t>
-            </a:r>
-          </a:p>
-          <a:p>
-            <a:pPr marL="285750" indent="-285750">
-              <a:buFontTx/>
-              <a:buChar char="-"/>
-            </a:pPr>
-            <a:r>
-              <a:rPr lang="fr-FR" dirty="0"/>
-              <a:t>Il y a en tout 17 images en fonction de la vue (avec ou sans adversaire, avec un mur ou non, </a:t>
-            </a:r>
-            <a:r>
-              <a:rPr lang="fr-FR" dirty="0" err="1"/>
-              <a:t>etc</a:t>
-            </a:r>
-            <a:r>
-              <a:rPr lang="fr-FR" dirty="0"/>
-              <a:t>)</a:t>
-            </a:r>
-          </a:p>
-          <a:p>
-            <a:pPr marL="285750" indent="-285750">
-              <a:buFontTx/>
-              <a:buChar char="-"/>
-            </a:pPr>
-            <a:r>
-              <a:rPr lang="fr-FR" dirty="0"/>
-              <a:t>Pour chaque case, un code décrit son environnement (numéro des cases voisines et autre)</a:t>
-            </a:r>
-          </a:p>
-          <a:p>
-            <a:pPr marL="285750" indent="-285750">
-              <a:buFontTx/>
-              <a:buChar char="-"/>
-            </a:pPr>
-            <a:r>
-              <a:rPr lang="fr-FR" dirty="0"/>
-              <a:t>Le code de la </a:t>
-            </a:r>
-            <a:r>
-              <a:rPr lang="fr-FR" dirty="0" err="1"/>
-              <a:t>map</a:t>
-            </a:r>
-            <a:r>
-              <a:rPr lang="fr-FR" dirty="0"/>
-              <a:t> décrit quelle image afficher en fonction de l’orientation du personnage</a:t>
-            </a:r>
-          </a:p>
-        </p:txBody>
-      </p:sp>
+        </p:spPr>
+      </p:pic>
     </p:spTree>
     <p:extLst>
       <p:ext uri="{BB962C8B-B14F-4D97-AF65-F5344CB8AC3E}">
@@ -7614,7 +7270,7 @@
 </p:sld>
 </file>
 
-<file path=ppt/slides/slide14.xml><?xml version="1.0" encoding="utf-8"?>
+<file path=ppt/slides/slide12.xml><?xml version="1.0" encoding="utf-8"?>
 <p:sld xmlns:a="http://schemas.openxmlformats.org/drawingml/2006/main" xmlns:r="http://schemas.openxmlformats.org/officeDocument/2006/relationships" xmlns:p="http://schemas.openxmlformats.org/presentationml/2006/main">
   <p:cSld>
     <p:spTree>
@@ -7719,7 +7375,7 @@
           <a:p>
             <a:fld id="{B2DC25EE-239B-4C5F-AAD1-255A7D5F1EE2}" type="slidenum">
               <a:rPr lang="en-US" smtClean="0"/>
-              <a:t>14</a:t>
+              <a:t>12</a:t>
             </a:fld>
             <a:endParaRPr lang="en-US" dirty="0"/>
           </a:p>
@@ -7761,99 +7417,6 @@
           </a:prstGeom>
         </p:spPr>
       </p:pic>
-      <p:sp>
-        <p:nvSpPr>
-          <p:cNvPr id="4" name="ZoneTexte 3">
-            <a:extLst>
-              <a:ext uri="{FF2B5EF4-FFF2-40B4-BE49-F238E27FC236}">
-                <a16:creationId xmlns:a16="http://schemas.microsoft.com/office/drawing/2014/main" id="{AF45EE03-F014-4220-B7D0-19241CBE6D1B}"/>
-              </a:ext>
-            </a:extLst>
-          </p:cNvPr>
-          <p:cNvSpPr txBox="1"/>
-          <p:nvPr/>
-        </p:nvSpPr>
-        <p:spPr>
-          <a:xfrm>
-            <a:off x="1661020" y="872455"/>
-            <a:ext cx="4408579" cy="2031325"/>
-          </a:xfrm>
-          <a:prstGeom prst="rect">
-            <a:avLst/>
-          </a:prstGeom>
-          <a:noFill/>
-        </p:spPr>
-        <p:txBody>
-          <a:bodyPr wrap="none" rtlCol="0">
-            <a:spAutoFit/>
-          </a:bodyPr>
-          <a:lstStyle/>
-          <a:p>
-            <a:r>
-              <a:rPr lang="fr-FR" dirty="0"/>
-              <a:t>Parler de la conception d’une image:</a:t>
-            </a:r>
-            <a:br>
-              <a:rPr lang="fr-FR" dirty="0"/>
-            </a:br>
-            <a:r>
-              <a:rPr lang="fr-FR" dirty="0"/>
-              <a:t>Du pixel art jusqu’à la mémoire:</a:t>
-            </a:r>
-          </a:p>
-          <a:p>
-            <a:pPr marL="285750" indent="-285750">
-              <a:buFontTx/>
-              <a:buChar char="-"/>
-            </a:pPr>
-            <a:r>
-              <a:rPr lang="fr-FR" dirty="0"/>
-              <a:t>Pixel art sur </a:t>
-            </a:r>
-            <a:r>
-              <a:rPr lang="fr-FR" dirty="0" err="1"/>
-              <a:t>excel</a:t>
-            </a:r>
-            <a:endParaRPr lang="fr-FR" dirty="0"/>
-          </a:p>
-          <a:p>
-            <a:pPr marL="285750" indent="-285750">
-              <a:buFontTx/>
-              <a:buChar char="-"/>
-            </a:pPr>
-            <a:r>
-              <a:rPr lang="fr-FR" dirty="0"/>
-              <a:t>Récupération du code binaire</a:t>
-            </a:r>
-          </a:p>
-          <a:p>
-            <a:pPr marL="285750" indent="-285750">
-              <a:buFontTx/>
-              <a:buChar char="-"/>
-            </a:pPr>
-            <a:r>
-              <a:rPr lang="fr-FR" dirty="0"/>
-              <a:t>Transformation en hexadécimal </a:t>
-            </a:r>
-          </a:p>
-          <a:p>
-            <a:r>
-              <a:rPr lang="fr-FR" dirty="0"/>
-              <a:t>(algorithme spécial car écran coupé en deux)</a:t>
-            </a:r>
-          </a:p>
-          <a:p>
-            <a:pPr marL="285750" indent="-285750">
-              <a:buFontTx/>
-              <a:buChar char="-"/>
-            </a:pPr>
-            <a:r>
-              <a:rPr lang="fr-FR" dirty="0"/>
-              <a:t>Stockage sur la mémoire</a:t>
-            </a:r>
-          </a:p>
-        </p:txBody>
-      </p:sp>
     </p:spTree>
     <p:extLst>
       <p:ext uri="{BB962C8B-B14F-4D97-AF65-F5344CB8AC3E}">
@@ -7867,7 +7430,142 @@
 </p:sld>
 </file>
 
-<file path=ppt/slides/slide15.xml><?xml version="1.0" encoding="utf-8"?>
+<file path=ppt/slides/slide13.xml><?xml version="1.0" encoding="utf-8"?>
+<p:sld xmlns:a="http://schemas.openxmlformats.org/drawingml/2006/main" xmlns:r="http://schemas.openxmlformats.org/officeDocument/2006/relationships" xmlns:p="http://schemas.openxmlformats.org/presentationml/2006/main">
+  <p:cSld>
+    <p:spTree>
+      <p:nvGrpSpPr>
+        <p:cNvPr id="1" name=""/>
+        <p:cNvGrpSpPr/>
+        <p:nvPr/>
+      </p:nvGrpSpPr>
+      <p:grpSpPr>
+        <a:xfrm>
+          <a:off x="0" y="0"/>
+          <a:ext cx="0" cy="0"/>
+          <a:chOff x="0" y="0"/>
+          <a:chExt cx="0" cy="0"/>
+        </a:xfrm>
+      </p:grpSpPr>
+      <p:sp>
+        <p:nvSpPr>
+          <p:cNvPr id="4" name="Espace réservé du numéro de diapositive 5">
+            <a:extLst>
+              <a:ext uri="{FF2B5EF4-FFF2-40B4-BE49-F238E27FC236}">
+                <a16:creationId xmlns:a16="http://schemas.microsoft.com/office/drawing/2014/main" id="{646A98B7-2024-49F8-910A-19A63DC896D8}"/>
+              </a:ext>
+            </a:extLst>
+          </p:cNvPr>
+          <p:cNvSpPr>
+            <a:spLocks noGrp="1"/>
+          </p:cNvSpPr>
+          <p:nvPr>
+            <p:ph type="sldNum" sz="quarter" idx="12"/>
+          </p:nvPr>
+        </p:nvSpPr>
+        <p:spPr>
+          <a:xfrm>
+            <a:off x="10951855" y="321374"/>
+            <a:ext cx="551167" cy="365125"/>
+          </a:xfrm>
+        </p:spPr>
+        <p:txBody>
+          <a:bodyPr/>
+          <a:lstStyle/>
+          <a:p>
+            <a:fld id="{B2DC25EE-239B-4C5F-AAD1-255A7D5F1EE2}" type="slidenum">
+              <a:rPr lang="en-US" smtClean="0"/>
+              <a:t>13</a:t>
+            </a:fld>
+            <a:endParaRPr lang="en-US" dirty="0"/>
+          </a:p>
+        </p:txBody>
+      </p:sp>
+      <p:pic>
+        <p:nvPicPr>
+          <p:cNvPr id="5" name="Image 4">
+            <a:extLst>
+              <a:ext uri="{FF2B5EF4-FFF2-40B4-BE49-F238E27FC236}">
+                <a16:creationId xmlns:a16="http://schemas.microsoft.com/office/drawing/2014/main" id="{012A57AF-FDF6-4C0C-9BC8-7F7A09200ECB}"/>
+              </a:ext>
+            </a:extLst>
+          </p:cNvPr>
+          <p:cNvPicPr>
+            <a:picLocks noChangeAspect="1"/>
+          </p:cNvPicPr>
+          <p:nvPr/>
+        </p:nvPicPr>
+        <p:blipFill>
+          <a:blip r:embed="rId2">
+            <a:extLst>
+              <a:ext uri="{28A0092B-C50C-407E-A947-70E740481C1C}">
+                <a14:useLocalDpi xmlns:a14="http://schemas.microsoft.com/office/drawing/2010/main" val="0"/>
+              </a:ext>
+            </a:extLst>
+          </a:blip>
+          <a:stretch>
+            <a:fillRect/>
+          </a:stretch>
+        </p:blipFill>
+        <p:spPr>
+          <a:xfrm>
+            <a:off x="0" y="6271120"/>
+            <a:ext cx="1600974" cy="586880"/>
+          </a:xfrm>
+          <a:prstGeom prst="rect">
+            <a:avLst/>
+          </a:prstGeom>
+        </p:spPr>
+      </p:pic>
+      <p:sp>
+        <p:nvSpPr>
+          <p:cNvPr id="6" name="Titre 1">
+            <a:extLst>
+              <a:ext uri="{FF2B5EF4-FFF2-40B4-BE49-F238E27FC236}">
+                <a16:creationId xmlns:a16="http://schemas.microsoft.com/office/drawing/2014/main" id="{9ED0B9E9-F617-4795-A0DE-EA0C58F64858}"/>
+              </a:ext>
+            </a:extLst>
+          </p:cNvPr>
+          <p:cNvSpPr>
+            <a:spLocks noGrp="1"/>
+          </p:cNvSpPr>
+          <p:nvPr>
+            <p:ph type="ctrTitle"/>
+          </p:nvPr>
+        </p:nvSpPr>
+        <p:spPr>
+          <a:xfrm>
+            <a:off x="3319975" y="686499"/>
+            <a:ext cx="5131414" cy="1063336"/>
+          </a:xfrm>
+        </p:spPr>
+        <p:txBody>
+          <a:bodyPr>
+            <a:normAutofit/>
+          </a:bodyPr>
+          <a:lstStyle/>
+          <a:p>
+            <a:r>
+              <a:rPr lang="fr-FR" dirty="0"/>
+              <a:t>CONCLUSION</a:t>
+            </a:r>
+          </a:p>
+        </p:txBody>
+      </p:sp>
+    </p:spTree>
+    <p:extLst>
+      <p:ext uri="{BB962C8B-B14F-4D97-AF65-F5344CB8AC3E}">
+        <p14:creationId xmlns:p14="http://schemas.microsoft.com/office/powerpoint/2010/main" val="1740327888"/>
+      </p:ext>
+    </p:extLst>
+  </p:cSld>
+  <p:clrMapOvr>
+    <a:masterClrMapping/>
+  </p:clrMapOvr>
+</p:sld>
+</file>
+
+<file path=ppt/slides/slide14.xml><?xml version="1.0" encoding="utf-8"?>
 <p:sld xmlns:a="http://schemas.openxmlformats.org/drawingml/2006/main" xmlns:r="http://schemas.openxmlformats.org/officeDocument/2006/relationships" xmlns:p="http://schemas.openxmlformats.org/presentationml/2006/main">
   <p:cSld>
     <p:spTree>
@@ -7958,7 +7656,7 @@
           <a:p>
             <a:fld id="{B2DC25EE-239B-4C5F-AAD1-255A7D5F1EE2}" type="slidenum">
               <a:rPr lang="en-US" smtClean="0"/>
-              <a:t>15</a:t>
+              <a:t>14</a:t>
             </a:fld>
             <a:endParaRPr lang="en-US" dirty="0"/>
           </a:p>
@@ -8082,7 +7780,7 @@
         </p:nvSpPr>
         <p:spPr>
           <a:xfrm>
-            <a:off x="3607265" y="1224793"/>
+            <a:off x="3558028" y="943439"/>
             <a:ext cx="8128931" cy="3833768"/>
           </a:xfrm>
         </p:spPr>
@@ -8108,14 +7806,14 @@
             </a:br>
             <a:r>
               <a:rPr lang="fr-FR" dirty="0"/>
-              <a:t>II. Partie mécanique</a:t>
+              <a:t>II. Partie programmation</a:t>
             </a:r>
             <a:br>
               <a:rPr lang="fr-FR" dirty="0"/>
             </a:br>
             <a:r>
               <a:rPr lang="fr-FR" dirty="0"/>
-              <a:t>III. Partie programmation</a:t>
+              <a:t>CONCLUSION</a:t>
             </a:r>
           </a:p>
         </p:txBody>
@@ -8771,6 +8469,41 @@
           </a:prstGeom>
         </p:spPr>
       </p:pic>
+      <p:sp>
+        <p:nvSpPr>
+          <p:cNvPr id="20" name="ZoneTexte 19">
+            <a:extLst>
+              <a:ext uri="{FF2B5EF4-FFF2-40B4-BE49-F238E27FC236}">
+                <a16:creationId xmlns:a16="http://schemas.microsoft.com/office/drawing/2014/main" id="{006A0937-5EE2-4BD4-9BCE-F4500E2F8075}"/>
+              </a:ext>
+            </a:extLst>
+          </p:cNvPr>
+          <p:cNvSpPr txBox="1"/>
+          <p:nvPr/>
+        </p:nvSpPr>
+        <p:spPr>
+          <a:xfrm>
+            <a:off x="7827671" y="1477160"/>
+            <a:ext cx="2896947" cy="461665"/>
+          </a:xfrm>
+          <a:prstGeom prst="rect">
+            <a:avLst/>
+          </a:prstGeom>
+          <a:noFill/>
+        </p:spPr>
+        <p:txBody>
+          <a:bodyPr wrap="none" rtlCol="0">
+            <a:spAutoFit/>
+          </a:bodyPr>
+          <a:lstStyle/>
+          <a:p>
+            <a:r>
+              <a:rPr lang="fr-FR" sz="2400" u="sng" dirty="0"/>
+              <a:t>Le cahier des charges</a:t>
+            </a:r>
+          </a:p>
+        </p:txBody>
+      </p:sp>
     </p:spTree>
     <p:extLst>
       <p:ext uri="{BB962C8B-B14F-4D97-AF65-F5344CB8AC3E}">
@@ -8883,8 +8616,8 @@
         </p:blipFill>
         <p:spPr>
           <a:xfrm>
-            <a:off x="4895632" y="3704262"/>
-            <a:ext cx="4162425" cy="1733550"/>
+            <a:off x="3892746" y="3809769"/>
+            <a:ext cx="5339521" cy="2223782"/>
           </a:xfrm>
           <a:prstGeom prst="rect">
             <a:avLst/>
@@ -8991,6 +8724,41 @@
           </a:prstGeom>
         </p:spPr>
       </p:pic>
+      <p:sp>
+        <p:nvSpPr>
+          <p:cNvPr id="14" name="ZoneTexte 13">
+            <a:extLst>
+              <a:ext uri="{FF2B5EF4-FFF2-40B4-BE49-F238E27FC236}">
+                <a16:creationId xmlns:a16="http://schemas.microsoft.com/office/drawing/2014/main" id="{7862F685-4CF1-42E7-B498-4617C900516E}"/>
+              </a:ext>
+            </a:extLst>
+          </p:cNvPr>
+          <p:cNvSpPr txBox="1"/>
+          <p:nvPr/>
+        </p:nvSpPr>
+        <p:spPr>
+          <a:xfrm>
+            <a:off x="4908816" y="3111715"/>
+            <a:ext cx="2374368" cy="461665"/>
+          </a:xfrm>
+          <a:prstGeom prst="rect">
+            <a:avLst/>
+          </a:prstGeom>
+          <a:noFill/>
+        </p:spPr>
+        <p:txBody>
+          <a:bodyPr wrap="none" rtlCol="0">
+            <a:spAutoFit/>
+          </a:bodyPr>
+          <a:lstStyle/>
+          <a:p>
+            <a:r>
+              <a:rPr lang="fr-FR" sz="2400" u="sng" dirty="0"/>
+              <a:t>Les choix réalisés</a:t>
+            </a:r>
+          </a:p>
+        </p:txBody>
+      </p:sp>
     </p:spTree>
     <p:extLst>
       <p:ext uri="{BB962C8B-B14F-4D97-AF65-F5344CB8AC3E}">
@@ -9039,8 +8807,8 @@
         </p:nvSpPr>
         <p:spPr>
           <a:xfrm>
-            <a:off x="2886352" y="2968654"/>
-            <a:ext cx="6419295" cy="920692"/>
+            <a:off x="2382743" y="2968654"/>
+            <a:ext cx="7426513" cy="920692"/>
           </a:xfrm>
         </p:spPr>
         <p:txBody>
@@ -9051,7 +8819,7 @@
           <a:p>
             <a:r>
               <a:rPr lang="fr-FR" dirty="0"/>
-              <a:t>II. Partie mécanique</a:t>
+              <a:t>II. Partie programmation</a:t>
             </a:r>
           </a:p>
         </p:txBody>
@@ -9061,7 +8829,7 @@
           <p:cNvPr id="5" name="Espace réservé du numéro de diapositive 5">
             <a:extLst>
               <a:ext uri="{FF2B5EF4-FFF2-40B4-BE49-F238E27FC236}">
-                <a16:creationId xmlns:a16="http://schemas.microsoft.com/office/drawing/2014/main" id="{F545EA76-6DB7-40BF-9408-AA08835B6CC2}"/>
+                <a16:creationId xmlns:a16="http://schemas.microsoft.com/office/drawing/2014/main" id="{85CB9426-76A4-4E42-80C5-6B9D23D567D2}"/>
               </a:ext>
             </a:extLst>
           </p:cNvPr>
@@ -9095,7 +8863,7 @@
           <p:cNvPr id="6" name="Image 5">
             <a:extLst>
               <a:ext uri="{FF2B5EF4-FFF2-40B4-BE49-F238E27FC236}">
-                <a16:creationId xmlns:a16="http://schemas.microsoft.com/office/drawing/2014/main" id="{EF566C38-A64F-4C8B-B509-51789DCA6D8E}"/>
+                <a16:creationId xmlns:a16="http://schemas.microsoft.com/office/drawing/2014/main" id="{7AF937CE-F6E0-4567-9994-F0D1EB5C36B4}"/>
               </a:ext>
             </a:extLst>
           </p:cNvPr>
@@ -9129,7 +8897,7 @@
     </p:spTree>
     <p:extLst>
       <p:ext uri="{BB962C8B-B14F-4D97-AF65-F5344CB8AC3E}">
-        <p14:creationId xmlns:p14="http://schemas.microsoft.com/office/powerpoint/2010/main" val="915673127"/>
+        <p14:creationId xmlns:p14="http://schemas.microsoft.com/office/powerpoint/2010/main" val="2224398952"/>
       </p:ext>
     </p:extLst>
   </p:cSld>
@@ -9158,10 +8926,10 @@
       </p:grpSpPr>
       <p:sp>
         <p:nvSpPr>
-          <p:cNvPr id="4" name="Espace réservé du numéro de diapositive 5">
+          <p:cNvPr id="5" name="Espace réservé du numéro de diapositive 5">
             <a:extLst>
               <a:ext uri="{FF2B5EF4-FFF2-40B4-BE49-F238E27FC236}">
-                <a16:creationId xmlns:a16="http://schemas.microsoft.com/office/drawing/2014/main" id="{646A98B7-2024-49F8-910A-19A63DC896D8}"/>
+                <a16:creationId xmlns:a16="http://schemas.microsoft.com/office/drawing/2014/main" id="{80F87924-2C03-469C-8788-12ECB7408734}"/>
               </a:ext>
             </a:extLst>
           </p:cNvPr>
@@ -9192,10 +8960,10 @@
       </p:sp>
       <p:pic>
         <p:nvPicPr>
-          <p:cNvPr id="5" name="Image 4">
+          <p:cNvPr id="6" name="Image 5">
             <a:extLst>
               <a:ext uri="{FF2B5EF4-FFF2-40B4-BE49-F238E27FC236}">
-                <a16:creationId xmlns:a16="http://schemas.microsoft.com/office/drawing/2014/main" id="{012A57AF-FDF6-4C0C-9BC8-7F7A09200ECB}"/>
+                <a16:creationId xmlns:a16="http://schemas.microsoft.com/office/drawing/2014/main" id="{547E47D8-E20F-4FE6-B5D4-9A130965B3BB}"/>
               </a:ext>
             </a:extLst>
           </p:cNvPr>
@@ -9226,10 +8994,111 @@
           </a:prstGeom>
         </p:spPr>
       </p:pic>
+      <p:pic>
+        <p:nvPicPr>
+          <p:cNvPr id="4" name="Image 3">
+            <a:extLst>
+              <a:ext uri="{FF2B5EF4-FFF2-40B4-BE49-F238E27FC236}">
+                <a16:creationId xmlns:a16="http://schemas.microsoft.com/office/drawing/2014/main" id="{2DBC2623-7A24-4C26-B385-1BB60F889856}"/>
+              </a:ext>
+            </a:extLst>
+          </p:cNvPr>
+          <p:cNvPicPr>
+            <a:picLocks noChangeAspect="1"/>
+          </p:cNvPicPr>
+          <p:nvPr/>
+        </p:nvPicPr>
+        <p:blipFill>
+          <a:blip r:embed="rId3">
+            <a:extLst>
+              <a:ext uri="{28A0092B-C50C-407E-A947-70E740481C1C}">
+                <a14:useLocalDpi xmlns:a14="http://schemas.microsoft.com/office/drawing/2010/main" val="0"/>
+              </a:ext>
+            </a:extLst>
+          </a:blip>
+          <a:stretch>
+            <a:fillRect/>
+          </a:stretch>
+        </p:blipFill>
+        <p:spPr>
+          <a:xfrm>
+            <a:off x="6812472" y="865018"/>
+            <a:ext cx="4690550" cy="2345275"/>
+          </a:xfrm>
+          <a:prstGeom prst="rect">
+            <a:avLst/>
+          </a:prstGeom>
+        </p:spPr>
+      </p:pic>
+      <p:pic>
+        <p:nvPicPr>
+          <p:cNvPr id="8" name="Image 7">
+            <a:extLst>
+              <a:ext uri="{FF2B5EF4-FFF2-40B4-BE49-F238E27FC236}">
+                <a16:creationId xmlns:a16="http://schemas.microsoft.com/office/drawing/2014/main" id="{B624A907-FCB0-49D0-8829-5D410DD36854}"/>
+              </a:ext>
+            </a:extLst>
+          </p:cNvPr>
+          <p:cNvPicPr>
+            <a:picLocks noChangeAspect="1"/>
+          </p:cNvPicPr>
+          <p:nvPr/>
+        </p:nvPicPr>
+        <p:blipFill>
+          <a:blip r:embed="rId4"/>
+          <a:stretch>
+            <a:fillRect/>
+          </a:stretch>
+        </p:blipFill>
+        <p:spPr>
+          <a:xfrm>
+            <a:off x="2138531" y="3073792"/>
+            <a:ext cx="3957469" cy="2633516"/>
+          </a:xfrm>
+          <a:prstGeom prst="rect">
+            <a:avLst/>
+          </a:prstGeom>
+        </p:spPr>
+      </p:pic>
+      <p:sp>
+        <p:nvSpPr>
+          <p:cNvPr id="11" name="ZoneTexte 10">
+            <a:extLst>
+              <a:ext uri="{FF2B5EF4-FFF2-40B4-BE49-F238E27FC236}">
+                <a16:creationId xmlns:a16="http://schemas.microsoft.com/office/drawing/2014/main" id="{4B0DF2FE-6FE1-4C6F-9823-7061D1773776}"/>
+              </a:ext>
+            </a:extLst>
+          </p:cNvPr>
+          <p:cNvSpPr txBox="1"/>
+          <p:nvPr/>
+        </p:nvSpPr>
+        <p:spPr>
+          <a:xfrm>
+            <a:off x="3462426" y="1291368"/>
+            <a:ext cx="946093" cy="461665"/>
+          </a:xfrm>
+          <a:prstGeom prst="rect">
+            <a:avLst/>
+          </a:prstGeom>
+          <a:noFill/>
+        </p:spPr>
+        <p:txBody>
+          <a:bodyPr wrap="none" rtlCol="0">
+            <a:spAutoFit/>
+          </a:bodyPr>
+          <a:lstStyle/>
+          <a:p>
+            <a:r>
+              <a:rPr lang="fr-FR" sz="2400" u="sng" dirty="0"/>
+              <a:t>Le jeu</a:t>
+            </a:r>
+          </a:p>
+        </p:txBody>
+      </p:sp>
     </p:spTree>
     <p:extLst>
       <p:ext uri="{BB962C8B-B14F-4D97-AF65-F5344CB8AC3E}">
-        <p14:creationId xmlns:p14="http://schemas.microsoft.com/office/powerpoint/2010/main" val="2715378702"/>
+        <p14:creationId xmlns:p14="http://schemas.microsoft.com/office/powerpoint/2010/main" val="1419781653"/>
       </p:ext>
     </p:extLst>
   </p:cSld>
@@ -9258,45 +9127,10 @@
       </p:grpSpPr>
       <p:sp>
         <p:nvSpPr>
-          <p:cNvPr id="3" name="Titre 1">
-            <a:extLst>
-              <a:ext uri="{FF2B5EF4-FFF2-40B4-BE49-F238E27FC236}">
-                <a16:creationId xmlns:a16="http://schemas.microsoft.com/office/drawing/2014/main" id="{FA0D3E44-E95B-4F19-B0E0-342C4B102B2F}"/>
-              </a:ext>
-            </a:extLst>
-          </p:cNvPr>
-          <p:cNvSpPr>
-            <a:spLocks noGrp="1"/>
-          </p:cNvSpPr>
-          <p:nvPr>
-            <p:ph type="ctrTitle"/>
-          </p:nvPr>
-        </p:nvSpPr>
-        <p:spPr>
-          <a:xfrm>
-            <a:off x="2382743" y="2968654"/>
-            <a:ext cx="7426513" cy="920692"/>
-          </a:xfrm>
-        </p:spPr>
-        <p:txBody>
-          <a:bodyPr>
-            <a:normAutofit fontScale="90000"/>
-          </a:bodyPr>
-          <a:lstStyle/>
-          <a:p>
-            <a:r>
-              <a:rPr lang="fr-FR" dirty="0"/>
-              <a:t>III. Partie programmation</a:t>
-            </a:r>
-          </a:p>
-        </p:txBody>
-      </p:sp>
-      <p:sp>
-        <p:nvSpPr>
           <p:cNvPr id="5" name="Espace réservé du numéro de diapositive 5">
             <a:extLst>
               <a:ext uri="{FF2B5EF4-FFF2-40B4-BE49-F238E27FC236}">
-                <a16:creationId xmlns:a16="http://schemas.microsoft.com/office/drawing/2014/main" id="{85CB9426-76A4-4E42-80C5-6B9D23D567D2}"/>
+                <a16:creationId xmlns:a16="http://schemas.microsoft.com/office/drawing/2014/main" id="{80F87924-2C03-469C-8788-12ECB7408734}"/>
               </a:ext>
             </a:extLst>
           </p:cNvPr>
@@ -9330,7 +9164,7 @@
           <p:cNvPr id="6" name="Image 5">
             <a:extLst>
               <a:ext uri="{FF2B5EF4-FFF2-40B4-BE49-F238E27FC236}">
-                <a16:creationId xmlns:a16="http://schemas.microsoft.com/office/drawing/2014/main" id="{7AF937CE-F6E0-4567-9994-F0D1EB5C36B4}"/>
+                <a16:creationId xmlns:a16="http://schemas.microsoft.com/office/drawing/2014/main" id="{547E47D8-E20F-4FE6-B5D4-9A130965B3BB}"/>
               </a:ext>
             </a:extLst>
           </p:cNvPr>
@@ -9361,10 +9195,40 @@
           </a:prstGeom>
         </p:spPr>
       </p:pic>
+      <p:pic>
+        <p:nvPicPr>
+          <p:cNvPr id="3" name="Image 2">
+            <a:extLst>
+              <a:ext uri="{FF2B5EF4-FFF2-40B4-BE49-F238E27FC236}">
+                <a16:creationId xmlns:a16="http://schemas.microsoft.com/office/drawing/2014/main" id="{52294209-ECCA-4A32-B9A1-ACE409DD0A83}"/>
+              </a:ext>
+            </a:extLst>
+          </p:cNvPr>
+          <p:cNvPicPr>
+            <a:picLocks noChangeAspect="1"/>
+          </p:cNvPicPr>
+          <p:nvPr/>
+        </p:nvPicPr>
+        <p:blipFill>
+          <a:blip r:embed="rId3"/>
+          <a:stretch>
+            <a:fillRect/>
+          </a:stretch>
+        </p:blipFill>
+        <p:spPr>
+          <a:xfrm>
+            <a:off x="174443" y="218049"/>
+            <a:ext cx="10899514" cy="5859750"/>
+          </a:xfrm>
+          <a:prstGeom prst="rect">
+            <a:avLst/>
+          </a:prstGeom>
+        </p:spPr>
+      </p:pic>
     </p:spTree>
     <p:extLst>
       <p:ext uri="{BB962C8B-B14F-4D97-AF65-F5344CB8AC3E}">
-        <p14:creationId xmlns:p14="http://schemas.microsoft.com/office/powerpoint/2010/main" val="2224398952"/>
+        <p14:creationId xmlns:p14="http://schemas.microsoft.com/office/powerpoint/2010/main" val="1929410272"/>
       </p:ext>
     </p:extLst>
   </p:cSld>
@@ -9406,7 +9270,7 @@
         <p:spPr>
           <a:xfrm>
             <a:off x="3523376" y="796954"/>
-            <a:ext cx="6149130" cy="646331"/>
+            <a:ext cx="6149130" cy="3416320"/>
           </a:xfrm>
           <a:prstGeom prst="rect">
             <a:avLst/>
@@ -9421,15 +9285,67 @@
           <a:p>
             <a:r>
               <a:rPr lang="fr-FR" dirty="0"/>
-              <a:t>Présentation du jeu: </a:t>
-            </a:r>
-            <a:r>
-              <a:rPr lang="fr-FR" dirty="0" err="1"/>
-              <a:t>fps</a:t>
-            </a:r>
+              <a:t>Plan mémoire :</a:t>
+            </a:r>
+          </a:p>
+          <a:p>
+            <a:endParaRPr lang="fr-FR" dirty="0"/>
+          </a:p>
+          <a:p>
             <a:r>
               <a:rPr lang="fr-FR" dirty="0"/>
-              <a:t>, deux modes de jeu (un en réseau et un solo)</a:t>
+              <a:t>-&gt; Atmega 16a</a:t>
+            </a:r>
+          </a:p>
+          <a:p>
+            <a:r>
+              <a:rPr lang="fr-FR" dirty="0"/>
+              <a:t>0x0000 – 0x005F réservé</a:t>
+            </a:r>
+          </a:p>
+          <a:p>
+            <a:r>
+              <a:rPr lang="fr-FR" dirty="0"/>
+              <a:t>0x0060 – 0x045F [SRAM] variables programme + tables</a:t>
+            </a:r>
+          </a:p>
+          <a:p>
+            <a:r>
+              <a:rPr lang="fr-FR" dirty="0"/>
+              <a:t>0x0460 – 0x4460 [flash] mémoire programme</a:t>
+            </a:r>
+          </a:p>
+          <a:p>
+            <a:r>
+              <a:rPr lang="fr-FR" dirty="0"/>
+              <a:t>0x000-0x200 [EEPROM] stockage du son du jeu et des menus</a:t>
+            </a:r>
+          </a:p>
+          <a:p>
+            <a:endParaRPr lang="fr-FR" dirty="0"/>
+          </a:p>
+          <a:p>
+            <a:r>
+              <a:rPr lang="fr-FR" dirty="0"/>
+              <a:t>-&gt; Mémoire en SPI</a:t>
+            </a:r>
+          </a:p>
+          <a:p>
+            <a:r>
+              <a:rPr lang="fr-FR" dirty="0"/>
+              <a:t>0x0400 – 0x47FF images du jeu</a:t>
+            </a:r>
+          </a:p>
+          <a:p>
+            <a:r>
+              <a:rPr lang="fr-FR" dirty="0"/>
+              <a:t>0x4800 – 0x4DAF données du jeu</a:t>
+            </a:r>
+          </a:p>
+          <a:p>
+            <a:r>
+              <a:rPr lang="fr-FR" dirty="0"/>
+              <a:t>0x5800 – 0x7FFF images des menus de la console</a:t>
             </a:r>
           </a:p>
         </p:txBody>
@@ -9507,7 +9423,7 @@
     </p:spTree>
     <p:extLst>
       <p:ext uri="{BB962C8B-B14F-4D97-AF65-F5344CB8AC3E}">
-        <p14:creationId xmlns:p14="http://schemas.microsoft.com/office/powerpoint/2010/main" val="1419781653"/>
+        <p14:creationId xmlns:p14="http://schemas.microsoft.com/office/powerpoint/2010/main" val="3368041899"/>
       </p:ext>
     </p:extLst>
   </p:cSld>

--- a/Projet électif.pptx
+++ b/Projet électif.pptx
@@ -5,10 +5,10 @@
     <p:sldMasterId id="2147483732" r:id="rId1"/>
   </p:sldMasterIdLst>
   <p:notesMasterIdLst>
-    <p:notesMasterId r:id="rId16"/>
+    <p:notesMasterId r:id="rId17"/>
   </p:notesMasterIdLst>
   <p:handoutMasterIdLst>
-    <p:handoutMasterId r:id="rId17"/>
+    <p:handoutMasterId r:id="rId18"/>
   </p:handoutMasterIdLst>
   <p:sldIdLst>
     <p:sldId id="256" r:id="rId2"/>
@@ -17,14 +17,15 @@
     <p:sldId id="257" r:id="rId5"/>
     <p:sldId id="258" r:id="rId6"/>
     <p:sldId id="265" r:id="rId7"/>
-    <p:sldId id="260" r:id="rId8"/>
-    <p:sldId id="270" r:id="rId9"/>
-    <p:sldId id="269" r:id="rId10"/>
-    <p:sldId id="261" r:id="rId11"/>
-    <p:sldId id="266" r:id="rId12"/>
-    <p:sldId id="268" r:id="rId13"/>
-    <p:sldId id="259" r:id="rId14"/>
-    <p:sldId id="267" r:id="rId15"/>
+    <p:sldId id="271" r:id="rId8"/>
+    <p:sldId id="260" r:id="rId9"/>
+    <p:sldId id="270" r:id="rId10"/>
+    <p:sldId id="269" r:id="rId11"/>
+    <p:sldId id="261" r:id="rId12"/>
+    <p:sldId id="266" r:id="rId13"/>
+    <p:sldId id="268" r:id="rId14"/>
+    <p:sldId id="259" r:id="rId15"/>
+    <p:sldId id="267" r:id="rId16"/>
   </p:sldIdLst>
   <p:sldSz cx="12192000" cy="6858000"/>
   <p:notesSz cx="6858000" cy="9144000"/>
@@ -6961,6 +6962,201 @@
           <p:cNvPr id="2" name="ZoneTexte 1">
             <a:extLst>
               <a:ext uri="{FF2B5EF4-FFF2-40B4-BE49-F238E27FC236}">
+                <a16:creationId xmlns:a16="http://schemas.microsoft.com/office/drawing/2014/main" id="{C579E51F-ED8D-40F8-80A6-0ECFD9F42C70}"/>
+              </a:ext>
+            </a:extLst>
+          </p:cNvPr>
+          <p:cNvSpPr txBox="1"/>
+          <p:nvPr/>
+        </p:nvSpPr>
+        <p:spPr>
+          <a:xfrm>
+            <a:off x="3523376" y="796954"/>
+            <a:ext cx="6149130" cy="3416320"/>
+          </a:xfrm>
+          <a:prstGeom prst="rect">
+            <a:avLst/>
+          </a:prstGeom>
+          <a:noFill/>
+        </p:spPr>
+        <p:txBody>
+          <a:bodyPr wrap="square" rtlCol="0">
+            <a:spAutoFit/>
+          </a:bodyPr>
+          <a:lstStyle/>
+          <a:p>
+            <a:r>
+              <a:rPr lang="fr-FR" dirty="0"/>
+              <a:t>Plan mémoire :</a:t>
+            </a:r>
+          </a:p>
+          <a:p>
+            <a:endParaRPr lang="fr-FR" dirty="0"/>
+          </a:p>
+          <a:p>
+            <a:r>
+              <a:rPr lang="fr-FR" dirty="0"/>
+              <a:t>-&gt; Atmega 16a</a:t>
+            </a:r>
+          </a:p>
+          <a:p>
+            <a:r>
+              <a:rPr lang="fr-FR" dirty="0"/>
+              <a:t>0x0000 – 0x005F réservé</a:t>
+            </a:r>
+          </a:p>
+          <a:p>
+            <a:r>
+              <a:rPr lang="fr-FR" dirty="0"/>
+              <a:t>0x0060 – 0x045F [SRAM] variables programme + tables</a:t>
+            </a:r>
+          </a:p>
+          <a:p>
+            <a:r>
+              <a:rPr lang="fr-FR" dirty="0"/>
+              <a:t>0x0460 – 0x4460 [flash] mémoire programme</a:t>
+            </a:r>
+          </a:p>
+          <a:p>
+            <a:r>
+              <a:rPr lang="fr-FR" dirty="0"/>
+              <a:t>0x000-0x200 [EEPROM] stockage du son du jeu et des menus</a:t>
+            </a:r>
+          </a:p>
+          <a:p>
+            <a:endParaRPr lang="fr-FR" dirty="0"/>
+          </a:p>
+          <a:p>
+            <a:r>
+              <a:rPr lang="fr-FR" dirty="0"/>
+              <a:t>-&gt; Mémoire en SPI</a:t>
+            </a:r>
+          </a:p>
+          <a:p>
+            <a:r>
+              <a:rPr lang="fr-FR" dirty="0"/>
+              <a:t>0x0400 – 0x47FF images du jeu</a:t>
+            </a:r>
+          </a:p>
+          <a:p>
+            <a:r>
+              <a:rPr lang="fr-FR" dirty="0"/>
+              <a:t>0x4800 – 0x4DAF données du jeu</a:t>
+            </a:r>
+          </a:p>
+          <a:p>
+            <a:r>
+              <a:rPr lang="fr-FR" dirty="0"/>
+              <a:t>0x5800 – 0x7FFF images des menus de la console</a:t>
+            </a:r>
+          </a:p>
+        </p:txBody>
+      </p:sp>
+      <p:sp>
+        <p:nvSpPr>
+          <p:cNvPr id="5" name="Espace réservé du numéro de diapositive 5">
+            <a:extLst>
+              <a:ext uri="{FF2B5EF4-FFF2-40B4-BE49-F238E27FC236}">
+                <a16:creationId xmlns:a16="http://schemas.microsoft.com/office/drawing/2014/main" id="{80F87924-2C03-469C-8788-12ECB7408734}"/>
+              </a:ext>
+            </a:extLst>
+          </p:cNvPr>
+          <p:cNvSpPr>
+            <a:spLocks noGrp="1"/>
+          </p:cNvSpPr>
+          <p:nvPr>
+            <p:ph type="sldNum" sz="quarter" idx="12"/>
+          </p:nvPr>
+        </p:nvSpPr>
+        <p:spPr>
+          <a:xfrm>
+            <a:off x="10951855" y="321374"/>
+            <a:ext cx="551167" cy="365125"/>
+          </a:xfrm>
+        </p:spPr>
+        <p:txBody>
+          <a:bodyPr/>
+          <a:lstStyle/>
+          <a:p>
+            <a:fld id="{B2DC25EE-239B-4C5F-AAD1-255A7D5F1EE2}" type="slidenum">
+              <a:rPr lang="en-US" smtClean="0"/>
+              <a:t>10</a:t>
+            </a:fld>
+            <a:endParaRPr lang="en-US" dirty="0"/>
+          </a:p>
+        </p:txBody>
+      </p:sp>
+      <p:pic>
+        <p:nvPicPr>
+          <p:cNvPr id="6" name="Image 5">
+            <a:extLst>
+              <a:ext uri="{FF2B5EF4-FFF2-40B4-BE49-F238E27FC236}">
+                <a16:creationId xmlns:a16="http://schemas.microsoft.com/office/drawing/2014/main" id="{547E47D8-E20F-4FE6-B5D4-9A130965B3BB}"/>
+              </a:ext>
+            </a:extLst>
+          </p:cNvPr>
+          <p:cNvPicPr>
+            <a:picLocks noChangeAspect="1"/>
+          </p:cNvPicPr>
+          <p:nvPr/>
+        </p:nvPicPr>
+        <p:blipFill>
+          <a:blip r:embed="rId2">
+            <a:extLst>
+              <a:ext uri="{28A0092B-C50C-407E-A947-70E740481C1C}">
+                <a14:useLocalDpi xmlns:a14="http://schemas.microsoft.com/office/drawing/2010/main" val="0"/>
+              </a:ext>
+            </a:extLst>
+          </a:blip>
+          <a:stretch>
+            <a:fillRect/>
+          </a:stretch>
+        </p:blipFill>
+        <p:spPr>
+          <a:xfrm>
+            <a:off x="0" y="6271120"/>
+            <a:ext cx="1600974" cy="586880"/>
+          </a:xfrm>
+          <a:prstGeom prst="rect">
+            <a:avLst/>
+          </a:prstGeom>
+        </p:spPr>
+      </p:pic>
+    </p:spTree>
+    <p:extLst>
+      <p:ext uri="{BB962C8B-B14F-4D97-AF65-F5344CB8AC3E}">
+        <p14:creationId xmlns:p14="http://schemas.microsoft.com/office/powerpoint/2010/main" val="3368041899"/>
+      </p:ext>
+    </p:extLst>
+  </p:cSld>
+  <p:clrMapOvr>
+    <a:masterClrMapping/>
+  </p:clrMapOvr>
+</p:sld>
+</file>
+
+<file path=ppt/slides/slide11.xml><?xml version="1.0" encoding="utf-8"?>
+<p:sld xmlns:a="http://schemas.openxmlformats.org/drawingml/2006/main" xmlns:r="http://schemas.openxmlformats.org/officeDocument/2006/relationships" xmlns:p="http://schemas.openxmlformats.org/presentationml/2006/main">
+  <p:cSld>
+    <p:spTree>
+      <p:nvGrpSpPr>
+        <p:cNvPr id="1" name=""/>
+        <p:cNvGrpSpPr/>
+        <p:nvPr/>
+      </p:nvGrpSpPr>
+      <p:grpSpPr>
+        <a:xfrm>
+          <a:off x="0" y="0"/>
+          <a:ext cx="0" cy="0"/>
+          <a:chOff x="0" y="0"/>
+          <a:chExt cx="0" cy="0"/>
+        </a:xfrm>
+      </p:grpSpPr>
+      <p:sp>
+        <p:nvSpPr>
+          <p:cNvPr id="2" name="ZoneTexte 1">
+            <a:extLst>
+              <a:ext uri="{FF2B5EF4-FFF2-40B4-BE49-F238E27FC236}">
                 <a16:creationId xmlns:a16="http://schemas.microsoft.com/office/drawing/2014/main" id="{4FF84989-4CC7-4CE5-BF1A-224B6EC86150}"/>
               </a:ext>
             </a:extLst>
@@ -7085,7 +7281,7 @@
           <a:p>
             <a:fld id="{B2DC25EE-239B-4C5F-AAD1-255A7D5F1EE2}" type="slidenum">
               <a:rPr lang="en-US" smtClean="0"/>
-              <a:t>10</a:t>
+              <a:t>11</a:t>
             </a:fld>
             <a:endParaRPr lang="en-US" dirty="0"/>
           </a:p>
@@ -7140,7 +7336,7 @@
 </p:sld>
 </file>
 
-<file path=ppt/slides/slide11.xml><?xml version="1.0" encoding="utf-8"?>
+<file path=ppt/slides/slide12.xml><?xml version="1.0" encoding="utf-8"?>
 <p:sld xmlns:a="http://schemas.openxmlformats.org/drawingml/2006/main" xmlns:r="http://schemas.openxmlformats.org/officeDocument/2006/relationships" xmlns:p="http://schemas.openxmlformats.org/presentationml/2006/main">
   <p:cSld>
     <p:spTree>
@@ -7185,7 +7381,7 @@
           <a:p>
             <a:fld id="{B2DC25EE-239B-4C5F-AAD1-255A7D5F1EE2}" type="slidenum">
               <a:rPr lang="en-US" smtClean="0"/>
-              <a:t>11</a:t>
+              <a:t>12</a:t>
             </a:fld>
             <a:endParaRPr lang="en-US" dirty="0"/>
           </a:p>
@@ -7270,7 +7466,7 @@
 </p:sld>
 </file>
 
-<file path=ppt/slides/slide12.xml><?xml version="1.0" encoding="utf-8"?>
+<file path=ppt/slides/slide13.xml><?xml version="1.0" encoding="utf-8"?>
 <p:sld xmlns:a="http://schemas.openxmlformats.org/drawingml/2006/main" xmlns:r="http://schemas.openxmlformats.org/officeDocument/2006/relationships" xmlns:p="http://schemas.openxmlformats.org/presentationml/2006/main">
   <p:cSld>
     <p:spTree>
@@ -7375,7 +7571,7 @@
           <a:p>
             <a:fld id="{B2DC25EE-239B-4C5F-AAD1-255A7D5F1EE2}" type="slidenum">
               <a:rPr lang="en-US" smtClean="0"/>
-              <a:t>12</a:t>
+              <a:t>13</a:t>
             </a:fld>
             <a:endParaRPr lang="en-US" dirty="0"/>
           </a:p>
@@ -7417,6 +7613,36 @@
           </a:prstGeom>
         </p:spPr>
       </p:pic>
+      <p:pic>
+        <p:nvPicPr>
+          <p:cNvPr id="4" name="Image 3">
+            <a:extLst>
+              <a:ext uri="{FF2B5EF4-FFF2-40B4-BE49-F238E27FC236}">
+                <a16:creationId xmlns:a16="http://schemas.microsoft.com/office/drawing/2014/main" id="{520C15BF-C586-46B6-88AE-6351FD694F1D}"/>
+              </a:ext>
+            </a:extLst>
+          </p:cNvPr>
+          <p:cNvPicPr>
+            <a:picLocks noChangeAspect="1"/>
+          </p:cNvPicPr>
+          <p:nvPr/>
+        </p:nvPicPr>
+        <p:blipFill>
+          <a:blip r:embed="rId5"/>
+          <a:stretch>
+            <a:fillRect/>
+          </a:stretch>
+        </p:blipFill>
+        <p:spPr>
+          <a:xfrm>
+            <a:off x="118101" y="250814"/>
+            <a:ext cx="5586412" cy="2533650"/>
+          </a:xfrm>
+          <a:prstGeom prst="rect">
+            <a:avLst/>
+          </a:prstGeom>
+        </p:spPr>
+      </p:pic>
     </p:spTree>
     <p:extLst>
       <p:ext uri="{BB962C8B-B14F-4D97-AF65-F5344CB8AC3E}">
@@ -7430,7 +7656,7 @@
 </p:sld>
 </file>
 
-<file path=ppt/slides/slide13.xml><?xml version="1.0" encoding="utf-8"?>
+<file path=ppt/slides/slide14.xml><?xml version="1.0" encoding="utf-8"?>
 <p:sld xmlns:a="http://schemas.openxmlformats.org/drawingml/2006/main" xmlns:r="http://schemas.openxmlformats.org/officeDocument/2006/relationships" xmlns:p="http://schemas.openxmlformats.org/presentationml/2006/main">
   <p:cSld>
     <p:spTree>
@@ -7475,7 +7701,7 @@
           <a:p>
             <a:fld id="{B2DC25EE-239B-4C5F-AAD1-255A7D5F1EE2}" type="slidenum">
               <a:rPr lang="en-US" smtClean="0"/>
-              <a:t>13</a:t>
+              <a:t>14</a:t>
             </a:fld>
             <a:endParaRPr lang="en-US" dirty="0"/>
           </a:p>
@@ -7552,6 +7778,54 @@
           </a:p>
         </p:txBody>
       </p:sp>
+      <p:pic>
+        <p:nvPicPr>
+          <p:cNvPr id="3" name="Image 2">
+            <a:extLst>
+              <a:ext uri="{FF2B5EF4-FFF2-40B4-BE49-F238E27FC236}">
+                <a16:creationId xmlns:a16="http://schemas.microsoft.com/office/drawing/2014/main" id="{2FBD8980-7DB3-49EA-BF6D-CB1F9A83C1A4}"/>
+              </a:ext>
+            </a:extLst>
+          </p:cNvPr>
+          <p:cNvPicPr>
+            <a:picLocks noChangeAspect="1"/>
+          </p:cNvPicPr>
+          <p:nvPr/>
+        </p:nvPicPr>
+        <p:blipFill rotWithShape="1">
+          <a:blip r:embed="rId3">
+            <a:extLst>
+              <a:ext uri="{28A0092B-C50C-407E-A947-70E740481C1C}">
+                <a14:useLocalDpi xmlns:a14="http://schemas.microsoft.com/office/drawing/2010/main" val="0"/>
+              </a:ext>
+            </a:extLst>
+          </a:blip>
+          <a:srcRect l="5090" r="20924"/>
+          <a:stretch/>
+        </p:blipFill>
+        <p:spPr>
+          <a:xfrm>
+            <a:off x="3335215" y="1973614"/>
+            <a:ext cx="5521570" cy="4197887"/>
+          </a:xfrm>
+          <a:prstGeom prst="roundRect">
+            <a:avLst>
+              <a:gd name="adj" fmla="val 8594"/>
+            </a:avLst>
+          </a:prstGeom>
+          <a:solidFill>
+            <a:srgbClr val="FFFFFF">
+              <a:shade val="85000"/>
+            </a:srgbClr>
+          </a:solidFill>
+          <a:ln>
+            <a:noFill/>
+          </a:ln>
+          <a:effectLst>
+            <a:reflection blurRad="12700" stA="38000" endPos="28000" dist="5000" dir="5400000" sy="-100000" algn="bl" rotWithShape="0"/>
+          </a:effectLst>
+        </p:spPr>
+      </p:pic>
     </p:spTree>
     <p:extLst>
       <p:ext uri="{BB962C8B-B14F-4D97-AF65-F5344CB8AC3E}">
@@ -7565,7 +7839,7 @@
 </p:sld>
 </file>
 
-<file path=ppt/slides/slide14.xml><?xml version="1.0" encoding="utf-8"?>
+<file path=ppt/slides/slide15.xml><?xml version="1.0" encoding="utf-8"?>
 <p:sld xmlns:a="http://schemas.openxmlformats.org/drawingml/2006/main" xmlns:r="http://schemas.openxmlformats.org/officeDocument/2006/relationships" xmlns:p="http://schemas.openxmlformats.org/presentationml/2006/main">
   <p:cSld>
     <p:spTree>
@@ -7656,7 +7930,7 @@
           <a:p>
             <a:fld id="{B2DC25EE-239B-4C5F-AAD1-255A7D5F1EE2}" type="slidenum">
               <a:rPr lang="en-US" smtClean="0"/>
-              <a:t>14</a:t>
+              <a:t>15</a:t>
             </a:fld>
             <a:endParaRPr lang="en-US" dirty="0"/>
           </a:p>
@@ -8926,6 +9200,1189 @@
       </p:grpSpPr>
       <p:sp>
         <p:nvSpPr>
+          <p:cNvPr id="6" name="Espace réservé du numéro de diapositive 5">
+            <a:extLst>
+              <a:ext uri="{FF2B5EF4-FFF2-40B4-BE49-F238E27FC236}">
+                <a16:creationId xmlns:a16="http://schemas.microsoft.com/office/drawing/2014/main" id="{E9926667-C4AE-43A3-88E6-759B6E8DCFB3}"/>
+              </a:ext>
+            </a:extLst>
+          </p:cNvPr>
+          <p:cNvSpPr>
+            <a:spLocks noGrp="1"/>
+          </p:cNvSpPr>
+          <p:nvPr>
+            <p:ph type="sldNum" sz="quarter" idx="12"/>
+          </p:nvPr>
+        </p:nvSpPr>
+        <p:spPr>
+          <a:xfrm>
+            <a:off x="10951855" y="321374"/>
+            <a:ext cx="551167" cy="365125"/>
+          </a:xfrm>
+        </p:spPr>
+        <p:txBody>
+          <a:bodyPr/>
+          <a:lstStyle/>
+          <a:p>
+            <a:fld id="{B2DC25EE-239B-4C5F-AAD1-255A7D5F1EE2}" type="slidenum">
+              <a:rPr lang="en-US" smtClean="0"/>
+              <a:t>7</a:t>
+            </a:fld>
+            <a:endParaRPr lang="en-US" dirty="0"/>
+          </a:p>
+        </p:txBody>
+      </p:sp>
+      <p:pic>
+        <p:nvPicPr>
+          <p:cNvPr id="7" name="Image 6">
+            <a:extLst>
+              <a:ext uri="{FF2B5EF4-FFF2-40B4-BE49-F238E27FC236}">
+                <a16:creationId xmlns:a16="http://schemas.microsoft.com/office/drawing/2014/main" id="{82AD42F0-E31A-4262-89CD-4AED913D8861}"/>
+              </a:ext>
+            </a:extLst>
+          </p:cNvPr>
+          <p:cNvPicPr>
+            <a:picLocks noChangeAspect="1"/>
+          </p:cNvPicPr>
+          <p:nvPr/>
+        </p:nvPicPr>
+        <p:blipFill>
+          <a:blip r:embed="rId2">
+            <a:extLst>
+              <a:ext uri="{28A0092B-C50C-407E-A947-70E740481C1C}">
+                <a14:useLocalDpi xmlns:a14="http://schemas.microsoft.com/office/drawing/2010/main" val="0"/>
+              </a:ext>
+            </a:extLst>
+          </a:blip>
+          <a:stretch>
+            <a:fillRect/>
+          </a:stretch>
+        </p:blipFill>
+        <p:spPr>
+          <a:xfrm>
+            <a:off x="0" y="6271120"/>
+            <a:ext cx="1600974" cy="586880"/>
+          </a:xfrm>
+          <a:prstGeom prst="rect">
+            <a:avLst/>
+          </a:prstGeom>
+        </p:spPr>
+      </p:pic>
+      <p:sp>
+        <p:nvSpPr>
+          <p:cNvPr id="5" name="Ellipse 4">
+            <a:extLst>
+              <a:ext uri="{FF2B5EF4-FFF2-40B4-BE49-F238E27FC236}">
+                <a16:creationId xmlns:a16="http://schemas.microsoft.com/office/drawing/2014/main" id="{D015AAFA-1A5F-44FB-9D72-0279BC6B8A90}"/>
+              </a:ext>
+            </a:extLst>
+          </p:cNvPr>
+          <p:cNvSpPr/>
+          <p:nvPr/>
+        </p:nvSpPr>
+        <p:spPr>
+          <a:xfrm>
+            <a:off x="4527451" y="322011"/>
+            <a:ext cx="2398541" cy="1039730"/>
+          </a:xfrm>
+          <a:prstGeom prst="ellipse">
+            <a:avLst/>
+          </a:prstGeom>
+        </p:spPr>
+        <p:style>
+          <a:lnRef idx="2">
+            <a:schemeClr val="accent1">
+              <a:shade val="50000"/>
+            </a:schemeClr>
+          </a:lnRef>
+          <a:fillRef idx="1">
+            <a:schemeClr val="accent1"/>
+          </a:fillRef>
+          <a:effectRef idx="0">
+            <a:schemeClr val="accent1"/>
+          </a:effectRef>
+          <a:fontRef idx="minor">
+            <a:schemeClr val="lt1"/>
+          </a:fontRef>
+        </p:style>
+        <p:txBody>
+          <a:bodyPr rtlCol="0" anchor="ctr"/>
+          <a:lstStyle/>
+          <a:p>
+            <a:pPr algn="ctr"/>
+            <a:endParaRPr lang="fr-FR"/>
+          </a:p>
+        </p:txBody>
+      </p:sp>
+      <p:sp>
+        <p:nvSpPr>
+          <p:cNvPr id="8" name="ZoneTexte 7">
+            <a:extLst>
+              <a:ext uri="{FF2B5EF4-FFF2-40B4-BE49-F238E27FC236}">
+                <a16:creationId xmlns:a16="http://schemas.microsoft.com/office/drawing/2014/main" id="{7236359F-92D6-46E6-95B5-F74E35ABCFF5}"/>
+              </a:ext>
+            </a:extLst>
+          </p:cNvPr>
+          <p:cNvSpPr txBox="1"/>
+          <p:nvPr/>
+        </p:nvSpPr>
+        <p:spPr>
+          <a:xfrm>
+            <a:off x="4709161" y="656573"/>
+            <a:ext cx="1828800" cy="369332"/>
+          </a:xfrm>
+          <a:prstGeom prst="rect">
+            <a:avLst/>
+          </a:prstGeom>
+          <a:noFill/>
+        </p:spPr>
+        <p:txBody>
+          <a:bodyPr wrap="square" rtlCol="0">
+            <a:spAutoFit/>
+          </a:bodyPr>
+          <a:lstStyle/>
+          <a:p>
+            <a:r>
+              <a:rPr lang="fr-FR" dirty="0"/>
+              <a:t>Initialisation</a:t>
+            </a:r>
+          </a:p>
+        </p:txBody>
+      </p:sp>
+      <p:sp>
+        <p:nvSpPr>
+          <p:cNvPr id="11" name="Ellipse 10">
+            <a:extLst>
+              <a:ext uri="{FF2B5EF4-FFF2-40B4-BE49-F238E27FC236}">
+                <a16:creationId xmlns:a16="http://schemas.microsoft.com/office/drawing/2014/main" id="{26E4B278-0873-4E2C-AE78-B0EAC584D3BB}"/>
+              </a:ext>
+            </a:extLst>
+          </p:cNvPr>
+          <p:cNvSpPr/>
+          <p:nvPr/>
+        </p:nvSpPr>
+        <p:spPr>
+          <a:xfrm>
+            <a:off x="4527452" y="1696303"/>
+            <a:ext cx="2398541" cy="1039730"/>
+          </a:xfrm>
+          <a:prstGeom prst="ellipse">
+            <a:avLst/>
+          </a:prstGeom>
+        </p:spPr>
+        <p:style>
+          <a:lnRef idx="2">
+            <a:schemeClr val="accent1">
+              <a:shade val="50000"/>
+            </a:schemeClr>
+          </a:lnRef>
+          <a:fillRef idx="1">
+            <a:schemeClr val="accent1"/>
+          </a:fillRef>
+          <a:effectRef idx="0">
+            <a:schemeClr val="accent1"/>
+          </a:effectRef>
+          <a:fontRef idx="minor">
+            <a:schemeClr val="lt1"/>
+          </a:fontRef>
+        </p:style>
+        <p:txBody>
+          <a:bodyPr rtlCol="0" anchor="ctr"/>
+          <a:lstStyle/>
+          <a:p>
+            <a:pPr algn="ctr"/>
+            <a:endParaRPr lang="fr-FR"/>
+          </a:p>
+        </p:txBody>
+      </p:sp>
+      <p:sp>
+        <p:nvSpPr>
+          <p:cNvPr id="13" name="Ellipse 12">
+            <a:extLst>
+              <a:ext uri="{FF2B5EF4-FFF2-40B4-BE49-F238E27FC236}">
+                <a16:creationId xmlns:a16="http://schemas.microsoft.com/office/drawing/2014/main" id="{B4731838-F75A-47FE-91A5-A70182779FD7}"/>
+              </a:ext>
+            </a:extLst>
+          </p:cNvPr>
+          <p:cNvSpPr/>
+          <p:nvPr/>
+        </p:nvSpPr>
+        <p:spPr>
+          <a:xfrm>
+            <a:off x="8553314" y="2389270"/>
+            <a:ext cx="2398541" cy="1039730"/>
+          </a:xfrm>
+          <a:prstGeom prst="ellipse">
+            <a:avLst/>
+          </a:prstGeom>
+        </p:spPr>
+        <p:style>
+          <a:lnRef idx="2">
+            <a:schemeClr val="accent1">
+              <a:shade val="50000"/>
+            </a:schemeClr>
+          </a:lnRef>
+          <a:fillRef idx="1">
+            <a:schemeClr val="accent1"/>
+          </a:fillRef>
+          <a:effectRef idx="0">
+            <a:schemeClr val="accent1"/>
+          </a:effectRef>
+          <a:fontRef idx="minor">
+            <a:schemeClr val="lt1"/>
+          </a:fontRef>
+        </p:style>
+        <p:txBody>
+          <a:bodyPr rtlCol="0" anchor="ctr"/>
+          <a:lstStyle/>
+          <a:p>
+            <a:pPr algn="ctr"/>
+            <a:endParaRPr lang="fr-FR"/>
+          </a:p>
+        </p:txBody>
+      </p:sp>
+      <p:sp>
+        <p:nvSpPr>
+          <p:cNvPr id="14" name="ZoneTexte 13">
+            <a:extLst>
+              <a:ext uri="{FF2B5EF4-FFF2-40B4-BE49-F238E27FC236}">
+                <a16:creationId xmlns:a16="http://schemas.microsoft.com/office/drawing/2014/main" id="{502A3517-689A-4EA6-93D8-7C074C80484B}"/>
+              </a:ext>
+            </a:extLst>
+          </p:cNvPr>
+          <p:cNvSpPr txBox="1"/>
+          <p:nvPr/>
+        </p:nvSpPr>
+        <p:spPr>
+          <a:xfrm>
+            <a:off x="8834511" y="2736033"/>
+            <a:ext cx="1980028" cy="369332"/>
+          </a:xfrm>
+          <a:prstGeom prst="rect">
+            <a:avLst/>
+          </a:prstGeom>
+          <a:noFill/>
+        </p:spPr>
+        <p:txBody>
+          <a:bodyPr wrap="square" rtlCol="0">
+            <a:spAutoFit/>
+          </a:bodyPr>
+          <a:lstStyle/>
+          <a:p>
+            <a:r>
+              <a:rPr lang="fr-FR" dirty="0"/>
+              <a:t>Lancement du jeu</a:t>
+            </a:r>
+          </a:p>
+        </p:txBody>
+      </p:sp>
+      <p:sp>
+        <p:nvSpPr>
+          <p:cNvPr id="10" name="ZoneTexte 9">
+            <a:extLst>
+              <a:ext uri="{FF2B5EF4-FFF2-40B4-BE49-F238E27FC236}">
+                <a16:creationId xmlns:a16="http://schemas.microsoft.com/office/drawing/2014/main" id="{4F62BE47-DD6A-4063-A0E1-9DD74FF38E25}"/>
+              </a:ext>
+            </a:extLst>
+          </p:cNvPr>
+          <p:cNvSpPr txBox="1"/>
+          <p:nvPr/>
+        </p:nvSpPr>
+        <p:spPr>
+          <a:xfrm>
+            <a:off x="4812322" y="2031502"/>
+            <a:ext cx="1828800" cy="369332"/>
+          </a:xfrm>
+          <a:prstGeom prst="rect">
+            <a:avLst/>
+          </a:prstGeom>
+          <a:noFill/>
+        </p:spPr>
+        <p:txBody>
+          <a:bodyPr wrap="square" rtlCol="0">
+            <a:spAutoFit/>
+          </a:bodyPr>
+          <a:lstStyle/>
+          <a:p>
+            <a:r>
+              <a:rPr lang="fr-FR" dirty="0"/>
+              <a:t>Menu de départ</a:t>
+            </a:r>
+          </a:p>
+        </p:txBody>
+      </p:sp>
+      <p:sp>
+        <p:nvSpPr>
+          <p:cNvPr id="15" name="Ellipse 14">
+            <a:extLst>
+              <a:ext uri="{FF2B5EF4-FFF2-40B4-BE49-F238E27FC236}">
+                <a16:creationId xmlns:a16="http://schemas.microsoft.com/office/drawing/2014/main" id="{E013B815-9821-4D86-BF53-D24D9D4B4F1C}"/>
+              </a:ext>
+            </a:extLst>
+          </p:cNvPr>
+          <p:cNvSpPr/>
+          <p:nvPr/>
+        </p:nvSpPr>
+        <p:spPr>
+          <a:xfrm>
+            <a:off x="4527451" y="2967818"/>
+            <a:ext cx="2398541" cy="1039730"/>
+          </a:xfrm>
+          <a:prstGeom prst="ellipse">
+            <a:avLst/>
+          </a:prstGeom>
+        </p:spPr>
+        <p:style>
+          <a:lnRef idx="2">
+            <a:schemeClr val="accent1">
+              <a:shade val="50000"/>
+            </a:schemeClr>
+          </a:lnRef>
+          <a:fillRef idx="1">
+            <a:schemeClr val="accent1"/>
+          </a:fillRef>
+          <a:effectRef idx="0">
+            <a:schemeClr val="accent1"/>
+          </a:effectRef>
+          <a:fontRef idx="minor">
+            <a:schemeClr val="lt1"/>
+          </a:fontRef>
+        </p:style>
+        <p:txBody>
+          <a:bodyPr rtlCol="0" anchor="ctr"/>
+          <a:lstStyle/>
+          <a:p>
+            <a:pPr algn="ctr"/>
+            <a:endParaRPr lang="fr-FR"/>
+          </a:p>
+        </p:txBody>
+      </p:sp>
+      <p:sp>
+        <p:nvSpPr>
+          <p:cNvPr id="16" name="ZoneTexte 15">
+            <a:extLst>
+              <a:ext uri="{FF2B5EF4-FFF2-40B4-BE49-F238E27FC236}">
+                <a16:creationId xmlns:a16="http://schemas.microsoft.com/office/drawing/2014/main" id="{A5E43C35-2562-44BC-863D-AAA645CC6078}"/>
+              </a:ext>
+            </a:extLst>
+          </p:cNvPr>
+          <p:cNvSpPr txBox="1"/>
+          <p:nvPr/>
+        </p:nvSpPr>
+        <p:spPr>
+          <a:xfrm>
+            <a:off x="4576847" y="3312941"/>
+            <a:ext cx="2398540" cy="369332"/>
+          </a:xfrm>
+          <a:prstGeom prst="rect">
+            <a:avLst/>
+          </a:prstGeom>
+          <a:noFill/>
+        </p:spPr>
+        <p:txBody>
+          <a:bodyPr wrap="square" rtlCol="0">
+            <a:spAutoFit/>
+          </a:bodyPr>
+          <a:lstStyle/>
+          <a:p>
+            <a:r>
+              <a:rPr lang="fr-FR" dirty="0"/>
+              <a:t>Test réseau (</a:t>
+            </a:r>
+            <a:r>
+              <a:rPr lang="fr-FR" dirty="0" err="1"/>
+              <a:t>bluetooth</a:t>
+            </a:r>
+            <a:r>
+              <a:rPr lang="fr-FR" dirty="0"/>
+              <a:t>)</a:t>
+            </a:r>
+          </a:p>
+        </p:txBody>
+      </p:sp>
+      <p:sp>
+        <p:nvSpPr>
+          <p:cNvPr id="17" name="Ellipse 16">
+            <a:extLst>
+              <a:ext uri="{FF2B5EF4-FFF2-40B4-BE49-F238E27FC236}">
+                <a16:creationId xmlns:a16="http://schemas.microsoft.com/office/drawing/2014/main" id="{5159115B-6284-4C04-B195-E356015F6729}"/>
+              </a:ext>
+            </a:extLst>
+          </p:cNvPr>
+          <p:cNvSpPr/>
+          <p:nvPr/>
+        </p:nvSpPr>
+        <p:spPr>
+          <a:xfrm>
+            <a:off x="1292040" y="2909135"/>
+            <a:ext cx="2398541" cy="1039730"/>
+          </a:xfrm>
+          <a:prstGeom prst="ellipse">
+            <a:avLst/>
+          </a:prstGeom>
+        </p:spPr>
+        <p:style>
+          <a:lnRef idx="2">
+            <a:schemeClr val="accent1">
+              <a:shade val="50000"/>
+            </a:schemeClr>
+          </a:lnRef>
+          <a:fillRef idx="1">
+            <a:schemeClr val="accent1"/>
+          </a:fillRef>
+          <a:effectRef idx="0">
+            <a:schemeClr val="accent1"/>
+          </a:effectRef>
+          <a:fontRef idx="minor">
+            <a:schemeClr val="lt1"/>
+          </a:fontRef>
+        </p:style>
+        <p:txBody>
+          <a:bodyPr rtlCol="0" anchor="ctr"/>
+          <a:lstStyle/>
+          <a:p>
+            <a:pPr algn="ctr"/>
+            <a:endParaRPr lang="fr-FR"/>
+          </a:p>
+        </p:txBody>
+      </p:sp>
+      <p:sp>
+        <p:nvSpPr>
+          <p:cNvPr id="18" name="ZoneTexte 17">
+            <a:extLst>
+              <a:ext uri="{FF2B5EF4-FFF2-40B4-BE49-F238E27FC236}">
+                <a16:creationId xmlns:a16="http://schemas.microsoft.com/office/drawing/2014/main" id="{3B766FBB-00C3-40C3-90E6-1FC69E7F3FCD}"/>
+              </a:ext>
+            </a:extLst>
+          </p:cNvPr>
+          <p:cNvSpPr txBox="1"/>
+          <p:nvPr/>
+        </p:nvSpPr>
+        <p:spPr>
+          <a:xfrm>
+            <a:off x="1710124" y="3174441"/>
+            <a:ext cx="1980028" cy="646331"/>
+          </a:xfrm>
+          <a:prstGeom prst="rect">
+            <a:avLst/>
+          </a:prstGeom>
+          <a:noFill/>
+        </p:spPr>
+        <p:txBody>
+          <a:bodyPr wrap="square" rtlCol="0">
+            <a:spAutoFit/>
+          </a:bodyPr>
+          <a:lstStyle/>
+          <a:p>
+            <a:r>
+              <a:rPr lang="fr-FR" dirty="0"/>
+              <a:t>Affichage des mentions</a:t>
+            </a:r>
+          </a:p>
+        </p:txBody>
+      </p:sp>
+      <p:sp>
+        <p:nvSpPr>
+          <p:cNvPr id="19" name="Ellipse 18">
+            <a:extLst>
+              <a:ext uri="{FF2B5EF4-FFF2-40B4-BE49-F238E27FC236}">
+                <a16:creationId xmlns:a16="http://schemas.microsoft.com/office/drawing/2014/main" id="{A2D50D86-4FBC-40C5-9533-9D82B2340FF7}"/>
+              </a:ext>
+            </a:extLst>
+          </p:cNvPr>
+          <p:cNvSpPr/>
+          <p:nvPr/>
+        </p:nvSpPr>
+        <p:spPr>
+          <a:xfrm>
+            <a:off x="8553314" y="3682273"/>
+            <a:ext cx="2398541" cy="1039730"/>
+          </a:xfrm>
+          <a:prstGeom prst="ellipse">
+            <a:avLst/>
+          </a:prstGeom>
+        </p:spPr>
+        <p:style>
+          <a:lnRef idx="2">
+            <a:schemeClr val="accent1">
+              <a:shade val="50000"/>
+            </a:schemeClr>
+          </a:lnRef>
+          <a:fillRef idx="1">
+            <a:schemeClr val="accent1"/>
+          </a:fillRef>
+          <a:effectRef idx="0">
+            <a:schemeClr val="accent1"/>
+          </a:effectRef>
+          <a:fontRef idx="minor">
+            <a:schemeClr val="lt1"/>
+          </a:fontRef>
+        </p:style>
+        <p:txBody>
+          <a:bodyPr rtlCol="0" anchor="ctr"/>
+          <a:lstStyle/>
+          <a:p>
+            <a:pPr algn="ctr"/>
+            <a:endParaRPr lang="fr-FR"/>
+          </a:p>
+        </p:txBody>
+      </p:sp>
+      <p:sp>
+        <p:nvSpPr>
+          <p:cNvPr id="20" name="ZoneTexte 19">
+            <a:extLst>
+              <a:ext uri="{FF2B5EF4-FFF2-40B4-BE49-F238E27FC236}">
+                <a16:creationId xmlns:a16="http://schemas.microsoft.com/office/drawing/2014/main" id="{893B2B79-F8C4-4A8D-9965-6BCF32D4E26B}"/>
+              </a:ext>
+            </a:extLst>
+          </p:cNvPr>
+          <p:cNvSpPr txBox="1"/>
+          <p:nvPr/>
+        </p:nvSpPr>
+        <p:spPr>
+          <a:xfrm>
+            <a:off x="8919932" y="3948865"/>
+            <a:ext cx="1980028" cy="646331"/>
+          </a:xfrm>
+          <a:prstGeom prst="rect">
+            <a:avLst/>
+          </a:prstGeom>
+          <a:noFill/>
+        </p:spPr>
+        <p:txBody>
+          <a:bodyPr wrap="square" rtlCol="0">
+            <a:spAutoFit/>
+          </a:bodyPr>
+          <a:lstStyle/>
+          <a:p>
+            <a:r>
+              <a:rPr lang="fr-FR" dirty="0"/>
+              <a:t>Sélection du mode de jeu</a:t>
+            </a:r>
+          </a:p>
+        </p:txBody>
+      </p:sp>
+      <p:sp>
+        <p:nvSpPr>
+          <p:cNvPr id="21" name="Ellipse 20">
+            <a:extLst>
+              <a:ext uri="{FF2B5EF4-FFF2-40B4-BE49-F238E27FC236}">
+                <a16:creationId xmlns:a16="http://schemas.microsoft.com/office/drawing/2014/main" id="{DC610DAF-151F-4C71-AB94-E501D9CB60B9}"/>
+              </a:ext>
+            </a:extLst>
+          </p:cNvPr>
+          <p:cNvSpPr/>
+          <p:nvPr/>
+        </p:nvSpPr>
+        <p:spPr>
+          <a:xfrm>
+            <a:off x="8553314" y="5007751"/>
+            <a:ext cx="2398541" cy="1039730"/>
+          </a:xfrm>
+          <a:prstGeom prst="ellipse">
+            <a:avLst/>
+          </a:prstGeom>
+        </p:spPr>
+        <p:style>
+          <a:lnRef idx="2">
+            <a:schemeClr val="accent1">
+              <a:shade val="50000"/>
+            </a:schemeClr>
+          </a:lnRef>
+          <a:fillRef idx="1">
+            <a:schemeClr val="accent1"/>
+          </a:fillRef>
+          <a:effectRef idx="0">
+            <a:schemeClr val="accent1"/>
+          </a:effectRef>
+          <a:fontRef idx="minor">
+            <a:schemeClr val="lt1"/>
+          </a:fontRef>
+        </p:style>
+        <p:txBody>
+          <a:bodyPr rtlCol="0" anchor="ctr"/>
+          <a:lstStyle/>
+          <a:p>
+            <a:pPr algn="ctr"/>
+            <a:endParaRPr lang="fr-FR"/>
+          </a:p>
+        </p:txBody>
+      </p:sp>
+      <p:sp>
+        <p:nvSpPr>
+          <p:cNvPr id="22" name="ZoneTexte 21">
+            <a:extLst>
+              <a:ext uri="{FF2B5EF4-FFF2-40B4-BE49-F238E27FC236}">
+                <a16:creationId xmlns:a16="http://schemas.microsoft.com/office/drawing/2014/main" id="{A1825761-7643-4B91-8A9F-6F9ECA54A359}"/>
+              </a:ext>
+            </a:extLst>
+          </p:cNvPr>
+          <p:cNvSpPr txBox="1"/>
+          <p:nvPr/>
+        </p:nvSpPr>
+        <p:spPr>
+          <a:xfrm>
+            <a:off x="9247410" y="5342950"/>
+            <a:ext cx="1980028" cy="369332"/>
+          </a:xfrm>
+          <a:prstGeom prst="rect">
+            <a:avLst/>
+          </a:prstGeom>
+          <a:noFill/>
+        </p:spPr>
+        <p:txBody>
+          <a:bodyPr wrap="square" rtlCol="0">
+            <a:spAutoFit/>
+          </a:bodyPr>
+          <a:lstStyle/>
+          <a:p>
+            <a:r>
+              <a:rPr lang="fr-FR" dirty="0"/>
+              <a:t>Le jeu</a:t>
+            </a:r>
+          </a:p>
+        </p:txBody>
+      </p:sp>
+      <p:sp>
+        <p:nvSpPr>
+          <p:cNvPr id="23" name="Ellipse 22">
+            <a:extLst>
+              <a:ext uri="{FF2B5EF4-FFF2-40B4-BE49-F238E27FC236}">
+                <a16:creationId xmlns:a16="http://schemas.microsoft.com/office/drawing/2014/main" id="{F8409A3A-8521-4D83-8AD9-BF6287E66427}"/>
+              </a:ext>
+            </a:extLst>
+          </p:cNvPr>
+          <p:cNvSpPr/>
+          <p:nvPr/>
+        </p:nvSpPr>
+        <p:spPr>
+          <a:xfrm>
+            <a:off x="0" y="288894"/>
+            <a:ext cx="3348112" cy="1258624"/>
+          </a:xfrm>
+          <a:prstGeom prst="ellipse">
+            <a:avLst/>
+          </a:prstGeom>
+        </p:spPr>
+        <p:style>
+          <a:lnRef idx="2">
+            <a:schemeClr val="accent1">
+              <a:shade val="50000"/>
+            </a:schemeClr>
+          </a:lnRef>
+          <a:fillRef idx="1">
+            <a:schemeClr val="accent1"/>
+          </a:fillRef>
+          <a:effectRef idx="0">
+            <a:schemeClr val="accent1"/>
+          </a:effectRef>
+          <a:fontRef idx="minor">
+            <a:schemeClr val="lt1"/>
+          </a:fontRef>
+        </p:style>
+        <p:txBody>
+          <a:bodyPr rtlCol="0" anchor="ctr"/>
+          <a:lstStyle/>
+          <a:p>
+            <a:pPr algn="ctr"/>
+            <a:endParaRPr lang="fr-FR"/>
+          </a:p>
+        </p:txBody>
+      </p:sp>
+      <p:sp>
+        <p:nvSpPr>
+          <p:cNvPr id="25" name="Ellipse 24">
+            <a:extLst>
+              <a:ext uri="{FF2B5EF4-FFF2-40B4-BE49-F238E27FC236}">
+                <a16:creationId xmlns:a16="http://schemas.microsoft.com/office/drawing/2014/main" id="{8AA7BFE3-AAA0-4224-8F19-EBE0F909CD61}"/>
+              </a:ext>
+            </a:extLst>
+          </p:cNvPr>
+          <p:cNvSpPr/>
+          <p:nvPr/>
+        </p:nvSpPr>
+        <p:spPr>
+          <a:xfrm>
+            <a:off x="4832252" y="4942803"/>
+            <a:ext cx="3348112" cy="1258624"/>
+          </a:xfrm>
+          <a:prstGeom prst="ellipse">
+            <a:avLst/>
+          </a:prstGeom>
+        </p:spPr>
+        <p:style>
+          <a:lnRef idx="2">
+            <a:schemeClr val="accent1">
+              <a:shade val="50000"/>
+            </a:schemeClr>
+          </a:lnRef>
+          <a:fillRef idx="1">
+            <a:schemeClr val="accent1"/>
+          </a:fillRef>
+          <a:effectRef idx="0">
+            <a:schemeClr val="accent1"/>
+          </a:effectRef>
+          <a:fontRef idx="minor">
+            <a:schemeClr val="lt1"/>
+          </a:fontRef>
+        </p:style>
+        <p:txBody>
+          <a:bodyPr rtlCol="0" anchor="ctr"/>
+          <a:lstStyle/>
+          <a:p>
+            <a:pPr algn="ctr"/>
+            <a:endParaRPr lang="fr-FR"/>
+          </a:p>
+        </p:txBody>
+      </p:sp>
+      <p:sp>
+        <p:nvSpPr>
+          <p:cNvPr id="26" name="ZoneTexte 25">
+            <a:extLst>
+              <a:ext uri="{FF2B5EF4-FFF2-40B4-BE49-F238E27FC236}">
+                <a16:creationId xmlns:a16="http://schemas.microsoft.com/office/drawing/2014/main" id="{3C027683-18CA-421A-9163-74A7151E6E83}"/>
+              </a:ext>
+            </a:extLst>
+          </p:cNvPr>
+          <p:cNvSpPr txBox="1"/>
+          <p:nvPr/>
+        </p:nvSpPr>
+        <p:spPr>
+          <a:xfrm>
+            <a:off x="5162844" y="5342950"/>
+            <a:ext cx="3017520" cy="369332"/>
+          </a:xfrm>
+          <a:prstGeom prst="rect">
+            <a:avLst/>
+          </a:prstGeom>
+          <a:noFill/>
+        </p:spPr>
+        <p:txBody>
+          <a:bodyPr wrap="square" rtlCol="0">
+            <a:spAutoFit/>
+          </a:bodyPr>
+          <a:lstStyle/>
+          <a:p>
+            <a:r>
+              <a:rPr lang="fr-FR" dirty="0" err="1"/>
+              <a:t>Timer</a:t>
+            </a:r>
+            <a:r>
+              <a:rPr lang="fr-FR" dirty="0"/>
+              <a:t> 1 de gestion du son</a:t>
+            </a:r>
+          </a:p>
+        </p:txBody>
+      </p:sp>
+      <p:sp>
+        <p:nvSpPr>
+          <p:cNvPr id="27" name="Ellipse 26">
+            <a:extLst>
+              <a:ext uri="{FF2B5EF4-FFF2-40B4-BE49-F238E27FC236}">
+                <a16:creationId xmlns:a16="http://schemas.microsoft.com/office/drawing/2014/main" id="{131DDEB3-BDCA-49B3-92FC-4EC7CFAB1B96}"/>
+              </a:ext>
+            </a:extLst>
+          </p:cNvPr>
+          <p:cNvSpPr/>
+          <p:nvPr/>
+        </p:nvSpPr>
+        <p:spPr>
+          <a:xfrm>
+            <a:off x="765358" y="4904358"/>
+            <a:ext cx="3348112" cy="1258624"/>
+          </a:xfrm>
+          <a:prstGeom prst="ellipse">
+            <a:avLst/>
+          </a:prstGeom>
+        </p:spPr>
+        <p:style>
+          <a:lnRef idx="2">
+            <a:schemeClr val="accent1">
+              <a:shade val="50000"/>
+            </a:schemeClr>
+          </a:lnRef>
+          <a:fillRef idx="1">
+            <a:schemeClr val="accent1"/>
+          </a:fillRef>
+          <a:effectRef idx="0">
+            <a:schemeClr val="accent1"/>
+          </a:effectRef>
+          <a:fontRef idx="minor">
+            <a:schemeClr val="lt1"/>
+          </a:fontRef>
+        </p:style>
+        <p:txBody>
+          <a:bodyPr rtlCol="0" anchor="ctr"/>
+          <a:lstStyle/>
+          <a:p>
+            <a:pPr algn="ctr"/>
+            <a:endParaRPr lang="fr-FR"/>
+          </a:p>
+        </p:txBody>
+      </p:sp>
+      <p:sp>
+        <p:nvSpPr>
+          <p:cNvPr id="28" name="ZoneTexte 27">
+            <a:extLst>
+              <a:ext uri="{FF2B5EF4-FFF2-40B4-BE49-F238E27FC236}">
+                <a16:creationId xmlns:a16="http://schemas.microsoft.com/office/drawing/2014/main" id="{98E13859-0A7B-46AB-A0C3-EC147EDC79D8}"/>
+              </a:ext>
+            </a:extLst>
+          </p:cNvPr>
+          <p:cNvSpPr txBox="1"/>
+          <p:nvPr/>
+        </p:nvSpPr>
+        <p:spPr>
+          <a:xfrm>
+            <a:off x="1209001" y="5188377"/>
+            <a:ext cx="2904469" cy="646331"/>
+          </a:xfrm>
+          <a:prstGeom prst="rect">
+            <a:avLst/>
+          </a:prstGeom>
+          <a:noFill/>
+        </p:spPr>
+        <p:txBody>
+          <a:bodyPr wrap="square" rtlCol="0">
+            <a:spAutoFit/>
+          </a:bodyPr>
+          <a:lstStyle/>
+          <a:p>
+            <a:r>
+              <a:rPr lang="fr-FR" dirty="0" err="1"/>
+              <a:t>Timer</a:t>
+            </a:r>
+            <a:r>
+              <a:rPr lang="fr-FR" dirty="0"/>
+              <a:t> O de clignotement de la position du personnage</a:t>
+            </a:r>
+          </a:p>
+        </p:txBody>
+      </p:sp>
+      <p:sp>
+        <p:nvSpPr>
+          <p:cNvPr id="29" name="ZoneTexte 28">
+            <a:extLst>
+              <a:ext uri="{FF2B5EF4-FFF2-40B4-BE49-F238E27FC236}">
+                <a16:creationId xmlns:a16="http://schemas.microsoft.com/office/drawing/2014/main" id="{D95E0899-58FD-4BD2-BECB-B0D99FB8A855}"/>
+              </a:ext>
+            </a:extLst>
+          </p:cNvPr>
+          <p:cNvSpPr txBox="1"/>
+          <p:nvPr/>
+        </p:nvSpPr>
+        <p:spPr>
+          <a:xfrm>
+            <a:off x="491861" y="733540"/>
+            <a:ext cx="3017520" cy="369332"/>
+          </a:xfrm>
+          <a:prstGeom prst="rect">
+            <a:avLst/>
+          </a:prstGeom>
+          <a:noFill/>
+        </p:spPr>
+        <p:txBody>
+          <a:bodyPr wrap="square" rtlCol="0">
+            <a:spAutoFit/>
+          </a:bodyPr>
+          <a:lstStyle/>
+          <a:p>
+            <a:r>
+              <a:rPr lang="fr-FR" dirty="0"/>
+              <a:t>Réception en UART</a:t>
+            </a:r>
+          </a:p>
+        </p:txBody>
+      </p:sp>
+      <p:cxnSp>
+        <p:nvCxnSpPr>
+          <p:cNvPr id="31" name="Connecteur droit avec flèche 30">
+            <a:extLst>
+              <a:ext uri="{FF2B5EF4-FFF2-40B4-BE49-F238E27FC236}">
+                <a16:creationId xmlns:a16="http://schemas.microsoft.com/office/drawing/2014/main" id="{8A43F36C-BFA5-4154-B4E4-493231719845}"/>
+              </a:ext>
+            </a:extLst>
+          </p:cNvPr>
+          <p:cNvCxnSpPr>
+            <a:stCxn id="5" idx="4"/>
+            <a:endCxn id="11" idx="0"/>
+          </p:cNvCxnSpPr>
+          <p:nvPr/>
+        </p:nvCxnSpPr>
+        <p:spPr>
+          <a:xfrm>
+            <a:off x="5726722" y="1361741"/>
+            <a:ext cx="1" cy="334562"/>
+          </a:xfrm>
+          <a:prstGeom prst="straightConnector1">
+            <a:avLst/>
+          </a:prstGeom>
+          <a:ln>
+            <a:tailEnd type="triangle"/>
+          </a:ln>
+        </p:spPr>
+        <p:style>
+          <a:lnRef idx="1">
+            <a:schemeClr val="accent1"/>
+          </a:lnRef>
+          <a:fillRef idx="0">
+            <a:schemeClr val="accent1"/>
+          </a:fillRef>
+          <a:effectRef idx="0">
+            <a:schemeClr val="accent1"/>
+          </a:effectRef>
+          <a:fontRef idx="minor">
+            <a:schemeClr val="tx1"/>
+          </a:fontRef>
+        </p:style>
+      </p:cxnSp>
+      <p:cxnSp>
+        <p:nvCxnSpPr>
+          <p:cNvPr id="32" name="Connecteur droit avec flèche 31">
+            <a:extLst>
+              <a:ext uri="{FF2B5EF4-FFF2-40B4-BE49-F238E27FC236}">
+                <a16:creationId xmlns:a16="http://schemas.microsoft.com/office/drawing/2014/main" id="{4968FFE2-91E2-472A-9CCB-0BA02B04DB3A}"/>
+              </a:ext>
+            </a:extLst>
+          </p:cNvPr>
+          <p:cNvCxnSpPr>
+            <a:cxnSpLocks/>
+            <a:stCxn id="11" idx="4"/>
+            <a:endCxn id="15" idx="0"/>
+          </p:cNvCxnSpPr>
+          <p:nvPr/>
+        </p:nvCxnSpPr>
+        <p:spPr>
+          <a:xfrm flipH="1">
+            <a:off x="5726722" y="2736033"/>
+            <a:ext cx="1" cy="231785"/>
+          </a:xfrm>
+          <a:prstGeom prst="straightConnector1">
+            <a:avLst/>
+          </a:prstGeom>
+          <a:ln>
+            <a:tailEnd type="triangle"/>
+          </a:ln>
+        </p:spPr>
+        <p:style>
+          <a:lnRef idx="1">
+            <a:schemeClr val="accent1"/>
+          </a:lnRef>
+          <a:fillRef idx="0">
+            <a:schemeClr val="accent1"/>
+          </a:fillRef>
+          <a:effectRef idx="0">
+            <a:schemeClr val="accent1"/>
+          </a:effectRef>
+          <a:fontRef idx="minor">
+            <a:schemeClr val="tx1"/>
+          </a:fontRef>
+        </p:style>
+      </p:cxnSp>
+      <p:cxnSp>
+        <p:nvCxnSpPr>
+          <p:cNvPr id="34" name="Connecteur droit avec flèche 33">
+            <a:extLst>
+              <a:ext uri="{FF2B5EF4-FFF2-40B4-BE49-F238E27FC236}">
+                <a16:creationId xmlns:a16="http://schemas.microsoft.com/office/drawing/2014/main" id="{9BBC79CF-D636-4D7E-AC5D-82C70D05774D}"/>
+              </a:ext>
+            </a:extLst>
+          </p:cNvPr>
+          <p:cNvCxnSpPr>
+            <a:cxnSpLocks/>
+            <a:stCxn id="11" idx="6"/>
+            <a:endCxn id="13" idx="2"/>
+          </p:cNvCxnSpPr>
+          <p:nvPr/>
+        </p:nvCxnSpPr>
+        <p:spPr>
+          <a:xfrm>
+            <a:off x="6925993" y="2216168"/>
+            <a:ext cx="1627321" cy="692967"/>
+          </a:xfrm>
+          <a:prstGeom prst="straightConnector1">
+            <a:avLst/>
+          </a:prstGeom>
+          <a:ln>
+            <a:tailEnd type="triangle"/>
+          </a:ln>
+        </p:spPr>
+        <p:style>
+          <a:lnRef idx="1">
+            <a:schemeClr val="accent1"/>
+          </a:lnRef>
+          <a:fillRef idx="0">
+            <a:schemeClr val="accent1"/>
+          </a:fillRef>
+          <a:effectRef idx="0">
+            <a:schemeClr val="accent1"/>
+          </a:effectRef>
+          <a:fontRef idx="minor">
+            <a:schemeClr val="tx1"/>
+          </a:fontRef>
+        </p:style>
+      </p:cxnSp>
+      <p:cxnSp>
+        <p:nvCxnSpPr>
+          <p:cNvPr id="36" name="Connecteur droit avec flèche 35">
+            <a:extLst>
+              <a:ext uri="{FF2B5EF4-FFF2-40B4-BE49-F238E27FC236}">
+                <a16:creationId xmlns:a16="http://schemas.microsoft.com/office/drawing/2014/main" id="{45281957-5431-40F4-9577-7543D5E70AA5}"/>
+              </a:ext>
+            </a:extLst>
+          </p:cNvPr>
+          <p:cNvCxnSpPr>
+            <a:cxnSpLocks/>
+            <a:stCxn id="11" idx="2"/>
+            <a:endCxn id="17" idx="0"/>
+          </p:cNvCxnSpPr>
+          <p:nvPr/>
+        </p:nvCxnSpPr>
+        <p:spPr>
+          <a:xfrm flipH="1">
+            <a:off x="2491311" y="2216168"/>
+            <a:ext cx="2036141" cy="692967"/>
+          </a:xfrm>
+          <a:prstGeom prst="straightConnector1">
+            <a:avLst/>
+          </a:prstGeom>
+          <a:ln>
+            <a:tailEnd type="triangle"/>
+          </a:ln>
+        </p:spPr>
+        <p:style>
+          <a:lnRef idx="1">
+            <a:schemeClr val="accent1"/>
+          </a:lnRef>
+          <a:fillRef idx="0">
+            <a:schemeClr val="accent1"/>
+          </a:fillRef>
+          <a:effectRef idx="0">
+            <a:schemeClr val="accent1"/>
+          </a:effectRef>
+          <a:fontRef idx="minor">
+            <a:schemeClr val="tx1"/>
+          </a:fontRef>
+        </p:style>
+      </p:cxnSp>
+      <p:cxnSp>
+        <p:nvCxnSpPr>
+          <p:cNvPr id="38" name="Connecteur droit avec flèche 37">
+            <a:extLst>
+              <a:ext uri="{FF2B5EF4-FFF2-40B4-BE49-F238E27FC236}">
+                <a16:creationId xmlns:a16="http://schemas.microsoft.com/office/drawing/2014/main" id="{90AEC428-EEC8-4BEE-A84C-E72FD6891F67}"/>
+              </a:ext>
+            </a:extLst>
+          </p:cNvPr>
+          <p:cNvCxnSpPr>
+            <a:cxnSpLocks/>
+            <a:stCxn id="13" idx="4"/>
+            <a:endCxn id="19" idx="0"/>
+          </p:cNvCxnSpPr>
+          <p:nvPr/>
+        </p:nvCxnSpPr>
+        <p:spPr>
+          <a:xfrm>
+            <a:off x="9752585" y="3429000"/>
+            <a:ext cx="0" cy="253273"/>
+          </a:xfrm>
+          <a:prstGeom prst="straightConnector1">
+            <a:avLst/>
+          </a:prstGeom>
+          <a:ln>
+            <a:tailEnd type="triangle"/>
+          </a:ln>
+        </p:spPr>
+        <p:style>
+          <a:lnRef idx="1">
+            <a:schemeClr val="accent1"/>
+          </a:lnRef>
+          <a:fillRef idx="0">
+            <a:schemeClr val="accent1"/>
+          </a:fillRef>
+          <a:effectRef idx="0">
+            <a:schemeClr val="accent1"/>
+          </a:effectRef>
+          <a:fontRef idx="minor">
+            <a:schemeClr val="tx1"/>
+          </a:fontRef>
+        </p:style>
+      </p:cxnSp>
+      <p:cxnSp>
+        <p:nvCxnSpPr>
+          <p:cNvPr id="47" name="Connecteur droit avec flèche 46">
+            <a:extLst>
+              <a:ext uri="{FF2B5EF4-FFF2-40B4-BE49-F238E27FC236}">
+                <a16:creationId xmlns:a16="http://schemas.microsoft.com/office/drawing/2014/main" id="{FA133A35-A8F2-4990-AB3A-AEF2CDC89B7C}"/>
+              </a:ext>
+            </a:extLst>
+          </p:cNvPr>
+          <p:cNvCxnSpPr>
+            <a:cxnSpLocks/>
+            <a:stCxn id="19" idx="4"/>
+            <a:endCxn id="21" idx="0"/>
+          </p:cNvCxnSpPr>
+          <p:nvPr/>
+        </p:nvCxnSpPr>
+        <p:spPr>
+          <a:xfrm>
+            <a:off x="9752585" y="4722003"/>
+            <a:ext cx="0" cy="285748"/>
+          </a:xfrm>
+          <a:prstGeom prst="straightConnector1">
+            <a:avLst/>
+          </a:prstGeom>
+          <a:ln>
+            <a:tailEnd type="triangle"/>
+          </a:ln>
+        </p:spPr>
+        <p:style>
+          <a:lnRef idx="1">
+            <a:schemeClr val="accent1"/>
+          </a:lnRef>
+          <a:fillRef idx="0">
+            <a:schemeClr val="accent1"/>
+          </a:fillRef>
+          <a:effectRef idx="0">
+            <a:schemeClr val="accent1"/>
+          </a:effectRef>
+          <a:fontRef idx="minor">
+            <a:schemeClr val="tx1"/>
+          </a:fontRef>
+        </p:style>
+      </p:cxnSp>
+    </p:spTree>
+    <p:extLst>
+      <p:ext uri="{BB962C8B-B14F-4D97-AF65-F5344CB8AC3E}">
+        <p14:creationId xmlns:p14="http://schemas.microsoft.com/office/powerpoint/2010/main" val="3869229130"/>
+      </p:ext>
+    </p:extLst>
+  </p:cSld>
+  <p:clrMapOvr>
+    <a:masterClrMapping/>
+  </p:clrMapOvr>
+</p:sld>
+</file>
+
+<file path=ppt/slides/slide8.xml><?xml version="1.0" encoding="utf-8"?>
+<p:sld xmlns:a="http://schemas.openxmlformats.org/drawingml/2006/main" xmlns:r="http://schemas.openxmlformats.org/officeDocument/2006/relationships" xmlns:p="http://schemas.openxmlformats.org/presentationml/2006/main">
+  <p:cSld>
+    <p:spTree>
+      <p:nvGrpSpPr>
+        <p:cNvPr id="1" name=""/>
+        <p:cNvGrpSpPr/>
+        <p:nvPr/>
+      </p:nvGrpSpPr>
+      <p:grpSpPr>
+        <a:xfrm>
+          <a:off x="0" y="0"/>
+          <a:ext cx="0" cy="0"/>
+          <a:chOff x="0" y="0"/>
+          <a:chExt cx="0" cy="0"/>
+        </a:xfrm>
+      </p:grpSpPr>
+      <p:sp>
+        <p:nvSpPr>
           <p:cNvPr id="5" name="Espace réservé du numéro de diapositive 5">
             <a:extLst>
               <a:ext uri="{FF2B5EF4-FFF2-40B4-BE49-F238E27FC236}">
@@ -8952,7 +10409,7 @@
           <a:p>
             <a:fld id="{B2DC25EE-239B-4C5F-AAD1-255A7D5F1EE2}" type="slidenum">
               <a:rPr lang="en-US" smtClean="0"/>
-              <a:t>7</a:t>
+              <a:t>8</a:t>
             </a:fld>
             <a:endParaRPr lang="en-US" dirty="0"/>
           </a:p>
@@ -9108,7 +10565,7 @@
 </p:sld>
 </file>
 
-<file path=ppt/slides/slide8.xml><?xml version="1.0" encoding="utf-8"?>
+<file path=ppt/slides/slide9.xml><?xml version="1.0" encoding="utf-8"?>
 <p:sld xmlns:a="http://schemas.openxmlformats.org/drawingml/2006/main" xmlns:r="http://schemas.openxmlformats.org/officeDocument/2006/relationships" xmlns:p="http://schemas.openxmlformats.org/presentationml/2006/main">
   <p:cSld>
     <p:spTree>
@@ -9153,7 +10610,7 @@
           <a:p>
             <a:fld id="{B2DC25EE-239B-4C5F-AAD1-255A7D5F1EE2}" type="slidenum">
               <a:rPr lang="en-US" smtClean="0"/>
-              <a:t>8</a:t>
+              <a:t>9</a:t>
             </a:fld>
             <a:endParaRPr lang="en-US" dirty="0"/>
           </a:p>
@@ -9197,10 +10654,10 @@
       </p:pic>
       <p:pic>
         <p:nvPicPr>
-          <p:cNvPr id="3" name="Image 2">
+          <p:cNvPr id="2" name="Image 1">
             <a:extLst>
               <a:ext uri="{FF2B5EF4-FFF2-40B4-BE49-F238E27FC236}">
-                <a16:creationId xmlns:a16="http://schemas.microsoft.com/office/drawing/2014/main" id="{52294209-ECCA-4A32-B9A1-ACE409DD0A83}"/>
+                <a16:creationId xmlns:a16="http://schemas.microsoft.com/office/drawing/2014/main" id="{300015E0-B5A3-4484-8AE1-BE857F431DDC}"/>
               </a:ext>
             </a:extLst>
           </p:cNvPr>
@@ -9217,8 +10674,8 @@
         </p:blipFill>
         <p:spPr>
           <a:xfrm>
-            <a:off x="174443" y="218049"/>
-            <a:ext cx="10899514" cy="5859750"/>
+            <a:off x="210336" y="321375"/>
+            <a:ext cx="10957077" cy="5831480"/>
           </a:xfrm>
           <a:prstGeom prst="rect">
             <a:avLst/>
@@ -9229,201 +10686,6 @@
     <p:extLst>
       <p:ext uri="{BB962C8B-B14F-4D97-AF65-F5344CB8AC3E}">
         <p14:creationId xmlns:p14="http://schemas.microsoft.com/office/powerpoint/2010/main" val="1929410272"/>
-      </p:ext>
-    </p:extLst>
-  </p:cSld>
-  <p:clrMapOvr>
-    <a:masterClrMapping/>
-  </p:clrMapOvr>
-</p:sld>
-</file>
-
-<file path=ppt/slides/slide9.xml><?xml version="1.0" encoding="utf-8"?>
-<p:sld xmlns:a="http://schemas.openxmlformats.org/drawingml/2006/main" xmlns:r="http://schemas.openxmlformats.org/officeDocument/2006/relationships" xmlns:p="http://schemas.openxmlformats.org/presentationml/2006/main">
-  <p:cSld>
-    <p:spTree>
-      <p:nvGrpSpPr>
-        <p:cNvPr id="1" name=""/>
-        <p:cNvGrpSpPr/>
-        <p:nvPr/>
-      </p:nvGrpSpPr>
-      <p:grpSpPr>
-        <a:xfrm>
-          <a:off x="0" y="0"/>
-          <a:ext cx="0" cy="0"/>
-          <a:chOff x="0" y="0"/>
-          <a:chExt cx="0" cy="0"/>
-        </a:xfrm>
-      </p:grpSpPr>
-      <p:sp>
-        <p:nvSpPr>
-          <p:cNvPr id="2" name="ZoneTexte 1">
-            <a:extLst>
-              <a:ext uri="{FF2B5EF4-FFF2-40B4-BE49-F238E27FC236}">
-                <a16:creationId xmlns:a16="http://schemas.microsoft.com/office/drawing/2014/main" id="{C579E51F-ED8D-40F8-80A6-0ECFD9F42C70}"/>
-              </a:ext>
-            </a:extLst>
-          </p:cNvPr>
-          <p:cNvSpPr txBox="1"/>
-          <p:nvPr/>
-        </p:nvSpPr>
-        <p:spPr>
-          <a:xfrm>
-            <a:off x="3523376" y="796954"/>
-            <a:ext cx="6149130" cy="3416320"/>
-          </a:xfrm>
-          <a:prstGeom prst="rect">
-            <a:avLst/>
-          </a:prstGeom>
-          <a:noFill/>
-        </p:spPr>
-        <p:txBody>
-          <a:bodyPr wrap="square" rtlCol="0">
-            <a:spAutoFit/>
-          </a:bodyPr>
-          <a:lstStyle/>
-          <a:p>
-            <a:r>
-              <a:rPr lang="fr-FR" dirty="0"/>
-              <a:t>Plan mémoire :</a:t>
-            </a:r>
-          </a:p>
-          <a:p>
-            <a:endParaRPr lang="fr-FR" dirty="0"/>
-          </a:p>
-          <a:p>
-            <a:r>
-              <a:rPr lang="fr-FR" dirty="0"/>
-              <a:t>-&gt; Atmega 16a</a:t>
-            </a:r>
-          </a:p>
-          <a:p>
-            <a:r>
-              <a:rPr lang="fr-FR" dirty="0"/>
-              <a:t>0x0000 – 0x005F réservé</a:t>
-            </a:r>
-          </a:p>
-          <a:p>
-            <a:r>
-              <a:rPr lang="fr-FR" dirty="0"/>
-              <a:t>0x0060 – 0x045F [SRAM] variables programme + tables</a:t>
-            </a:r>
-          </a:p>
-          <a:p>
-            <a:r>
-              <a:rPr lang="fr-FR" dirty="0"/>
-              <a:t>0x0460 – 0x4460 [flash] mémoire programme</a:t>
-            </a:r>
-          </a:p>
-          <a:p>
-            <a:r>
-              <a:rPr lang="fr-FR" dirty="0"/>
-              <a:t>0x000-0x200 [EEPROM] stockage du son du jeu et des menus</a:t>
-            </a:r>
-          </a:p>
-          <a:p>
-            <a:endParaRPr lang="fr-FR" dirty="0"/>
-          </a:p>
-          <a:p>
-            <a:r>
-              <a:rPr lang="fr-FR" dirty="0"/>
-              <a:t>-&gt; Mémoire en SPI</a:t>
-            </a:r>
-          </a:p>
-          <a:p>
-            <a:r>
-              <a:rPr lang="fr-FR" dirty="0"/>
-              <a:t>0x0400 – 0x47FF images du jeu</a:t>
-            </a:r>
-          </a:p>
-          <a:p>
-            <a:r>
-              <a:rPr lang="fr-FR" dirty="0"/>
-              <a:t>0x4800 – 0x4DAF données du jeu</a:t>
-            </a:r>
-          </a:p>
-          <a:p>
-            <a:r>
-              <a:rPr lang="fr-FR" dirty="0"/>
-              <a:t>0x5800 – 0x7FFF images des menus de la console</a:t>
-            </a:r>
-          </a:p>
-        </p:txBody>
-      </p:sp>
-      <p:sp>
-        <p:nvSpPr>
-          <p:cNvPr id="5" name="Espace réservé du numéro de diapositive 5">
-            <a:extLst>
-              <a:ext uri="{FF2B5EF4-FFF2-40B4-BE49-F238E27FC236}">
-                <a16:creationId xmlns:a16="http://schemas.microsoft.com/office/drawing/2014/main" id="{80F87924-2C03-469C-8788-12ECB7408734}"/>
-              </a:ext>
-            </a:extLst>
-          </p:cNvPr>
-          <p:cNvSpPr>
-            <a:spLocks noGrp="1"/>
-          </p:cNvSpPr>
-          <p:nvPr>
-            <p:ph type="sldNum" sz="quarter" idx="12"/>
-          </p:nvPr>
-        </p:nvSpPr>
-        <p:spPr>
-          <a:xfrm>
-            <a:off x="10951855" y="321374"/>
-            <a:ext cx="551167" cy="365125"/>
-          </a:xfrm>
-        </p:spPr>
-        <p:txBody>
-          <a:bodyPr/>
-          <a:lstStyle/>
-          <a:p>
-            <a:fld id="{B2DC25EE-239B-4C5F-AAD1-255A7D5F1EE2}" type="slidenum">
-              <a:rPr lang="en-US" smtClean="0"/>
-              <a:t>9</a:t>
-            </a:fld>
-            <a:endParaRPr lang="en-US" dirty="0"/>
-          </a:p>
-        </p:txBody>
-      </p:sp>
-      <p:pic>
-        <p:nvPicPr>
-          <p:cNvPr id="6" name="Image 5">
-            <a:extLst>
-              <a:ext uri="{FF2B5EF4-FFF2-40B4-BE49-F238E27FC236}">
-                <a16:creationId xmlns:a16="http://schemas.microsoft.com/office/drawing/2014/main" id="{547E47D8-E20F-4FE6-B5D4-9A130965B3BB}"/>
-              </a:ext>
-            </a:extLst>
-          </p:cNvPr>
-          <p:cNvPicPr>
-            <a:picLocks noChangeAspect="1"/>
-          </p:cNvPicPr>
-          <p:nvPr/>
-        </p:nvPicPr>
-        <p:blipFill>
-          <a:blip r:embed="rId2">
-            <a:extLst>
-              <a:ext uri="{28A0092B-C50C-407E-A947-70E740481C1C}">
-                <a14:useLocalDpi xmlns:a14="http://schemas.microsoft.com/office/drawing/2010/main" val="0"/>
-              </a:ext>
-            </a:extLst>
-          </a:blip>
-          <a:stretch>
-            <a:fillRect/>
-          </a:stretch>
-        </p:blipFill>
-        <p:spPr>
-          <a:xfrm>
-            <a:off x="0" y="6271120"/>
-            <a:ext cx="1600974" cy="586880"/>
-          </a:xfrm>
-          <a:prstGeom prst="rect">
-            <a:avLst/>
-          </a:prstGeom>
-        </p:spPr>
-      </p:pic>
-    </p:spTree>
-    <p:extLst>
-      <p:ext uri="{BB962C8B-B14F-4D97-AF65-F5344CB8AC3E}">
-        <p14:creationId xmlns:p14="http://schemas.microsoft.com/office/powerpoint/2010/main" val="3368041899"/>
       </p:ext>
     </p:extLst>
   </p:cSld>
